--- a/documentacao/Tecnologia da Informação/Lúdico.HLD.LLD.pptx
+++ b/documentacao/Tecnologia da Informação/Lúdico.HLD.LLD.pptx
@@ -112,6 +112,11 @@
       </a:defRPr>
     </a:lvl9pPr>
   </p:defaultTextStyle>
+  <p:extLst>
+    <p:ext uri="{EFAFB233-063F-42B5-8137-9DF3F51BA10A}">
+      <p15:sldGuideLst xmlns:p15="http://schemas.microsoft.com/office/powerpoint/2012/main"/>
+    </p:ext>
+  </p:extLst>
 </p:presentation>
 </file>
 
@@ -197,7 +202,7 @@
           <a:p>
             <a:fld id="{FED44E70-6B30-4F78-96F9-174C4D80A519}" type="datetimeFigureOut">
               <a:rPr lang="pt-BR" smtClean="0"/>
-              <a:t>16/04/2019</a:t>
+              <a:t>20/04/2019</a:t>
             </a:fld>
             <a:endParaRPr lang="pt-BR"/>
           </a:p>
@@ -695,7 +700,7 @@
           <a:p>
             <a:fld id="{6EBA081D-4D01-4F28-A879-8ACC76A602D6}" type="datetimeFigureOut">
               <a:rPr lang="pt-BR" smtClean="0"/>
-              <a:t>16/04/2019</a:t>
+              <a:t>20/04/2019</a:t>
             </a:fld>
             <a:endParaRPr lang="pt-BR"/>
           </a:p>
@@ -893,7 +898,7 @@
           <a:p>
             <a:fld id="{6EBA081D-4D01-4F28-A879-8ACC76A602D6}" type="datetimeFigureOut">
               <a:rPr lang="pt-BR" smtClean="0"/>
-              <a:t>16/04/2019</a:t>
+              <a:t>20/04/2019</a:t>
             </a:fld>
             <a:endParaRPr lang="pt-BR"/>
           </a:p>
@@ -1101,7 +1106,7 @@
           <a:p>
             <a:fld id="{6EBA081D-4D01-4F28-A879-8ACC76A602D6}" type="datetimeFigureOut">
               <a:rPr lang="pt-BR" smtClean="0"/>
-              <a:t>16/04/2019</a:t>
+              <a:t>20/04/2019</a:t>
             </a:fld>
             <a:endParaRPr lang="pt-BR"/>
           </a:p>
@@ -1299,7 +1304,7 @@
           <a:p>
             <a:fld id="{6EBA081D-4D01-4F28-A879-8ACC76A602D6}" type="datetimeFigureOut">
               <a:rPr lang="pt-BR" smtClean="0"/>
-              <a:t>16/04/2019</a:t>
+              <a:t>20/04/2019</a:t>
             </a:fld>
             <a:endParaRPr lang="pt-BR"/>
           </a:p>
@@ -1574,7 +1579,7 @@
           <a:p>
             <a:fld id="{6EBA081D-4D01-4F28-A879-8ACC76A602D6}" type="datetimeFigureOut">
               <a:rPr lang="pt-BR" smtClean="0"/>
-              <a:t>16/04/2019</a:t>
+              <a:t>20/04/2019</a:t>
             </a:fld>
             <a:endParaRPr lang="pt-BR"/>
           </a:p>
@@ -1839,7 +1844,7 @@
           <a:p>
             <a:fld id="{6EBA081D-4D01-4F28-A879-8ACC76A602D6}" type="datetimeFigureOut">
               <a:rPr lang="pt-BR" smtClean="0"/>
-              <a:t>16/04/2019</a:t>
+              <a:t>20/04/2019</a:t>
             </a:fld>
             <a:endParaRPr lang="pt-BR"/>
           </a:p>
@@ -2251,7 +2256,7 @@
           <a:p>
             <a:fld id="{6EBA081D-4D01-4F28-A879-8ACC76A602D6}" type="datetimeFigureOut">
               <a:rPr lang="pt-BR" smtClean="0"/>
-              <a:t>16/04/2019</a:t>
+              <a:t>20/04/2019</a:t>
             </a:fld>
             <a:endParaRPr lang="pt-BR"/>
           </a:p>
@@ -2392,7 +2397,7 @@
           <a:p>
             <a:fld id="{6EBA081D-4D01-4F28-A879-8ACC76A602D6}" type="datetimeFigureOut">
               <a:rPr lang="pt-BR" smtClean="0"/>
-              <a:t>16/04/2019</a:t>
+              <a:t>20/04/2019</a:t>
             </a:fld>
             <a:endParaRPr lang="pt-BR"/>
           </a:p>
@@ -2505,7 +2510,7 @@
           <a:p>
             <a:fld id="{6EBA081D-4D01-4F28-A879-8ACC76A602D6}" type="datetimeFigureOut">
               <a:rPr lang="pt-BR" smtClean="0"/>
-              <a:t>16/04/2019</a:t>
+              <a:t>20/04/2019</a:t>
             </a:fld>
             <a:endParaRPr lang="pt-BR"/>
           </a:p>
@@ -2816,7 +2821,7 @@
           <a:p>
             <a:fld id="{6EBA081D-4D01-4F28-A879-8ACC76A602D6}" type="datetimeFigureOut">
               <a:rPr lang="pt-BR" smtClean="0"/>
-              <a:t>16/04/2019</a:t>
+              <a:t>20/04/2019</a:t>
             </a:fld>
             <a:endParaRPr lang="pt-BR"/>
           </a:p>
@@ -3104,7 +3109,7 @@
           <a:p>
             <a:fld id="{6EBA081D-4D01-4F28-A879-8ACC76A602D6}" type="datetimeFigureOut">
               <a:rPr lang="pt-BR" smtClean="0"/>
-              <a:t>16/04/2019</a:t>
+              <a:t>20/04/2019</a:t>
             </a:fld>
             <a:endParaRPr lang="pt-BR"/>
           </a:p>
@@ -3345,7 +3350,7 @@
           <a:p>
             <a:fld id="{6EBA081D-4D01-4F28-A879-8ACC76A602D6}" type="datetimeFigureOut">
               <a:rPr lang="pt-BR" smtClean="0"/>
-              <a:t>16/04/2019</a:t>
+              <a:t>20/04/2019</a:t>
             </a:fld>
             <a:endParaRPr lang="pt-BR"/>
           </a:p>
@@ -8951,42 +8956,6 @@
           </a:p>
         </p:txBody>
       </p:sp>
-      <p:pic>
-        <p:nvPicPr>
-          <p:cNvPr id="83" name="Imagem 82">
-            <a:extLst>
-              <a:ext uri="{FF2B5EF4-FFF2-40B4-BE49-F238E27FC236}">
-                <a16:creationId xmlns:a16="http://schemas.microsoft.com/office/drawing/2014/main" id="{DF34A570-E04B-4BCC-98FB-B8D5F78336A1}"/>
-              </a:ext>
-            </a:extLst>
-          </p:cNvPr>
-          <p:cNvPicPr>
-            <a:picLocks noChangeAspect="1"/>
-          </p:cNvPicPr>
-          <p:nvPr/>
-        </p:nvPicPr>
-        <p:blipFill>
-          <a:blip r:embed="rId4">
-            <a:extLst>
-              <a:ext uri="{28A0092B-C50C-407E-A947-70E740481C1C}">
-                <a14:useLocalDpi xmlns:a14="http://schemas.microsoft.com/office/drawing/2010/main" val="0"/>
-              </a:ext>
-            </a:extLst>
-          </a:blip>
-          <a:stretch>
-            <a:fillRect/>
-          </a:stretch>
-        </p:blipFill>
-        <p:spPr>
-          <a:xfrm>
-            <a:off x="9819018" y="1746025"/>
-            <a:ext cx="1402916" cy="1092144"/>
-          </a:xfrm>
-          <a:prstGeom prst="rect">
-            <a:avLst/>
-          </a:prstGeom>
-        </p:spPr>
-      </p:pic>
       <p:cxnSp>
         <p:nvCxnSpPr>
           <p:cNvPr id="85" name="Conector de Seta Reta 84">
@@ -8999,7 +8968,6 @@
           <p:cNvCxnSpPr>
             <a:cxnSpLocks/>
             <a:stCxn id="49" idx="3"/>
-            <a:endCxn id="83" idx="1"/>
           </p:cNvCxnSpPr>
           <p:nvPr/>
         </p:nvCxnSpPr>
@@ -9150,7 +9118,7 @@
           <p:nvPr/>
         </p:nvPicPr>
         <p:blipFill>
-          <a:blip r:embed="rId5">
+          <a:blip r:embed="rId4">
             <a:extLst>
               <a:ext uri="{28A0092B-C50C-407E-A947-70E740481C1C}">
                 <a14:useLocalDpi xmlns:a14="http://schemas.microsoft.com/office/drawing/2010/main" val="0"/>
@@ -9652,6 +9620,42 @@
           </a:p>
         </p:txBody>
       </p:sp>
+      <p:pic>
+        <p:nvPicPr>
+          <p:cNvPr id="30" name="Imagem 29">
+            <a:extLst>
+              <a:ext uri="{FF2B5EF4-FFF2-40B4-BE49-F238E27FC236}">
+                <a16:creationId xmlns:a16="http://schemas.microsoft.com/office/drawing/2014/main" id="{152A8A31-5321-4EFD-9868-02F4948A45AF}"/>
+              </a:ext>
+            </a:extLst>
+          </p:cNvPr>
+          <p:cNvPicPr>
+            <a:picLocks noChangeAspect="1"/>
+          </p:cNvPicPr>
+          <p:nvPr/>
+        </p:nvPicPr>
+        <p:blipFill>
+          <a:blip r:embed="rId5">
+            <a:extLst>
+              <a:ext uri="{28A0092B-C50C-407E-A947-70E740481C1C}">
+                <a14:useLocalDpi xmlns:a14="http://schemas.microsoft.com/office/drawing/2010/main" val="0"/>
+              </a:ext>
+            </a:extLst>
+          </a:blip>
+          <a:stretch>
+            <a:fillRect/>
+          </a:stretch>
+        </p:blipFill>
+        <p:spPr>
+          <a:xfrm>
+            <a:off x="9943226" y="1600646"/>
+            <a:ext cx="1054123" cy="1054123"/>
+          </a:xfrm>
+          <a:prstGeom prst="rect">
+            <a:avLst/>
+          </a:prstGeom>
+        </p:spPr>
+      </p:pic>
     </p:spTree>
     <p:extLst>
       <p:ext uri="{BB962C8B-B14F-4D97-AF65-F5344CB8AC3E}">
@@ -9696,7 +9700,7 @@
         </p:nvSpPr>
         <p:spPr>
           <a:xfrm>
-            <a:off x="2215674" y="159026"/>
+            <a:off x="2215674" y="0"/>
             <a:ext cx="7760651" cy="707886"/>
           </a:xfrm>
           <a:prstGeom prst="rect">
@@ -9731,8 +9735,8 @@
         </p:nvSpPr>
         <p:spPr>
           <a:xfrm>
-            <a:off x="707144" y="1166190"/>
-            <a:ext cx="7760651" cy="5693866"/>
+            <a:off x="177058" y="965351"/>
+            <a:ext cx="6276752" cy="5632311"/>
           </a:xfrm>
           <a:prstGeom prst="rect">
             <a:avLst/>
@@ -9750,20 +9754,12 @@
               <a:buChar char="•"/>
             </a:pPr>
             <a:r>
-              <a:rPr lang="pt-BR" sz="2800" dirty="0" err="1"/>
+              <a:rPr lang="pt-BR" sz="2400" dirty="0" err="1"/>
               <a:t>Github</a:t>
             </a:r>
             <a:r>
-              <a:rPr lang="pt-BR" sz="2800" dirty="0"/>
-              <a:t> – </a:t>
-            </a:r>
-            <a:r>
-              <a:rPr lang="pt-BR" sz="2800" dirty="0" err="1"/>
-              <a:t>Versionador</a:t>
-            </a:r>
-            <a:r>
-              <a:rPr lang="pt-BR" sz="2800" dirty="0"/>
-              <a:t> </a:t>
+              <a:rPr lang="pt-BR" sz="2400" dirty="0"/>
+              <a:t> – Controle de versão </a:t>
             </a:r>
           </a:p>
           <a:p>
@@ -9772,7 +9768,7 @@
               <a:buChar char="•"/>
             </a:pPr>
             <a:r>
-              <a:rPr lang="pt-BR" sz="2800" dirty="0"/>
+              <a:rPr lang="pt-BR" sz="2400" dirty="0"/>
               <a:t>Bitrix24 – Gestão de Projetos</a:t>
             </a:r>
           </a:p>
@@ -9782,11 +9778,11 @@
               <a:buChar char="•"/>
             </a:pPr>
             <a:r>
-              <a:rPr lang="pt-BR" sz="2800" dirty="0" err="1"/>
+              <a:rPr lang="pt-BR" sz="2400" dirty="0" err="1"/>
               <a:t>Arduíno</a:t>
             </a:r>
             <a:r>
-              <a:rPr lang="pt-BR" sz="2800" dirty="0"/>
+              <a:rPr lang="pt-BR" sz="2400" dirty="0"/>
               <a:t> – Prototipagem </a:t>
             </a:r>
           </a:p>
@@ -9796,7 +9792,7 @@
               <a:buChar char="•"/>
             </a:pPr>
             <a:r>
-              <a:rPr lang="pt-BR" sz="2800" dirty="0"/>
+              <a:rPr lang="pt-BR" sz="2400" dirty="0"/>
               <a:t>Microsoft Azure</a:t>
             </a:r>
           </a:p>
@@ -9806,11 +9802,11 @@
               <a:buChar char="•"/>
             </a:pPr>
             <a:r>
-              <a:rPr lang="pt-BR" sz="2800" dirty="0" err="1"/>
+              <a:rPr lang="pt-BR" sz="2400" dirty="0" err="1"/>
               <a:t>SQLServer</a:t>
             </a:r>
             <a:r>
-              <a:rPr lang="pt-BR" sz="2800" dirty="0"/>
+              <a:rPr lang="pt-BR" sz="2400" dirty="0"/>
               <a:t> – Banco de Dados</a:t>
             </a:r>
           </a:p>
@@ -9820,7 +9816,7 @@
               <a:buChar char="•"/>
             </a:pPr>
             <a:r>
-              <a:rPr lang="pt-BR" sz="2800" dirty="0"/>
+              <a:rPr lang="pt-BR" sz="2400" dirty="0"/>
               <a:t>Aplicação WEB - Hospedagem</a:t>
             </a:r>
           </a:p>
@@ -9830,8 +9826,14 @@
               <a:buChar char="•"/>
             </a:pPr>
             <a:r>
-              <a:rPr lang="pt-BR" sz="2800" dirty="0"/>
-              <a:t>Node JS – Servidor WEB e manipulação de dados</a:t>
+              <a:rPr lang="pt-BR" sz="2400" dirty="0"/>
+              <a:t>Node JS – Servidor WEB e manipulação</a:t>
+            </a:r>
+          </a:p>
+          <a:p>
+            <a:r>
+              <a:rPr lang="pt-BR" sz="2400" dirty="0"/>
+              <a:t>de dados</a:t>
             </a:r>
           </a:p>
           <a:p>
@@ -9840,7 +9842,7 @@
               <a:buChar char="•"/>
             </a:pPr>
             <a:r>
-              <a:rPr lang="pt-BR" sz="2800" dirty="0"/>
+              <a:rPr lang="pt-BR" sz="2400" dirty="0"/>
               <a:t>MySQL – Banco de Dados</a:t>
             </a:r>
           </a:p>
@@ -9850,11 +9852,11 @@
               <a:buChar char="•"/>
             </a:pPr>
             <a:r>
-              <a:rPr lang="pt-BR" sz="2800" dirty="0" err="1"/>
+              <a:rPr lang="pt-BR" sz="2400" dirty="0" err="1"/>
               <a:t>BrModelo</a:t>
             </a:r>
             <a:r>
-              <a:rPr lang="pt-BR" sz="2800" dirty="0"/>
+              <a:rPr lang="pt-BR" sz="2400" dirty="0"/>
               <a:t> – Modelagem de Dados</a:t>
             </a:r>
           </a:p>
@@ -9864,16 +9866,16 @@
               <a:buChar char="•"/>
             </a:pPr>
             <a:r>
-              <a:rPr lang="pt-BR" sz="2800" dirty="0"/>
+              <a:rPr lang="pt-BR" sz="2400" dirty="0"/>
               <a:t>VS </a:t>
             </a:r>
             <a:r>
-              <a:rPr lang="pt-BR" sz="2800" dirty="0" err="1"/>
+              <a:rPr lang="pt-BR" sz="2400" dirty="0" err="1"/>
               <a:t>Code</a:t>
             </a:r>
             <a:r>
-              <a:rPr lang="pt-BR" sz="2800" dirty="0"/>
-              <a:t> - IDE</a:t>
+              <a:rPr lang="pt-BR" sz="2400" dirty="0"/>
+              <a:t> – IDE</a:t>
             </a:r>
           </a:p>
           <a:p>
@@ -9881,24 +9883,464 @@
               <a:buFont typeface="Arial" panose="020B0604020202020204" pitchFamily="34" charset="0"/>
               <a:buChar char="•"/>
             </a:pPr>
-            <a:endParaRPr lang="pt-BR" sz="2800" dirty="0"/>
+            <a:r>
+              <a:rPr lang="pt-BR" sz="2400" dirty="0"/>
+              <a:t>HTML , CSS (Framework BOOTSTRAP) , </a:t>
+            </a:r>
+          </a:p>
+          <a:p>
+            <a:r>
+              <a:rPr lang="pt-BR" sz="2400" dirty="0"/>
+              <a:t>JAVASCRIPT – Linguagens </a:t>
+            </a:r>
+          </a:p>
+          <a:p>
+            <a:r>
+              <a:rPr lang="pt-BR" sz="2400" dirty="0"/>
+              <a:t>de Programação</a:t>
+            </a:r>
           </a:p>
           <a:p>
             <a:pPr marL="285750" indent="-285750">
               <a:buFont typeface="Arial" panose="020B0604020202020204" pitchFamily="34" charset="0"/>
               <a:buChar char="•"/>
             </a:pPr>
-            <a:endParaRPr lang="pt-BR" sz="2800" dirty="0"/>
-          </a:p>
-          <a:p>
-            <a:pPr marL="285750" indent="-285750">
-              <a:buFont typeface="Arial" panose="020B0604020202020204" pitchFamily="34" charset="0"/>
-              <a:buChar char="•"/>
-            </a:pPr>
-            <a:endParaRPr lang="pt-BR" sz="2800" dirty="0"/>
-          </a:p>
-        </p:txBody>
-      </p:sp>
+            <a:endParaRPr lang="pt-BR" sz="2400" dirty="0"/>
+          </a:p>
+        </p:txBody>
+      </p:sp>
+      <p:pic>
+        <p:nvPicPr>
+          <p:cNvPr id="3" name="Imagem 2">
+            <a:extLst>
+              <a:ext uri="{FF2B5EF4-FFF2-40B4-BE49-F238E27FC236}">
+                <a16:creationId xmlns:a16="http://schemas.microsoft.com/office/drawing/2014/main" id="{121A2AFC-1A51-4361-A946-C49574E428EF}"/>
+              </a:ext>
+            </a:extLst>
+          </p:cNvPr>
+          <p:cNvPicPr>
+            <a:picLocks noChangeAspect="1"/>
+          </p:cNvPicPr>
+          <p:nvPr/>
+        </p:nvPicPr>
+        <p:blipFill>
+          <a:blip r:embed="rId2">
+            <a:extLst>
+              <a:ext uri="{28A0092B-C50C-407E-A947-70E740481C1C}">
+                <a14:useLocalDpi xmlns:a14="http://schemas.microsoft.com/office/drawing/2010/main" val="0"/>
+              </a:ext>
+            </a:extLst>
+          </a:blip>
+          <a:stretch>
+            <a:fillRect/>
+          </a:stretch>
+        </p:blipFill>
+        <p:spPr>
+          <a:xfrm>
+            <a:off x="7724560" y="1482185"/>
+            <a:ext cx="707887" cy="707887"/>
+          </a:xfrm>
+          <a:prstGeom prst="rect">
+            <a:avLst/>
+          </a:prstGeom>
+        </p:spPr>
+      </p:pic>
+      <p:pic>
+        <p:nvPicPr>
+          <p:cNvPr id="7" name="Imagem 6">
+            <a:extLst>
+              <a:ext uri="{FF2B5EF4-FFF2-40B4-BE49-F238E27FC236}">
+                <a16:creationId xmlns:a16="http://schemas.microsoft.com/office/drawing/2014/main" id="{87C620F4-99AC-4EEF-82D6-9586BF5B4002}"/>
+              </a:ext>
+            </a:extLst>
+          </p:cNvPr>
+          <p:cNvPicPr>
+            <a:picLocks noChangeAspect="1"/>
+          </p:cNvPicPr>
+          <p:nvPr/>
+        </p:nvPicPr>
+        <p:blipFill>
+          <a:blip r:embed="rId3">
+            <a:extLst>
+              <a:ext uri="{28A0092B-C50C-407E-A947-70E740481C1C}">
+                <a14:useLocalDpi xmlns:a14="http://schemas.microsoft.com/office/drawing/2010/main" val="0"/>
+              </a:ext>
+            </a:extLst>
+          </a:blip>
+          <a:stretch>
+            <a:fillRect/>
+          </a:stretch>
+        </p:blipFill>
+        <p:spPr>
+          <a:xfrm>
+            <a:off x="8910631" y="1482186"/>
+            <a:ext cx="707886" cy="707886"/>
+          </a:xfrm>
+          <a:prstGeom prst="rect">
+            <a:avLst/>
+          </a:prstGeom>
+        </p:spPr>
+      </p:pic>
+      <p:pic>
+        <p:nvPicPr>
+          <p:cNvPr id="9" name="Imagem 8">
+            <a:extLst>
+              <a:ext uri="{FF2B5EF4-FFF2-40B4-BE49-F238E27FC236}">
+                <a16:creationId xmlns:a16="http://schemas.microsoft.com/office/drawing/2014/main" id="{75491B6C-930C-4BCD-8928-1D450112286B}"/>
+              </a:ext>
+            </a:extLst>
+          </p:cNvPr>
+          <p:cNvPicPr>
+            <a:picLocks noChangeAspect="1"/>
+          </p:cNvPicPr>
+          <p:nvPr/>
+        </p:nvPicPr>
+        <p:blipFill>
+          <a:blip r:embed="rId4">
+            <a:extLst>
+              <a:ext uri="{28A0092B-C50C-407E-A947-70E740481C1C}">
+                <a14:useLocalDpi xmlns:a14="http://schemas.microsoft.com/office/drawing/2010/main" val="0"/>
+              </a:ext>
+            </a:extLst>
+          </a:blip>
+          <a:stretch>
+            <a:fillRect/>
+          </a:stretch>
+        </p:blipFill>
+        <p:spPr>
+          <a:xfrm>
+            <a:off x="9976325" y="1482186"/>
+            <a:ext cx="1258465" cy="707886"/>
+          </a:xfrm>
+          <a:prstGeom prst="rect">
+            <a:avLst/>
+          </a:prstGeom>
+        </p:spPr>
+      </p:pic>
+      <p:pic>
+        <p:nvPicPr>
+          <p:cNvPr id="11" name="Imagem 10">
+            <a:extLst>
+              <a:ext uri="{FF2B5EF4-FFF2-40B4-BE49-F238E27FC236}">
+                <a16:creationId xmlns:a16="http://schemas.microsoft.com/office/drawing/2014/main" id="{CFE10E36-EED5-4B2C-B113-6516EFCFB49A}"/>
+              </a:ext>
+            </a:extLst>
+          </p:cNvPr>
+          <p:cNvPicPr>
+            <a:picLocks noChangeAspect="1"/>
+          </p:cNvPicPr>
+          <p:nvPr/>
+        </p:nvPicPr>
+        <p:blipFill>
+          <a:blip r:embed="rId5">
+            <a:extLst>
+              <a:ext uri="{28A0092B-C50C-407E-A947-70E740481C1C}">
+                <a14:useLocalDpi xmlns:a14="http://schemas.microsoft.com/office/drawing/2010/main" val="0"/>
+              </a:ext>
+            </a:extLst>
+          </a:blip>
+          <a:stretch>
+            <a:fillRect/>
+          </a:stretch>
+        </p:blipFill>
+        <p:spPr>
+          <a:xfrm>
+            <a:off x="7603835" y="2370081"/>
+            <a:ext cx="949336" cy="707886"/>
+          </a:xfrm>
+          <a:prstGeom prst="rect">
+            <a:avLst/>
+          </a:prstGeom>
+        </p:spPr>
+      </p:pic>
+      <p:pic>
+        <p:nvPicPr>
+          <p:cNvPr id="13" name="Imagem 12">
+            <a:extLst>
+              <a:ext uri="{FF2B5EF4-FFF2-40B4-BE49-F238E27FC236}">
+                <a16:creationId xmlns:a16="http://schemas.microsoft.com/office/drawing/2014/main" id="{643403DA-5959-44EA-9053-661323AFB6D1}"/>
+              </a:ext>
+            </a:extLst>
+          </p:cNvPr>
+          <p:cNvPicPr>
+            <a:picLocks noChangeAspect="1"/>
+          </p:cNvPicPr>
+          <p:nvPr/>
+        </p:nvPicPr>
+        <p:blipFill>
+          <a:blip r:embed="rId6">
+            <a:extLst>
+              <a:ext uri="{28A0092B-C50C-407E-A947-70E740481C1C}">
+                <a14:useLocalDpi xmlns:a14="http://schemas.microsoft.com/office/drawing/2010/main" val="0"/>
+              </a:ext>
+            </a:extLst>
+          </a:blip>
+          <a:stretch>
+            <a:fillRect/>
+          </a:stretch>
+        </p:blipFill>
+        <p:spPr>
+          <a:xfrm>
+            <a:off x="8851916" y="2370081"/>
+            <a:ext cx="707886" cy="707886"/>
+          </a:xfrm>
+          <a:prstGeom prst="rect">
+            <a:avLst/>
+          </a:prstGeom>
+        </p:spPr>
+      </p:pic>
+      <p:pic>
+        <p:nvPicPr>
+          <p:cNvPr id="15" name="Imagem 14">
+            <a:extLst>
+              <a:ext uri="{FF2B5EF4-FFF2-40B4-BE49-F238E27FC236}">
+                <a16:creationId xmlns:a16="http://schemas.microsoft.com/office/drawing/2014/main" id="{1594C411-B5A9-4D68-AB47-F51F9E6E03D8}"/>
+              </a:ext>
+            </a:extLst>
+          </p:cNvPr>
+          <p:cNvPicPr>
+            <a:picLocks noChangeAspect="1"/>
+          </p:cNvPicPr>
+          <p:nvPr/>
+        </p:nvPicPr>
+        <p:blipFill>
+          <a:blip r:embed="rId7">
+            <a:extLst>
+              <a:ext uri="{28A0092B-C50C-407E-A947-70E740481C1C}">
+                <a14:useLocalDpi xmlns:a14="http://schemas.microsoft.com/office/drawing/2010/main" val="0"/>
+              </a:ext>
+            </a:extLst>
+          </a:blip>
+          <a:stretch>
+            <a:fillRect/>
+          </a:stretch>
+        </p:blipFill>
+        <p:spPr>
+          <a:xfrm>
+            <a:off x="9976325" y="2370081"/>
+            <a:ext cx="1258465" cy="707886"/>
+          </a:xfrm>
+          <a:prstGeom prst="rect">
+            <a:avLst/>
+          </a:prstGeom>
+        </p:spPr>
+      </p:pic>
+      <p:pic>
+        <p:nvPicPr>
+          <p:cNvPr id="17" name="Imagem 16">
+            <a:extLst>
+              <a:ext uri="{FF2B5EF4-FFF2-40B4-BE49-F238E27FC236}">
+                <a16:creationId xmlns:a16="http://schemas.microsoft.com/office/drawing/2014/main" id="{A0CF0EAF-A5EB-4608-A111-0C360125686F}"/>
+              </a:ext>
+            </a:extLst>
+          </p:cNvPr>
+          <p:cNvPicPr>
+            <a:picLocks noChangeAspect="1"/>
+          </p:cNvPicPr>
+          <p:nvPr/>
+        </p:nvPicPr>
+        <p:blipFill>
+          <a:blip r:embed="rId8">
+            <a:extLst>
+              <a:ext uri="{28A0092B-C50C-407E-A947-70E740481C1C}">
+                <a14:useLocalDpi xmlns:a14="http://schemas.microsoft.com/office/drawing/2010/main" val="0"/>
+              </a:ext>
+            </a:extLst>
+          </a:blip>
+          <a:stretch>
+            <a:fillRect/>
+          </a:stretch>
+        </p:blipFill>
+        <p:spPr>
+          <a:xfrm>
+            <a:off x="7724560" y="3459833"/>
+            <a:ext cx="763494" cy="763494"/>
+          </a:xfrm>
+          <a:prstGeom prst="rect">
+            <a:avLst/>
+          </a:prstGeom>
+        </p:spPr>
+      </p:pic>
+      <p:pic>
+        <p:nvPicPr>
+          <p:cNvPr id="19" name="Imagem 18">
+            <a:extLst>
+              <a:ext uri="{FF2B5EF4-FFF2-40B4-BE49-F238E27FC236}">
+                <a16:creationId xmlns:a16="http://schemas.microsoft.com/office/drawing/2014/main" id="{D4619933-1F7E-4F9B-899E-1ACE01E916D7}"/>
+              </a:ext>
+            </a:extLst>
+          </p:cNvPr>
+          <p:cNvPicPr>
+            <a:picLocks noChangeAspect="1"/>
+          </p:cNvPicPr>
+          <p:nvPr/>
+        </p:nvPicPr>
+        <p:blipFill>
+          <a:blip r:embed="rId9">
+            <a:extLst>
+              <a:ext uri="{28A0092B-C50C-407E-A947-70E740481C1C}">
+                <a14:useLocalDpi xmlns:a14="http://schemas.microsoft.com/office/drawing/2010/main" val="0"/>
+              </a:ext>
+            </a:extLst>
+          </a:blip>
+          <a:stretch>
+            <a:fillRect/>
+          </a:stretch>
+        </p:blipFill>
+        <p:spPr>
+          <a:xfrm>
+            <a:off x="8796308" y="3456652"/>
+            <a:ext cx="763494" cy="760313"/>
+          </a:xfrm>
+          <a:prstGeom prst="rect">
+            <a:avLst/>
+          </a:prstGeom>
+        </p:spPr>
+      </p:pic>
+      <p:pic>
+        <p:nvPicPr>
+          <p:cNvPr id="21" name="Imagem 20">
+            <a:extLst>
+              <a:ext uri="{FF2B5EF4-FFF2-40B4-BE49-F238E27FC236}">
+                <a16:creationId xmlns:a16="http://schemas.microsoft.com/office/drawing/2014/main" id="{5DC71B65-1EE2-40F9-8FA2-F2B1C5BA7804}"/>
+              </a:ext>
+            </a:extLst>
+          </p:cNvPr>
+          <p:cNvPicPr>
+            <a:picLocks noChangeAspect="1"/>
+          </p:cNvPicPr>
+          <p:nvPr/>
+        </p:nvPicPr>
+        <p:blipFill>
+          <a:blip r:embed="rId10">
+            <a:extLst>
+              <a:ext uri="{28A0092B-C50C-407E-A947-70E740481C1C}">
+                <a14:useLocalDpi xmlns:a14="http://schemas.microsoft.com/office/drawing/2010/main" val="0"/>
+              </a:ext>
+            </a:extLst>
+          </a:blip>
+          <a:stretch>
+            <a:fillRect/>
+          </a:stretch>
+        </p:blipFill>
+        <p:spPr>
+          <a:xfrm>
+            <a:off x="7669896" y="4605193"/>
+            <a:ext cx="883275" cy="883275"/>
+          </a:xfrm>
+          <a:prstGeom prst="rect">
+            <a:avLst/>
+          </a:prstGeom>
+        </p:spPr>
+      </p:pic>
+      <p:pic>
+        <p:nvPicPr>
+          <p:cNvPr id="23" name="Imagem 22">
+            <a:extLst>
+              <a:ext uri="{FF2B5EF4-FFF2-40B4-BE49-F238E27FC236}">
+                <a16:creationId xmlns:a16="http://schemas.microsoft.com/office/drawing/2014/main" id="{F92C74EE-07F8-441C-850C-15567C97CB3C}"/>
+              </a:ext>
+            </a:extLst>
+          </p:cNvPr>
+          <p:cNvPicPr>
+            <a:picLocks noChangeAspect="1"/>
+          </p:cNvPicPr>
+          <p:nvPr/>
+        </p:nvPicPr>
+        <p:blipFill>
+          <a:blip r:embed="rId11">
+            <a:extLst>
+              <a:ext uri="{28A0092B-C50C-407E-A947-70E740481C1C}">
+                <a14:useLocalDpi xmlns:a14="http://schemas.microsoft.com/office/drawing/2010/main" val="0"/>
+              </a:ext>
+            </a:extLst>
+          </a:blip>
+          <a:stretch>
+            <a:fillRect/>
+          </a:stretch>
+        </p:blipFill>
+        <p:spPr>
+          <a:xfrm>
+            <a:off x="8796308" y="4578174"/>
+            <a:ext cx="883275" cy="883275"/>
+          </a:xfrm>
+          <a:prstGeom prst="rect">
+            <a:avLst/>
+          </a:prstGeom>
+        </p:spPr>
+      </p:pic>
+      <p:pic>
+        <p:nvPicPr>
+          <p:cNvPr id="25" name="Imagem 24">
+            <a:extLst>
+              <a:ext uri="{FF2B5EF4-FFF2-40B4-BE49-F238E27FC236}">
+                <a16:creationId xmlns:a16="http://schemas.microsoft.com/office/drawing/2014/main" id="{0EEE841D-96D2-4D08-B3E2-68761F2F6F6B}"/>
+              </a:ext>
+            </a:extLst>
+          </p:cNvPr>
+          <p:cNvPicPr>
+            <a:picLocks noChangeAspect="1"/>
+          </p:cNvPicPr>
+          <p:nvPr/>
+        </p:nvPicPr>
+        <p:blipFill>
+          <a:blip r:embed="rId12">
+            <a:extLst>
+              <a:ext uri="{28A0092B-C50C-407E-A947-70E740481C1C}">
+                <a14:useLocalDpi xmlns:a14="http://schemas.microsoft.com/office/drawing/2010/main" val="0"/>
+              </a:ext>
+            </a:extLst>
+          </a:blip>
+          <a:stretch>
+            <a:fillRect/>
+          </a:stretch>
+        </p:blipFill>
+        <p:spPr>
+          <a:xfrm>
+            <a:off x="10102802" y="4578174"/>
+            <a:ext cx="883275" cy="883275"/>
+          </a:xfrm>
+          <a:prstGeom prst="rect">
+            <a:avLst/>
+          </a:prstGeom>
+        </p:spPr>
+      </p:pic>
+      <p:pic>
+        <p:nvPicPr>
+          <p:cNvPr id="28" name="Imagem 27">
+            <a:extLst>
+              <a:ext uri="{FF2B5EF4-FFF2-40B4-BE49-F238E27FC236}">
+                <a16:creationId xmlns:a16="http://schemas.microsoft.com/office/drawing/2014/main" id="{7BFC9249-14DB-47B2-BED9-14A485FB2010}"/>
+              </a:ext>
+            </a:extLst>
+          </p:cNvPr>
+          <p:cNvPicPr>
+            <a:picLocks noChangeAspect="1"/>
+          </p:cNvPicPr>
+          <p:nvPr/>
+        </p:nvPicPr>
+        <p:blipFill>
+          <a:blip r:embed="rId13">
+            <a:extLst>
+              <a:ext uri="{28A0092B-C50C-407E-A947-70E740481C1C}">
+                <a14:useLocalDpi xmlns:a14="http://schemas.microsoft.com/office/drawing/2010/main" val="0"/>
+              </a:ext>
+            </a:extLst>
+          </a:blip>
+          <a:stretch>
+            <a:fillRect/>
+          </a:stretch>
+        </p:blipFill>
+        <p:spPr>
+          <a:xfrm>
+            <a:off x="10102801" y="3386433"/>
+            <a:ext cx="883275" cy="883275"/>
+          </a:xfrm>
+          <a:prstGeom prst="rect">
+            <a:avLst/>
+          </a:prstGeom>
+        </p:spPr>
+      </p:pic>
     </p:spTree>
     <p:extLst>
       <p:ext uri="{BB962C8B-B14F-4D97-AF65-F5344CB8AC3E}">

--- a/documentacao/Tecnologia da Informação/Lúdico.HLD.LLD.pptx
+++ b/documentacao/Tecnologia da Informação/Lúdico.HLD.LLD.pptx
@@ -5,15 +5,13 @@
     <p:sldMasterId id="2147483648" r:id="rId1"/>
   </p:sldMasterIdLst>
   <p:notesMasterIdLst>
-    <p:notesMasterId r:id="rId8"/>
+    <p:notesMasterId r:id="rId6"/>
   </p:notesMasterIdLst>
   <p:sldIdLst>
     <p:sldId id="258" r:id="rId2"/>
     <p:sldId id="257" r:id="rId3"/>
-    <p:sldId id="259" r:id="rId4"/>
-    <p:sldId id="260" r:id="rId5"/>
-    <p:sldId id="261" r:id="rId6"/>
-    <p:sldId id="262" r:id="rId7"/>
+    <p:sldId id="263" r:id="rId4"/>
+    <p:sldId id="262" r:id="rId5"/>
   </p:sldIdLst>
   <p:sldSz cx="12192000" cy="6858000"/>
   <p:notesSz cx="6858000" cy="9144000"/>
@@ -202,7 +200,7 @@
           <a:p>
             <a:fld id="{FED44E70-6B30-4F78-96F9-174C4D80A519}" type="datetimeFigureOut">
               <a:rPr lang="pt-BR" smtClean="0"/>
-              <a:t>20/04/2019</a:t>
+              <a:t>08/05/2019</a:t>
             </a:fld>
             <a:endParaRPr lang="pt-BR"/>
           </a:p>
@@ -700,7 +698,7 @@
           <a:p>
             <a:fld id="{6EBA081D-4D01-4F28-A879-8ACC76A602D6}" type="datetimeFigureOut">
               <a:rPr lang="pt-BR" smtClean="0"/>
-              <a:t>20/04/2019</a:t>
+              <a:t>08/05/2019</a:t>
             </a:fld>
             <a:endParaRPr lang="pt-BR"/>
           </a:p>
@@ -898,7 +896,7 @@
           <a:p>
             <a:fld id="{6EBA081D-4D01-4F28-A879-8ACC76A602D6}" type="datetimeFigureOut">
               <a:rPr lang="pt-BR" smtClean="0"/>
-              <a:t>20/04/2019</a:t>
+              <a:t>08/05/2019</a:t>
             </a:fld>
             <a:endParaRPr lang="pt-BR"/>
           </a:p>
@@ -1106,7 +1104,7 @@
           <a:p>
             <a:fld id="{6EBA081D-4D01-4F28-A879-8ACC76A602D6}" type="datetimeFigureOut">
               <a:rPr lang="pt-BR" smtClean="0"/>
-              <a:t>20/04/2019</a:t>
+              <a:t>08/05/2019</a:t>
             </a:fld>
             <a:endParaRPr lang="pt-BR"/>
           </a:p>
@@ -1304,7 +1302,7 @@
           <a:p>
             <a:fld id="{6EBA081D-4D01-4F28-A879-8ACC76A602D6}" type="datetimeFigureOut">
               <a:rPr lang="pt-BR" smtClean="0"/>
-              <a:t>20/04/2019</a:t>
+              <a:t>08/05/2019</a:t>
             </a:fld>
             <a:endParaRPr lang="pt-BR"/>
           </a:p>
@@ -1579,7 +1577,7 @@
           <a:p>
             <a:fld id="{6EBA081D-4D01-4F28-A879-8ACC76A602D6}" type="datetimeFigureOut">
               <a:rPr lang="pt-BR" smtClean="0"/>
-              <a:t>20/04/2019</a:t>
+              <a:t>08/05/2019</a:t>
             </a:fld>
             <a:endParaRPr lang="pt-BR"/>
           </a:p>
@@ -1844,7 +1842,7 @@
           <a:p>
             <a:fld id="{6EBA081D-4D01-4F28-A879-8ACC76A602D6}" type="datetimeFigureOut">
               <a:rPr lang="pt-BR" smtClean="0"/>
-              <a:t>20/04/2019</a:t>
+              <a:t>08/05/2019</a:t>
             </a:fld>
             <a:endParaRPr lang="pt-BR"/>
           </a:p>
@@ -2256,7 +2254,7 @@
           <a:p>
             <a:fld id="{6EBA081D-4D01-4F28-A879-8ACC76A602D6}" type="datetimeFigureOut">
               <a:rPr lang="pt-BR" smtClean="0"/>
-              <a:t>20/04/2019</a:t>
+              <a:t>08/05/2019</a:t>
             </a:fld>
             <a:endParaRPr lang="pt-BR"/>
           </a:p>
@@ -2397,7 +2395,7 @@
           <a:p>
             <a:fld id="{6EBA081D-4D01-4F28-A879-8ACC76A602D6}" type="datetimeFigureOut">
               <a:rPr lang="pt-BR" smtClean="0"/>
-              <a:t>20/04/2019</a:t>
+              <a:t>08/05/2019</a:t>
             </a:fld>
             <a:endParaRPr lang="pt-BR"/>
           </a:p>
@@ -2510,7 +2508,7 @@
           <a:p>
             <a:fld id="{6EBA081D-4D01-4F28-A879-8ACC76A602D6}" type="datetimeFigureOut">
               <a:rPr lang="pt-BR" smtClean="0"/>
-              <a:t>20/04/2019</a:t>
+              <a:t>08/05/2019</a:t>
             </a:fld>
             <a:endParaRPr lang="pt-BR"/>
           </a:p>
@@ -2821,7 +2819,7 @@
           <a:p>
             <a:fld id="{6EBA081D-4D01-4F28-A879-8ACC76A602D6}" type="datetimeFigureOut">
               <a:rPr lang="pt-BR" smtClean="0"/>
-              <a:t>20/04/2019</a:t>
+              <a:t>08/05/2019</a:t>
             </a:fld>
             <a:endParaRPr lang="pt-BR"/>
           </a:p>
@@ -3109,7 +3107,7 @@
           <a:p>
             <a:fld id="{6EBA081D-4D01-4F28-A879-8ACC76A602D6}" type="datetimeFigureOut">
               <a:rPr lang="pt-BR" smtClean="0"/>
-              <a:t>20/04/2019</a:t>
+              <a:t>08/05/2019</a:t>
             </a:fld>
             <a:endParaRPr lang="pt-BR"/>
           </a:p>
@@ -3350,7 +3348,7 @@
           <a:p>
             <a:fld id="{6EBA081D-4D01-4F28-A879-8ACC76A602D6}" type="datetimeFigureOut">
               <a:rPr lang="pt-BR" smtClean="0"/>
-              <a:t>20/04/2019</a:t>
+              <a:t>08/05/2019</a:t>
             </a:fld>
             <a:endParaRPr lang="pt-BR"/>
           </a:p>
@@ -5122,180 +5120,6 @@
           </a:p>
         </p:txBody>
       </p:sp>
-      <p:grpSp>
-        <p:nvGrpSpPr>
-          <p:cNvPr id="94" name="Agrupar 93"/>
-          <p:cNvGrpSpPr/>
-          <p:nvPr/>
-        </p:nvGrpSpPr>
-        <p:grpSpPr>
-          <a:xfrm>
-            <a:off x="5762334" y="2395661"/>
-            <a:ext cx="571577" cy="584348"/>
-            <a:chOff x="5700131" y="1674172"/>
-            <a:chExt cx="571577" cy="584348"/>
-          </a:xfrm>
-        </p:grpSpPr>
-        <p:pic>
-          <p:nvPicPr>
-            <p:cNvPr id="95" name="Imagem 94"/>
-            <p:cNvPicPr>
-              <a:picLocks noChangeAspect="1"/>
-            </p:cNvPicPr>
-            <p:nvPr/>
-          </p:nvPicPr>
-          <p:blipFill>
-            <a:blip r:embed="rId8" cstate="print">
-              <a:extLst>
-                <a:ext uri="{28A0092B-C50C-407E-A947-70E740481C1C}">
-                  <a14:useLocalDpi xmlns:a14="http://schemas.microsoft.com/office/drawing/2010/main" val="0"/>
-                </a:ext>
-              </a:extLst>
-            </a:blip>
-            <a:stretch>
-              <a:fillRect/>
-            </a:stretch>
-          </p:blipFill>
-          <p:spPr>
-            <a:xfrm>
-              <a:off x="5803599" y="1674172"/>
-              <a:ext cx="358181" cy="358181"/>
-            </a:xfrm>
-            <a:prstGeom prst="rect">
-              <a:avLst/>
-            </a:prstGeom>
-            <a:ln>
-              <a:noFill/>
-            </a:ln>
-          </p:spPr>
-        </p:pic>
-        <p:sp>
-          <p:nvSpPr>
-            <p:cNvPr id="96" name="CaixaDeTexto 95"/>
-            <p:cNvSpPr txBox="1"/>
-            <p:nvPr/>
-          </p:nvSpPr>
-          <p:spPr>
-            <a:xfrm>
-              <a:off x="5700131" y="1950743"/>
-              <a:ext cx="571577" cy="307777"/>
-            </a:xfrm>
-            <a:prstGeom prst="rect">
-              <a:avLst/>
-            </a:prstGeom>
-            <a:noFill/>
-          </p:spPr>
-          <p:txBody>
-            <a:bodyPr wrap="square" rtlCol="0">
-              <a:spAutoFit/>
-            </a:bodyPr>
-            <a:lstStyle/>
-            <a:p>
-              <a:r>
-                <a:rPr lang="pt-BR" sz="1400" dirty="0">
-                  <a:ln w="0"/>
-                  <a:effectLst>
-                    <a:outerShdw blurRad="38100" dist="19050" dir="2700000" algn="tl" rotWithShape="0">
-                      <a:schemeClr val="dk1">
-                        <a:alpha val="40000"/>
-                      </a:schemeClr>
-                    </a:outerShdw>
-                  </a:effectLst>
-                  <a:latin typeface="Arial Rounded MT Bold" panose="020F0704030504030204" pitchFamily="34" charset="0"/>
-                </a:rPr>
-                <a:t>Wi-fi</a:t>
-              </a:r>
-            </a:p>
-          </p:txBody>
-        </p:sp>
-      </p:grpSp>
-      <p:grpSp>
-        <p:nvGrpSpPr>
-          <p:cNvPr id="97" name="Agrupar 96"/>
-          <p:cNvGrpSpPr/>
-          <p:nvPr/>
-        </p:nvGrpSpPr>
-        <p:grpSpPr>
-          <a:xfrm>
-            <a:off x="8971604" y="3045595"/>
-            <a:ext cx="571577" cy="584348"/>
-            <a:chOff x="5700131" y="1674172"/>
-            <a:chExt cx="571577" cy="584348"/>
-          </a:xfrm>
-        </p:grpSpPr>
-        <p:pic>
-          <p:nvPicPr>
-            <p:cNvPr id="98" name="Imagem 97"/>
-            <p:cNvPicPr>
-              <a:picLocks noChangeAspect="1"/>
-            </p:cNvPicPr>
-            <p:nvPr/>
-          </p:nvPicPr>
-          <p:blipFill>
-            <a:blip r:embed="rId8" cstate="print">
-              <a:extLst>
-                <a:ext uri="{28A0092B-C50C-407E-A947-70E740481C1C}">
-                  <a14:useLocalDpi xmlns:a14="http://schemas.microsoft.com/office/drawing/2010/main" val="0"/>
-                </a:ext>
-              </a:extLst>
-            </a:blip>
-            <a:stretch>
-              <a:fillRect/>
-            </a:stretch>
-          </p:blipFill>
-          <p:spPr>
-            <a:xfrm>
-              <a:off x="5803599" y="1674172"/>
-              <a:ext cx="358181" cy="358181"/>
-            </a:xfrm>
-            <a:prstGeom prst="rect">
-              <a:avLst/>
-            </a:prstGeom>
-            <a:ln>
-              <a:noFill/>
-            </a:ln>
-          </p:spPr>
-        </p:pic>
-        <p:sp>
-          <p:nvSpPr>
-            <p:cNvPr id="99" name="CaixaDeTexto 98"/>
-            <p:cNvSpPr txBox="1"/>
-            <p:nvPr/>
-          </p:nvSpPr>
-          <p:spPr>
-            <a:xfrm>
-              <a:off x="5700131" y="1950743"/>
-              <a:ext cx="571577" cy="307777"/>
-            </a:xfrm>
-            <a:prstGeom prst="rect">
-              <a:avLst/>
-            </a:prstGeom>
-            <a:noFill/>
-          </p:spPr>
-          <p:txBody>
-            <a:bodyPr wrap="square" rtlCol="0">
-              <a:spAutoFit/>
-            </a:bodyPr>
-            <a:lstStyle/>
-            <a:p>
-              <a:r>
-                <a:rPr lang="pt-BR" sz="1400" dirty="0">
-                  <a:ln w="0"/>
-                  <a:effectLst>
-                    <a:outerShdw blurRad="38100" dist="19050" dir="2700000" algn="tl" rotWithShape="0">
-                      <a:schemeClr val="dk1">
-                        <a:alpha val="40000"/>
-                      </a:schemeClr>
-                    </a:outerShdw>
-                  </a:effectLst>
-                  <a:latin typeface="Arial Rounded MT Bold" panose="020F0704030504030204" pitchFamily="34" charset="0"/>
-                </a:rPr>
-                <a:t>Wi-fi</a:t>
-              </a:r>
-            </a:p>
-          </p:txBody>
-        </p:sp>
-      </p:grpSp>
       <p:pic>
         <p:nvPicPr>
           <p:cNvPr id="100" name="Imagem 99"/>
@@ -5305,7 +5129,7 @@
           <p:nvPr/>
         </p:nvPicPr>
         <p:blipFill>
-          <a:blip r:embed="rId9" cstate="print">
+          <a:blip r:embed="rId8" cstate="print">
             <a:extLst>
               <a:ext uri="{28A0092B-C50C-407E-A947-70E740481C1C}">
                 <a14:useLocalDpi xmlns:a14="http://schemas.microsoft.com/office/drawing/2010/main" val="0"/>
@@ -5335,7 +5159,7 @@
           <p:nvPr/>
         </p:nvPicPr>
         <p:blipFill>
-          <a:blip r:embed="rId10" cstate="print">
+          <a:blip r:embed="rId9" cstate="print">
             <a:extLst>
               <a:ext uri="{28A0092B-C50C-407E-A947-70E740481C1C}">
                 <a14:useLocalDpi xmlns:a14="http://schemas.microsoft.com/office/drawing/2010/main" val="0"/>
@@ -5427,7 +5251,7 @@
             <p:nvPr/>
           </p:nvPicPr>
           <p:blipFill>
-            <a:blip r:embed="rId11" cstate="print">
+            <a:blip r:embed="rId10" cstate="print">
               <a:extLst>
                 <a:ext uri="{28A0092B-C50C-407E-A947-70E740481C1C}">
                   <a14:useLocalDpi xmlns:a14="http://schemas.microsoft.com/office/drawing/2010/main" val="0"/>
@@ -5457,7 +5281,7 @@
             <p:nvPr/>
           </p:nvPicPr>
           <p:blipFill>
-            <a:blip r:embed="rId12" cstate="print">
+            <a:blip r:embed="rId11" cstate="print">
               <a:extLst>
                 <a:ext uri="{28A0092B-C50C-407E-A947-70E740481C1C}">
                   <a14:useLocalDpi xmlns:a14="http://schemas.microsoft.com/office/drawing/2010/main" val="0"/>
@@ -5633,7 +5457,7 @@
           <p:nvPr/>
         </p:nvPicPr>
         <p:blipFill>
-          <a:blip r:embed="rId13" cstate="print">
+          <a:blip r:embed="rId12" cstate="print">
             <a:extLst>
               <a:ext uri="{28A0092B-C50C-407E-A947-70E740481C1C}">
                 <a14:useLocalDpi xmlns:a14="http://schemas.microsoft.com/office/drawing/2010/main" val="0"/>
@@ -5654,93 +5478,6 @@
           </a:prstGeom>
         </p:spPr>
       </p:pic>
-      <p:grpSp>
-        <p:nvGrpSpPr>
-          <p:cNvPr id="62" name="Agrupar 61"/>
-          <p:cNvGrpSpPr/>
-          <p:nvPr/>
-        </p:nvGrpSpPr>
-        <p:grpSpPr>
-          <a:xfrm>
-            <a:off x="10327412" y="2097562"/>
-            <a:ext cx="571577" cy="584348"/>
-            <a:chOff x="5700131" y="1674172"/>
-            <a:chExt cx="571577" cy="584348"/>
-          </a:xfrm>
-        </p:grpSpPr>
-        <p:pic>
-          <p:nvPicPr>
-            <p:cNvPr id="63" name="Imagem 62"/>
-            <p:cNvPicPr>
-              <a:picLocks noChangeAspect="1"/>
-            </p:cNvPicPr>
-            <p:nvPr/>
-          </p:nvPicPr>
-          <p:blipFill>
-            <a:blip r:embed="rId8" cstate="print">
-              <a:extLst>
-                <a:ext uri="{28A0092B-C50C-407E-A947-70E740481C1C}">
-                  <a14:useLocalDpi xmlns:a14="http://schemas.microsoft.com/office/drawing/2010/main" val="0"/>
-                </a:ext>
-              </a:extLst>
-            </a:blip>
-            <a:stretch>
-              <a:fillRect/>
-            </a:stretch>
-          </p:blipFill>
-          <p:spPr>
-            <a:xfrm>
-              <a:off x="5803599" y="1674172"/>
-              <a:ext cx="358181" cy="358181"/>
-            </a:xfrm>
-            <a:prstGeom prst="rect">
-              <a:avLst/>
-            </a:prstGeom>
-            <a:ln>
-              <a:noFill/>
-            </a:ln>
-          </p:spPr>
-        </p:pic>
-        <p:sp>
-          <p:nvSpPr>
-            <p:cNvPr id="64" name="CaixaDeTexto 63"/>
-            <p:cNvSpPr txBox="1"/>
-            <p:nvPr/>
-          </p:nvSpPr>
-          <p:spPr>
-            <a:xfrm>
-              <a:off x="5700131" y="1950743"/>
-              <a:ext cx="571577" cy="307777"/>
-            </a:xfrm>
-            <a:prstGeom prst="rect">
-              <a:avLst/>
-            </a:prstGeom>
-            <a:noFill/>
-          </p:spPr>
-          <p:txBody>
-            <a:bodyPr wrap="square" rtlCol="0">
-              <a:spAutoFit/>
-            </a:bodyPr>
-            <a:lstStyle/>
-            <a:p>
-              <a:r>
-                <a:rPr lang="pt-BR" sz="1400" dirty="0">
-                  <a:ln w="0"/>
-                  <a:effectLst>
-                    <a:outerShdw blurRad="38100" dist="19050" dir="2700000" algn="tl" rotWithShape="0">
-                      <a:schemeClr val="dk1">
-                        <a:alpha val="40000"/>
-                      </a:schemeClr>
-                    </a:outerShdw>
-                  </a:effectLst>
-                  <a:latin typeface="Arial Rounded MT Bold" panose="020F0704030504030204" pitchFamily="34" charset="0"/>
-                </a:rPr>
-                <a:t>Wi-fi</a:t>
-              </a:r>
-            </a:p>
-          </p:txBody>
-        </p:sp>
-      </p:grpSp>
       <p:grpSp>
         <p:nvGrpSpPr>
           <p:cNvPr id="13" name="Agrupar 12"/>
@@ -5764,7 +5501,7 @@
             <p:nvPr/>
           </p:nvPicPr>
           <p:blipFill>
-            <a:blip r:embed="rId14" cstate="print">
+            <a:blip r:embed="rId13" cstate="print">
               <a:extLst>
                 <a:ext uri="{28A0092B-C50C-407E-A947-70E740481C1C}">
                   <a14:useLocalDpi xmlns:a14="http://schemas.microsoft.com/office/drawing/2010/main" val="0"/>
@@ -5794,7 +5531,7 @@
             <p:nvPr/>
           </p:nvPicPr>
           <p:blipFill>
-            <a:blip r:embed="rId15" cstate="print">
+            <a:blip r:embed="rId14" cstate="print">
               <a:extLst>
                 <a:ext uri="{28A0092B-C50C-407E-A947-70E740481C1C}">
                   <a14:useLocalDpi xmlns:a14="http://schemas.microsoft.com/office/drawing/2010/main" val="0"/>
@@ -5824,7 +5561,7 @@
             <p:nvPr/>
           </p:nvPicPr>
           <p:blipFill>
-            <a:blip r:embed="rId16" cstate="print">
+            <a:blip r:embed="rId15" cstate="print">
               <a:extLst>
                 <a:ext uri="{28A0092B-C50C-407E-A947-70E740481C1C}">
                   <a14:useLocalDpi xmlns:a14="http://schemas.microsoft.com/office/drawing/2010/main" val="0"/>
@@ -5921,93 +5658,6 @@
           </a:p>
         </p:txBody>
       </p:sp>
-      <p:grpSp>
-        <p:nvGrpSpPr>
-          <p:cNvPr id="72" name="Agrupar 71"/>
-          <p:cNvGrpSpPr/>
-          <p:nvPr/>
-        </p:nvGrpSpPr>
-        <p:grpSpPr>
-          <a:xfrm>
-            <a:off x="6333911" y="1521192"/>
-            <a:ext cx="571577" cy="584348"/>
-            <a:chOff x="5700131" y="1674172"/>
-            <a:chExt cx="571577" cy="584348"/>
-          </a:xfrm>
-        </p:grpSpPr>
-        <p:pic>
-          <p:nvPicPr>
-            <p:cNvPr id="73" name="Imagem 72"/>
-            <p:cNvPicPr>
-              <a:picLocks noChangeAspect="1"/>
-            </p:cNvPicPr>
-            <p:nvPr/>
-          </p:nvPicPr>
-          <p:blipFill>
-            <a:blip r:embed="rId8" cstate="print">
-              <a:extLst>
-                <a:ext uri="{28A0092B-C50C-407E-A947-70E740481C1C}">
-                  <a14:useLocalDpi xmlns:a14="http://schemas.microsoft.com/office/drawing/2010/main" val="0"/>
-                </a:ext>
-              </a:extLst>
-            </a:blip>
-            <a:stretch>
-              <a:fillRect/>
-            </a:stretch>
-          </p:blipFill>
-          <p:spPr>
-            <a:xfrm>
-              <a:off x="5803599" y="1674172"/>
-              <a:ext cx="358181" cy="358181"/>
-            </a:xfrm>
-            <a:prstGeom prst="rect">
-              <a:avLst/>
-            </a:prstGeom>
-            <a:ln>
-              <a:noFill/>
-            </a:ln>
-          </p:spPr>
-        </p:pic>
-        <p:sp>
-          <p:nvSpPr>
-            <p:cNvPr id="75" name="CaixaDeTexto 74"/>
-            <p:cNvSpPr txBox="1"/>
-            <p:nvPr/>
-          </p:nvSpPr>
-          <p:spPr>
-            <a:xfrm>
-              <a:off x="5700131" y="1950743"/>
-              <a:ext cx="571577" cy="307777"/>
-            </a:xfrm>
-            <a:prstGeom prst="rect">
-              <a:avLst/>
-            </a:prstGeom>
-            <a:noFill/>
-          </p:spPr>
-          <p:txBody>
-            <a:bodyPr wrap="square" rtlCol="0">
-              <a:spAutoFit/>
-            </a:bodyPr>
-            <a:lstStyle/>
-            <a:p>
-              <a:r>
-                <a:rPr lang="pt-BR" sz="1400" dirty="0">
-                  <a:ln w="0"/>
-                  <a:effectLst>
-                    <a:outerShdw blurRad="38100" dist="19050" dir="2700000" algn="tl" rotWithShape="0">
-                      <a:schemeClr val="dk1">
-                        <a:alpha val="40000"/>
-                      </a:schemeClr>
-                    </a:outerShdw>
-                  </a:effectLst>
-                  <a:latin typeface="Arial Rounded MT Bold" panose="020F0704030504030204" pitchFamily="34" charset="0"/>
-                </a:rPr>
-                <a:t>Wi-fi</a:t>
-              </a:r>
-            </a:p>
-          </p:txBody>
-        </p:sp>
-      </p:grpSp>
       <p:sp>
         <p:nvSpPr>
           <p:cNvPr id="79" name="CaixaDeTexto 78"/>
@@ -6048,7 +5698,7 @@
           <p:nvPr/>
         </p:nvPicPr>
         <p:blipFill>
-          <a:blip r:embed="rId17" cstate="print">
+          <a:blip r:embed="rId16" cstate="print">
             <a:extLst>
               <a:ext uri="{28A0092B-C50C-407E-A947-70E740481C1C}">
                 <a14:useLocalDpi xmlns:a14="http://schemas.microsoft.com/office/drawing/2010/main" val="0"/>
@@ -6092,7 +5742,7 @@
             <p:nvPr/>
           </p:nvPicPr>
           <p:blipFill>
-            <a:blip r:embed="rId18" cstate="print">
+            <a:blip r:embed="rId17" cstate="print">
               <a:extLst>
                 <a:ext uri="{28A0092B-C50C-407E-A947-70E740481C1C}">
                   <a14:useLocalDpi xmlns:a14="http://schemas.microsoft.com/office/drawing/2010/main" val="0"/>
@@ -6122,7 +5772,7 @@
             <p:nvPr/>
           </p:nvPicPr>
           <p:blipFill>
-            <a:blip r:embed="rId19" cstate="print">
+            <a:blip r:embed="rId18" cstate="print">
               <a:extLst>
                 <a:ext uri="{28A0092B-C50C-407E-A947-70E740481C1C}">
                   <a14:useLocalDpi xmlns:a14="http://schemas.microsoft.com/office/drawing/2010/main" val="0"/>
@@ -6225,8 +5875,8 @@
         </p:nvSpPr>
         <p:spPr>
           <a:xfrm>
-            <a:off x="4932694" y="153704"/>
-            <a:ext cx="2802434" cy="523220"/>
+            <a:off x="4694223" y="168665"/>
+            <a:ext cx="3578993" cy="523220"/>
           </a:xfrm>
           <a:prstGeom prst="rect">
             <a:avLst/>
@@ -6241,7 +5891,7 @@
           <a:p>
             <a:r>
               <a:rPr lang="pt-BR" sz="2800" u="sng" dirty="0"/>
-              <a:t>DESENHO LÚDICO</a:t>
+              <a:t>DESENHO DE SOLUÇÃO</a:t>
             </a:r>
           </a:p>
         </p:txBody>
@@ -7295,10 +6945,10 @@
       </p:grpSpPr>
       <p:pic>
         <p:nvPicPr>
-          <p:cNvPr id="9" name="Imagem 8">
-            <a:extLst>
-              <a:ext uri="{FF2B5EF4-FFF2-40B4-BE49-F238E27FC236}">
-                <a16:creationId xmlns:a16="http://schemas.microsoft.com/office/drawing/2014/main" id="{0C6A6192-7CAF-4E98-9A10-9599CB602E8C}"/>
+          <p:cNvPr id="22" name="Imagem 21" descr="Uma imagem contendo objeto&#10;&#10;Descrição gerada automaticamente">
+            <a:extLst>
+              <a:ext uri="{FF2B5EF4-FFF2-40B4-BE49-F238E27FC236}">
+                <a16:creationId xmlns:a16="http://schemas.microsoft.com/office/drawing/2014/main" id="{AC1D5D1A-0868-4089-A999-C553BA631420}"/>
               </a:ext>
             </a:extLst>
           </p:cNvPr>
@@ -7307,7 +6957,7 @@
           </p:cNvPicPr>
           <p:nvPr/>
         </p:nvPicPr>
-        <p:blipFill>
+        <p:blipFill rotWithShape="1">
           <a:blip r:embed="rId2">
             <a:extLst>
               <a:ext uri="{28A0092B-C50C-407E-A947-70E740481C1C}">
@@ -7315,98 +6965,62 @@
               </a:ext>
             </a:extLst>
           </a:blip>
-          <a:stretch>
-            <a:fillRect/>
-          </a:stretch>
+          <a:srcRect b="15921"/>
+          <a:stretch/>
         </p:blipFill>
         <p:spPr>
           <a:xfrm>
-            <a:off x="505933" y="1996430"/>
-            <a:ext cx="1003680" cy="528046"/>
+            <a:off x="4672037" y="397100"/>
+            <a:ext cx="3339247" cy="2768258"/>
           </a:xfrm>
           <a:prstGeom prst="rect">
             <a:avLst/>
           </a:prstGeom>
         </p:spPr>
       </p:pic>
+      <p:sp>
+        <p:nvSpPr>
+          <p:cNvPr id="2" name="Título 1">
+            <a:extLst>
+              <a:ext uri="{FF2B5EF4-FFF2-40B4-BE49-F238E27FC236}">
+                <a16:creationId xmlns:a16="http://schemas.microsoft.com/office/drawing/2014/main" id="{B57B5028-1DCF-4128-AB14-D4EFBAAF16A8}"/>
+              </a:ext>
+            </a:extLst>
+          </p:cNvPr>
+          <p:cNvSpPr>
+            <a:spLocks noGrp="1"/>
+          </p:cNvSpPr>
+          <p:nvPr>
+            <p:ph type="title"/>
+          </p:nvPr>
+        </p:nvSpPr>
+        <p:spPr>
+          <a:xfrm>
+            <a:off x="4672037" y="86042"/>
+            <a:ext cx="3116668" cy="756177"/>
+          </a:xfrm>
+        </p:spPr>
+        <p:txBody>
+          <a:bodyPr>
+            <a:normAutofit/>
+          </a:bodyPr>
+          <a:lstStyle/>
+          <a:p>
+            <a:r>
+              <a:rPr lang="pt-BR" sz="2800" u="sng" dirty="0">
+                <a:latin typeface="+mn-lt"/>
+              </a:rPr>
+              <a:t>LOW LEVEL DESIGN</a:t>
+            </a:r>
+          </a:p>
+        </p:txBody>
+      </p:sp>
       <p:pic>
         <p:nvPicPr>
-          <p:cNvPr id="10" name="Imagem 9">
-            <a:extLst>
-              <a:ext uri="{FF2B5EF4-FFF2-40B4-BE49-F238E27FC236}">
-                <a16:creationId xmlns:a16="http://schemas.microsoft.com/office/drawing/2014/main" id="{DEA1951D-DFE8-4AA0-9F80-5B6905E00987}"/>
-              </a:ext>
-            </a:extLst>
-          </p:cNvPr>
-          <p:cNvPicPr>
-            <a:picLocks noChangeAspect="1"/>
-          </p:cNvPicPr>
-          <p:nvPr/>
-        </p:nvPicPr>
-        <p:blipFill>
-          <a:blip r:embed="rId2">
-            <a:extLst>
-              <a:ext uri="{28A0092B-C50C-407E-A947-70E740481C1C}">
-                <a14:useLocalDpi xmlns:a14="http://schemas.microsoft.com/office/drawing/2010/main" val="0"/>
-              </a:ext>
-            </a:extLst>
-          </a:blip>
-          <a:stretch>
-            <a:fillRect/>
-          </a:stretch>
-        </p:blipFill>
-        <p:spPr>
-          <a:xfrm>
-            <a:off x="505933" y="3507574"/>
-            <a:ext cx="1003680" cy="528046"/>
-          </a:xfrm>
-          <a:prstGeom prst="rect">
-            <a:avLst/>
-          </a:prstGeom>
-        </p:spPr>
-      </p:pic>
-      <p:pic>
-        <p:nvPicPr>
-          <p:cNvPr id="11" name="Imagem 10">
-            <a:extLst>
-              <a:ext uri="{FF2B5EF4-FFF2-40B4-BE49-F238E27FC236}">
-                <a16:creationId xmlns:a16="http://schemas.microsoft.com/office/drawing/2014/main" id="{20C7E649-9864-4869-913C-520E85B3C163}"/>
-              </a:ext>
-            </a:extLst>
-          </p:cNvPr>
-          <p:cNvPicPr>
-            <a:picLocks noChangeAspect="1"/>
-          </p:cNvPicPr>
-          <p:nvPr/>
-        </p:nvPicPr>
-        <p:blipFill>
-          <a:blip r:embed="rId2">
-            <a:extLst>
-              <a:ext uri="{28A0092B-C50C-407E-A947-70E740481C1C}">
-                <a14:useLocalDpi xmlns:a14="http://schemas.microsoft.com/office/drawing/2010/main" val="0"/>
-              </a:ext>
-            </a:extLst>
-          </a:blip>
-          <a:stretch>
-            <a:fillRect/>
-          </a:stretch>
-        </p:blipFill>
-        <p:spPr>
-          <a:xfrm>
-            <a:off x="1221375" y="2770167"/>
-            <a:ext cx="1003680" cy="528046"/>
-          </a:xfrm>
-          <a:prstGeom prst="rect">
-            <a:avLst/>
-          </a:prstGeom>
-        </p:spPr>
-      </p:pic>
-      <p:pic>
-        <p:nvPicPr>
-          <p:cNvPr id="13" name="Imagem 12">
-            <a:extLst>
-              <a:ext uri="{FF2B5EF4-FFF2-40B4-BE49-F238E27FC236}">
-                <a16:creationId xmlns:a16="http://schemas.microsoft.com/office/drawing/2014/main" id="{246B2CC1-EDB4-4826-B235-FD4455633735}"/>
+          <p:cNvPr id="4" name="Imagem 3">
+            <a:extLst>
+              <a:ext uri="{FF2B5EF4-FFF2-40B4-BE49-F238E27FC236}">
+                <a16:creationId xmlns:a16="http://schemas.microsoft.com/office/drawing/2014/main" id="{F60F77CF-FA4F-4602-9125-878520D52E01}"/>
               </a:ext>
             </a:extLst>
           </p:cNvPr>
@@ -7429,149 +7043,20 @@
         </p:blipFill>
         <p:spPr>
           <a:xfrm>
-            <a:off x="3080672" y="2592776"/>
-            <a:ext cx="1009437" cy="842193"/>
+            <a:off x="505933" y="1285281"/>
+            <a:ext cx="627128" cy="329938"/>
           </a:xfrm>
           <a:prstGeom prst="rect">
             <a:avLst/>
           </a:prstGeom>
         </p:spPr>
       </p:pic>
-      <p:cxnSp>
-        <p:nvCxnSpPr>
-          <p:cNvPr id="15" name="Conector de Seta Reta 14">
-            <a:extLst>
-              <a:ext uri="{FF2B5EF4-FFF2-40B4-BE49-F238E27FC236}">
-                <a16:creationId xmlns:a16="http://schemas.microsoft.com/office/drawing/2014/main" id="{03E3B3A3-EE43-4318-A9DA-0E178182755D}"/>
-              </a:ext>
-            </a:extLst>
-          </p:cNvPr>
-          <p:cNvCxnSpPr>
-            <a:cxnSpLocks/>
-            <a:stCxn id="9" idx="3"/>
-            <a:endCxn id="33" idx="0"/>
-          </p:cNvCxnSpPr>
-          <p:nvPr/>
-        </p:nvCxnSpPr>
-        <p:spPr>
-          <a:xfrm>
-            <a:off x="1509613" y="2260453"/>
-            <a:ext cx="438457" cy="2835872"/>
-          </a:xfrm>
-          <a:prstGeom prst="straightConnector1">
-            <a:avLst/>
-          </a:prstGeom>
-          <a:ln>
-            <a:tailEnd type="triangle"/>
-          </a:ln>
-        </p:spPr>
-        <p:style>
-          <a:lnRef idx="1">
-            <a:schemeClr val="accent2"/>
-          </a:lnRef>
-          <a:fillRef idx="0">
-            <a:schemeClr val="accent2"/>
-          </a:fillRef>
-          <a:effectRef idx="0">
-            <a:schemeClr val="accent2"/>
-          </a:effectRef>
-          <a:fontRef idx="minor">
-            <a:schemeClr val="tx1"/>
-          </a:fontRef>
-        </p:style>
-      </p:cxnSp>
-      <p:cxnSp>
-        <p:nvCxnSpPr>
-          <p:cNvPr id="17" name="Conector de Seta Reta 16">
-            <a:extLst>
-              <a:ext uri="{FF2B5EF4-FFF2-40B4-BE49-F238E27FC236}">
-                <a16:creationId xmlns:a16="http://schemas.microsoft.com/office/drawing/2014/main" id="{B25667EF-1BFD-4BB5-9DE4-D8BE3C4D789A}"/>
-              </a:ext>
-            </a:extLst>
-          </p:cNvPr>
-          <p:cNvCxnSpPr>
-            <a:cxnSpLocks/>
-            <a:stCxn id="11" idx="3"/>
-            <a:endCxn id="33" idx="0"/>
-          </p:cNvCxnSpPr>
-          <p:nvPr/>
-        </p:nvCxnSpPr>
-        <p:spPr>
-          <a:xfrm flipH="1">
-            <a:off x="1948070" y="3034190"/>
-            <a:ext cx="276985" cy="2062135"/>
-          </a:xfrm>
-          <a:prstGeom prst="straightConnector1">
-            <a:avLst/>
-          </a:prstGeom>
-          <a:ln>
-            <a:tailEnd type="triangle"/>
-          </a:ln>
-        </p:spPr>
-        <p:style>
-          <a:lnRef idx="1">
-            <a:schemeClr val="accent2"/>
-          </a:lnRef>
-          <a:fillRef idx="0">
-            <a:schemeClr val="accent2"/>
-          </a:fillRef>
-          <a:effectRef idx="0">
-            <a:schemeClr val="accent2"/>
-          </a:effectRef>
-          <a:fontRef idx="minor">
-            <a:schemeClr val="tx1"/>
-          </a:fontRef>
-        </p:style>
-      </p:cxnSp>
-      <p:cxnSp>
-        <p:nvCxnSpPr>
-          <p:cNvPr id="20" name="Conector de Seta Reta 19">
-            <a:extLst>
-              <a:ext uri="{FF2B5EF4-FFF2-40B4-BE49-F238E27FC236}">
-                <a16:creationId xmlns:a16="http://schemas.microsoft.com/office/drawing/2014/main" id="{6E3513C6-B317-459B-990D-00D2ECC44C41}"/>
-              </a:ext>
-            </a:extLst>
-          </p:cNvPr>
-          <p:cNvCxnSpPr>
-            <a:cxnSpLocks/>
-            <a:stCxn id="10" idx="3"/>
-            <a:endCxn id="33" idx="0"/>
-          </p:cNvCxnSpPr>
-          <p:nvPr/>
-        </p:nvCxnSpPr>
-        <p:spPr>
-          <a:xfrm>
-            <a:off x="1509613" y="3771597"/>
-            <a:ext cx="438457" cy="1324728"/>
-          </a:xfrm>
-          <a:prstGeom prst="straightConnector1">
-            <a:avLst/>
-          </a:prstGeom>
-          <a:ln>
-            <a:tailEnd type="triangle"/>
-          </a:ln>
-        </p:spPr>
-        <p:style>
-          <a:lnRef idx="1">
-            <a:schemeClr val="accent2"/>
-          </a:lnRef>
-          <a:fillRef idx="0">
-            <a:schemeClr val="accent2"/>
-          </a:fillRef>
-          <a:effectRef idx="0">
-            <a:schemeClr val="accent2"/>
-          </a:effectRef>
-          <a:fontRef idx="minor">
-            <a:schemeClr val="tx1"/>
-          </a:fontRef>
-        </p:style>
-      </p:cxnSp>
       <p:sp>
         <p:nvSpPr>
-          <p:cNvPr id="44" name="Retângulo 43">
-            <a:extLst>
-              <a:ext uri="{FF2B5EF4-FFF2-40B4-BE49-F238E27FC236}">
-                <a16:creationId xmlns:a16="http://schemas.microsoft.com/office/drawing/2014/main" id="{4F79897C-504E-4246-9176-78E08D3A5A46}"/>
+          <p:cNvPr id="11" name="Retângulo 10">
+            <a:extLst>
+              <a:ext uri="{FF2B5EF4-FFF2-40B4-BE49-F238E27FC236}">
+                <a16:creationId xmlns:a16="http://schemas.microsoft.com/office/drawing/2014/main" id="{311BA81A-5985-4B2D-8108-537E36C9AD5B}"/>
               </a:ext>
             </a:extLst>
           </p:cNvPr>
@@ -7580,8 +7065,8 @@
         </p:nvSpPr>
         <p:spPr>
           <a:xfrm>
-            <a:off x="251791" y="1577009"/>
-            <a:ext cx="3838318" cy="2809462"/>
+            <a:off x="153381" y="1083390"/>
+            <a:ext cx="3642986" cy="2454940"/>
           </a:xfrm>
           <a:prstGeom prst="rect">
             <a:avLst/>
@@ -7620,10 +7105,10 @@
       </p:sp>
       <p:sp>
         <p:nvSpPr>
-          <p:cNvPr id="45" name="CaixaDeTexto 44">
-            <a:extLst>
-              <a:ext uri="{FF2B5EF4-FFF2-40B4-BE49-F238E27FC236}">
-                <a16:creationId xmlns:a16="http://schemas.microsoft.com/office/drawing/2014/main" id="{2A4712CD-EEC7-4A0E-B4C0-4F2E0E5D54C0}"/>
+          <p:cNvPr id="12" name="CaixaDeTexto 11">
+            <a:extLst>
+              <a:ext uri="{FF2B5EF4-FFF2-40B4-BE49-F238E27FC236}">
+                <a16:creationId xmlns:a16="http://schemas.microsoft.com/office/drawing/2014/main" id="{16238A8A-1C00-483F-925B-47ECF00F2C5B}"/>
               </a:ext>
             </a:extLst>
           </p:cNvPr>
@@ -7632,7 +7117,7 @@
         </p:nvSpPr>
         <p:spPr>
           <a:xfrm>
-            <a:off x="1261132" y="1104798"/>
+            <a:off x="1133061" y="679257"/>
             <a:ext cx="2075778" cy="369332"/>
           </a:xfrm>
           <a:prstGeom prst="rect">
@@ -7655,10 +7140,10 @@
       </p:sp>
       <p:sp>
         <p:nvSpPr>
-          <p:cNvPr id="81" name="CaixaDeTexto 80">
-            <a:extLst>
-              <a:ext uri="{FF2B5EF4-FFF2-40B4-BE49-F238E27FC236}">
-                <a16:creationId xmlns:a16="http://schemas.microsoft.com/office/drawing/2014/main" id="{64B2BCCB-0349-4743-82BC-234E15483295}"/>
+          <p:cNvPr id="15" name="CaixaDeTexto 14">
+            <a:extLst>
+              <a:ext uri="{FF2B5EF4-FFF2-40B4-BE49-F238E27FC236}">
+                <a16:creationId xmlns:a16="http://schemas.microsoft.com/office/drawing/2014/main" id="{FC14CC03-5840-4D0D-9897-046FD78EFC1E}"/>
               </a:ext>
             </a:extLst>
           </p:cNvPr>
@@ -7667,8 +7152,8 @@
         </p:nvSpPr>
         <p:spPr>
           <a:xfrm>
-            <a:off x="4660548" y="186705"/>
-            <a:ext cx="3460371" cy="523220"/>
+            <a:off x="251981" y="3119160"/>
+            <a:ext cx="3445786" cy="369332"/>
           </a:xfrm>
           <a:prstGeom prst="rect">
             <a:avLst/>
@@ -7676,126 +7161,7 @@
           <a:noFill/>
         </p:spPr>
         <p:txBody>
-          <a:bodyPr wrap="none" rtlCol="0">
-            <a:spAutoFit/>
-          </a:bodyPr>
-          <a:lstStyle/>
-          <a:p>
-            <a:r>
-              <a:rPr lang="pt-BR" sz="2800" u="sng" dirty="0"/>
-              <a:t>LOW LEVEL DESIGN - 1</a:t>
-            </a:r>
-          </a:p>
-        </p:txBody>
-      </p:sp>
-      <p:cxnSp>
-        <p:nvCxnSpPr>
-          <p:cNvPr id="3" name="Conector de Seta Reta 2">
-            <a:extLst>
-              <a:ext uri="{FF2B5EF4-FFF2-40B4-BE49-F238E27FC236}">
-                <a16:creationId xmlns:a16="http://schemas.microsoft.com/office/drawing/2014/main" id="{6D3896ED-0ACA-47AE-B414-EFB2E7F71EA1}"/>
-              </a:ext>
-            </a:extLst>
-          </p:cNvPr>
-          <p:cNvCxnSpPr>
-            <a:stCxn id="44" idx="3"/>
-          </p:cNvCxnSpPr>
-          <p:nvPr/>
-        </p:nvCxnSpPr>
-        <p:spPr>
-          <a:xfrm flipV="1">
-            <a:off x="4090109" y="1802296"/>
-            <a:ext cx="2443213" cy="1179444"/>
-          </a:xfrm>
-          <a:prstGeom prst="straightConnector1">
-            <a:avLst/>
-          </a:prstGeom>
-          <a:ln>
-            <a:tailEnd type="triangle"/>
-          </a:ln>
-        </p:spPr>
-        <p:style>
-          <a:lnRef idx="1">
-            <a:schemeClr val="accent2"/>
-          </a:lnRef>
-          <a:fillRef idx="0">
-            <a:schemeClr val="accent2"/>
-          </a:fillRef>
-          <a:effectRef idx="0">
-            <a:schemeClr val="accent2"/>
-          </a:effectRef>
-          <a:fontRef idx="minor">
-            <a:schemeClr val="tx1"/>
-          </a:fontRef>
-        </p:style>
-      </p:cxnSp>
-      <p:sp>
-        <p:nvSpPr>
-          <p:cNvPr id="4" name="CaixaDeTexto 3">
-            <a:extLst>
-              <a:ext uri="{FF2B5EF4-FFF2-40B4-BE49-F238E27FC236}">
-                <a16:creationId xmlns:a16="http://schemas.microsoft.com/office/drawing/2014/main" id="{B3593BC9-75AF-4657-B5DA-3D3B64138F78}"/>
-              </a:ext>
-            </a:extLst>
-          </p:cNvPr>
-          <p:cNvSpPr txBox="1"/>
-          <p:nvPr/>
-        </p:nvSpPr>
-        <p:spPr>
-          <a:xfrm>
-            <a:off x="6670605" y="1512477"/>
-            <a:ext cx="3339247" cy="369332"/>
-          </a:xfrm>
-          <a:prstGeom prst="rect">
-            <a:avLst/>
-          </a:prstGeom>
-          <a:noFill/>
-        </p:spPr>
-        <p:txBody>
-          <a:bodyPr wrap="none" rtlCol="0">
-            <a:spAutoFit/>
-          </a:bodyPr>
-          <a:lstStyle/>
-          <a:p>
-            <a:r>
-              <a:rPr lang="pt-BR" dirty="0"/>
-              <a:t>Ethernet Gateway </a:t>
-            </a:r>
-            <a:r>
-              <a:rPr lang="pt-BR" dirty="0" err="1"/>
-              <a:t>WizNet</a:t>
-            </a:r>
-            <a:r>
-              <a:rPr lang="pt-BR" dirty="0"/>
-              <a:t> W5100</a:t>
-            </a:r>
-          </a:p>
-        </p:txBody>
-      </p:sp>
-      <p:sp>
-        <p:nvSpPr>
-          <p:cNvPr id="33" name="CaixaDeTexto 32">
-            <a:extLst>
-              <a:ext uri="{FF2B5EF4-FFF2-40B4-BE49-F238E27FC236}">
-                <a16:creationId xmlns:a16="http://schemas.microsoft.com/office/drawing/2014/main" id="{522B9799-2EBF-41D3-B4B4-0A077A8478BB}"/>
-              </a:ext>
-            </a:extLst>
-          </p:cNvPr>
-          <p:cNvSpPr txBox="1"/>
-          <p:nvPr/>
-        </p:nvSpPr>
-        <p:spPr>
-          <a:xfrm>
-            <a:off x="1003901" y="5096325"/>
-            <a:ext cx="1888337" cy="923330"/>
-          </a:xfrm>
-          <a:prstGeom prst="rect">
-            <a:avLst/>
-          </a:prstGeom>
-          <a:noFill/>
-        </p:spPr>
-        <p:txBody>
-          <a:bodyPr wrap="none" rtlCol="0">
+          <a:bodyPr wrap="square" rtlCol="0">
             <a:spAutoFit/>
           </a:bodyPr>
           <a:lstStyle/>
@@ -7807,31 +7173,17 @@
             </a:r>
             <a:r>
               <a:rPr lang="pt-BR" dirty="0"/>
-              <a:t> Uno Rev3</a:t>
-            </a:r>
-          </a:p>
-          <a:p>
-            <a:pPr algn="ctr"/>
-            <a:r>
-              <a:rPr lang="pt-BR" dirty="0"/>
-              <a:t>+</a:t>
-            </a:r>
-          </a:p>
-          <a:p>
-            <a:pPr algn="ctr"/>
-            <a:r>
-              <a:rPr lang="pt-BR" dirty="0"/>
-              <a:t>Sensor DHT11</a:t>
+              <a:t> Uno Rev3 + Sensor DHT11</a:t>
             </a:r>
           </a:p>
         </p:txBody>
       </p:sp>
       <p:sp>
         <p:nvSpPr>
-          <p:cNvPr id="19" name="CaixaDeTexto 18">
-            <a:extLst>
-              <a:ext uri="{FF2B5EF4-FFF2-40B4-BE49-F238E27FC236}">
-                <a16:creationId xmlns:a16="http://schemas.microsoft.com/office/drawing/2014/main" id="{FBC97ABD-4316-4E10-9DC2-DBAD3A448DAA}"/>
+          <p:cNvPr id="16" name="CaixaDeTexto 15">
+            <a:extLst>
+              <a:ext uri="{FF2B5EF4-FFF2-40B4-BE49-F238E27FC236}">
+                <a16:creationId xmlns:a16="http://schemas.microsoft.com/office/drawing/2014/main" id="{5410E9FB-AEE2-4009-A6D9-49F83774E7A0}"/>
               </a:ext>
             </a:extLst>
           </p:cNvPr>
@@ -7866,10 +7218,10 @@
       </p:sp>
       <p:cxnSp>
         <p:nvCxnSpPr>
-          <p:cNvPr id="40" name="Conector de Seta Reta 39">
-            <a:extLst>
-              <a:ext uri="{FF2B5EF4-FFF2-40B4-BE49-F238E27FC236}">
-                <a16:creationId xmlns:a16="http://schemas.microsoft.com/office/drawing/2014/main" id="{B8864B6A-DFEE-4F67-B417-CA5F6C710B35}"/>
+          <p:cNvPr id="17" name="Conector de Seta Reta 16">
+            <a:extLst>
+              <a:ext uri="{FF2B5EF4-FFF2-40B4-BE49-F238E27FC236}">
+                <a16:creationId xmlns:a16="http://schemas.microsoft.com/office/drawing/2014/main" id="{91A54C28-81D4-4386-BF24-DF0727142294}"/>
               </a:ext>
             </a:extLst>
           </p:cNvPr>
@@ -7907,10 +7259,10 @@
       </p:cxnSp>
       <p:cxnSp>
         <p:nvCxnSpPr>
-          <p:cNvPr id="42" name="Conector de Seta Reta 41">
-            <a:extLst>
-              <a:ext uri="{FF2B5EF4-FFF2-40B4-BE49-F238E27FC236}">
-                <a16:creationId xmlns:a16="http://schemas.microsoft.com/office/drawing/2014/main" id="{F8210CB9-A3CF-43A9-9D10-F6488969D20B}"/>
+          <p:cNvPr id="18" name="Conector de Seta Reta 17">
+            <a:extLst>
+              <a:ext uri="{FF2B5EF4-FFF2-40B4-BE49-F238E27FC236}">
+                <a16:creationId xmlns:a16="http://schemas.microsoft.com/office/drawing/2014/main" id="{E7E5872C-CD72-45AB-9972-7342719751D0}"/>
               </a:ext>
             </a:extLst>
           </p:cNvPr>
@@ -7948,10 +7300,10 @@
       </p:cxnSp>
       <p:sp>
         <p:nvSpPr>
-          <p:cNvPr id="24" name="Retângulo 23">
-            <a:extLst>
-              <a:ext uri="{FF2B5EF4-FFF2-40B4-BE49-F238E27FC236}">
-                <a16:creationId xmlns:a16="http://schemas.microsoft.com/office/drawing/2014/main" id="{9AAA30DA-35CB-4A7F-9633-EFBF9250E1F0}"/>
+          <p:cNvPr id="19" name="Retângulo 18">
+            <a:extLst>
+              <a:ext uri="{FF2B5EF4-FFF2-40B4-BE49-F238E27FC236}">
+                <a16:creationId xmlns:a16="http://schemas.microsoft.com/office/drawing/2014/main" id="{881646CC-2F65-42A4-A364-7E5FF3AEA47A}"/>
               </a:ext>
             </a:extLst>
           </p:cNvPr>
@@ -8000,10 +7352,10 @@
       </p:sp>
       <p:sp>
         <p:nvSpPr>
-          <p:cNvPr id="26" name="CaixaDeTexto 25">
-            <a:extLst>
-              <a:ext uri="{FF2B5EF4-FFF2-40B4-BE49-F238E27FC236}">
-                <a16:creationId xmlns:a16="http://schemas.microsoft.com/office/drawing/2014/main" id="{ED8052A9-D014-4F28-A6F0-B799F8B7B547}"/>
+          <p:cNvPr id="20" name="CaixaDeTexto 19">
+            <a:extLst>
+              <a:ext uri="{FF2B5EF4-FFF2-40B4-BE49-F238E27FC236}">
+                <a16:creationId xmlns:a16="http://schemas.microsoft.com/office/drawing/2014/main" id="{CA5DFB0D-E489-4BA4-B559-4922D9AE93F2}"/>
               </a:ext>
             </a:extLst>
           </p:cNvPr>
@@ -8035,10 +7387,10 @@
       </p:sp>
       <p:sp>
         <p:nvSpPr>
-          <p:cNvPr id="27" name="CaixaDeTexto 26">
-            <a:extLst>
-              <a:ext uri="{FF2B5EF4-FFF2-40B4-BE49-F238E27FC236}">
-                <a16:creationId xmlns:a16="http://schemas.microsoft.com/office/drawing/2014/main" id="{C7F64F2F-DBCA-45A5-A9B5-40EBEE1ED609}"/>
+          <p:cNvPr id="21" name="CaixaDeTexto 20">
+            <a:extLst>
+              <a:ext uri="{FF2B5EF4-FFF2-40B4-BE49-F238E27FC236}">
+                <a16:creationId xmlns:a16="http://schemas.microsoft.com/office/drawing/2014/main" id="{69B2431A-B4A8-4675-B917-E5659CD4E2C2}"/>
               </a:ext>
             </a:extLst>
           </p:cNvPr>
@@ -8068,16 +7420,5742 @@
           </a:p>
         </p:txBody>
       </p:sp>
+      <p:cxnSp>
+        <p:nvCxnSpPr>
+          <p:cNvPr id="24" name="Conector de Seta Reta 23">
+            <a:extLst>
+              <a:ext uri="{FF2B5EF4-FFF2-40B4-BE49-F238E27FC236}">
+                <a16:creationId xmlns:a16="http://schemas.microsoft.com/office/drawing/2014/main" id="{D228D475-0783-4695-A79A-AF5D2B15ACA7}"/>
+              </a:ext>
+            </a:extLst>
+          </p:cNvPr>
+          <p:cNvCxnSpPr>
+            <a:cxnSpLocks/>
+            <a:stCxn id="22" idx="3"/>
+            <a:endCxn id="25" idx="1"/>
+          </p:cNvCxnSpPr>
+          <p:nvPr/>
+        </p:nvCxnSpPr>
+        <p:spPr>
+          <a:xfrm>
+            <a:off x="8011284" y="1781229"/>
+            <a:ext cx="1735645" cy="308478"/>
+          </a:xfrm>
+          <a:prstGeom prst="straightConnector1">
+            <a:avLst/>
+          </a:prstGeom>
+          <a:ln>
+            <a:tailEnd type="triangle"/>
+          </a:ln>
+        </p:spPr>
+        <p:style>
+          <a:lnRef idx="1">
+            <a:schemeClr val="accent2"/>
+          </a:lnRef>
+          <a:fillRef idx="0">
+            <a:schemeClr val="accent2"/>
+          </a:fillRef>
+          <a:effectRef idx="0">
+            <a:schemeClr val="accent2"/>
+          </a:effectRef>
+          <a:fontRef idx="minor">
+            <a:schemeClr val="tx1"/>
+          </a:fontRef>
+        </p:style>
+      </p:cxnSp>
+      <p:sp>
+        <p:nvSpPr>
+          <p:cNvPr id="25" name="CaixaDeTexto 24">
+            <a:extLst>
+              <a:ext uri="{FF2B5EF4-FFF2-40B4-BE49-F238E27FC236}">
+                <a16:creationId xmlns:a16="http://schemas.microsoft.com/office/drawing/2014/main" id="{E8BD1DC2-5943-4CE3-97A2-1C3DB4D612BE}"/>
+              </a:ext>
+            </a:extLst>
+          </p:cNvPr>
+          <p:cNvSpPr txBox="1"/>
+          <p:nvPr/>
+        </p:nvSpPr>
+        <p:spPr>
+          <a:xfrm>
+            <a:off x="9746929" y="1489542"/>
+            <a:ext cx="2337627" cy="1200329"/>
+          </a:xfrm>
+          <a:prstGeom prst="rect">
+            <a:avLst/>
+          </a:prstGeom>
+          <a:noFill/>
+        </p:spPr>
+        <p:txBody>
+          <a:bodyPr wrap="none" rtlCol="0">
+            <a:spAutoFit/>
+          </a:bodyPr>
+          <a:lstStyle/>
+          <a:p>
+            <a:pPr algn="ctr"/>
+            <a:r>
+              <a:rPr lang="pt-BR" dirty="0"/>
+              <a:t>Cloud Microsoft Azure:</a:t>
+            </a:r>
+          </a:p>
+          <a:p>
+            <a:pPr algn="ctr"/>
+            <a:r>
+              <a:rPr lang="pt-BR" dirty="0" err="1"/>
+              <a:t>SQLServer</a:t>
+            </a:r>
+            <a:r>
+              <a:rPr lang="pt-BR" dirty="0"/>
+              <a:t> ;</a:t>
+            </a:r>
+          </a:p>
+          <a:p>
+            <a:pPr algn="ctr"/>
+            <a:r>
+              <a:rPr lang="pt-BR" dirty="0" err="1"/>
+              <a:t>NodeJS</a:t>
+            </a:r>
+            <a:r>
+              <a:rPr lang="pt-BR" dirty="0"/>
+              <a:t> as Server HTTP</a:t>
+            </a:r>
+          </a:p>
+          <a:p>
+            <a:pPr algn="ctr"/>
+            <a:r>
+              <a:rPr lang="pt-BR" dirty="0" err="1"/>
+              <a:t>with</a:t>
+            </a:r>
+            <a:r>
+              <a:rPr lang="pt-BR" dirty="0"/>
+              <a:t> Dashboard;</a:t>
+            </a:r>
+          </a:p>
+        </p:txBody>
+      </p:sp>
+      <p:pic>
+        <p:nvPicPr>
+          <p:cNvPr id="26" name="Imagem 25">
+            <a:extLst>
+              <a:ext uri="{FF2B5EF4-FFF2-40B4-BE49-F238E27FC236}">
+                <a16:creationId xmlns:a16="http://schemas.microsoft.com/office/drawing/2014/main" id="{42B6D122-D04D-4617-92A5-EDE608CDE361}"/>
+              </a:ext>
+            </a:extLst>
+          </p:cNvPr>
+          <p:cNvPicPr>
+            <a:picLocks noChangeAspect="1"/>
+          </p:cNvPicPr>
+          <p:nvPr/>
+        </p:nvPicPr>
+        <p:blipFill>
+          <a:blip r:embed="rId4">
+            <a:extLst>
+              <a:ext uri="{28A0092B-C50C-407E-A947-70E740481C1C}">
+                <a14:useLocalDpi xmlns:a14="http://schemas.microsoft.com/office/drawing/2010/main" val="0"/>
+              </a:ext>
+            </a:extLst>
+          </a:blip>
+          <a:stretch>
+            <a:fillRect/>
+          </a:stretch>
+        </p:blipFill>
+        <p:spPr>
+          <a:xfrm>
+            <a:off x="5154184" y="2104828"/>
+            <a:ext cx="707886" cy="707886"/>
+          </a:xfrm>
+          <a:prstGeom prst="rect">
+            <a:avLst/>
+          </a:prstGeom>
+        </p:spPr>
+      </p:pic>
+      <p:pic>
+        <p:nvPicPr>
+          <p:cNvPr id="27" name="Imagem 26">
+            <a:extLst>
+              <a:ext uri="{FF2B5EF4-FFF2-40B4-BE49-F238E27FC236}">
+                <a16:creationId xmlns:a16="http://schemas.microsoft.com/office/drawing/2014/main" id="{738DFBAC-9943-4B45-93EE-86A3815979A0}"/>
+              </a:ext>
+            </a:extLst>
+          </p:cNvPr>
+          <p:cNvPicPr>
+            <a:picLocks noChangeAspect="1"/>
+          </p:cNvPicPr>
+          <p:nvPr/>
+        </p:nvPicPr>
+        <p:blipFill>
+          <a:blip r:embed="rId5">
+            <a:extLst>
+              <a:ext uri="{28A0092B-C50C-407E-A947-70E740481C1C}">
+                <a14:useLocalDpi xmlns:a14="http://schemas.microsoft.com/office/drawing/2010/main" val="0"/>
+              </a:ext>
+            </a:extLst>
+          </a:blip>
+          <a:stretch>
+            <a:fillRect/>
+          </a:stretch>
+        </p:blipFill>
+        <p:spPr>
+          <a:xfrm>
+            <a:off x="6216313" y="2074171"/>
+            <a:ext cx="1258465" cy="707886"/>
+          </a:xfrm>
+          <a:prstGeom prst="rect">
+            <a:avLst/>
+          </a:prstGeom>
+        </p:spPr>
+      </p:pic>
+      <p:pic>
+        <p:nvPicPr>
+          <p:cNvPr id="33" name="Imagem 32">
+            <a:extLst>
+              <a:ext uri="{FF2B5EF4-FFF2-40B4-BE49-F238E27FC236}">
+                <a16:creationId xmlns:a16="http://schemas.microsoft.com/office/drawing/2014/main" id="{288DD9A6-385C-47F7-8560-5CEFE8151973}"/>
+              </a:ext>
+            </a:extLst>
+          </p:cNvPr>
+          <p:cNvPicPr>
+            <a:picLocks noChangeAspect="1"/>
+          </p:cNvPicPr>
+          <p:nvPr/>
+        </p:nvPicPr>
+        <p:blipFill>
+          <a:blip r:embed="rId3">
+            <a:extLst>
+              <a:ext uri="{28A0092B-C50C-407E-A947-70E740481C1C}">
+                <a14:useLocalDpi xmlns:a14="http://schemas.microsoft.com/office/drawing/2010/main" val="0"/>
+              </a:ext>
+            </a:extLst>
+          </a:blip>
+          <a:stretch>
+            <a:fillRect/>
+          </a:stretch>
+        </p:blipFill>
+        <p:spPr>
+          <a:xfrm>
+            <a:off x="729078" y="1982079"/>
+            <a:ext cx="627128" cy="329938"/>
+          </a:xfrm>
+          <a:prstGeom prst="rect">
+            <a:avLst/>
+          </a:prstGeom>
+        </p:spPr>
+      </p:pic>
+      <p:pic>
+        <p:nvPicPr>
+          <p:cNvPr id="34" name="Imagem 33">
+            <a:extLst>
+              <a:ext uri="{FF2B5EF4-FFF2-40B4-BE49-F238E27FC236}">
+                <a16:creationId xmlns:a16="http://schemas.microsoft.com/office/drawing/2014/main" id="{A5EEEC2B-BC2A-411B-8339-D0D9E2243B8E}"/>
+              </a:ext>
+            </a:extLst>
+          </p:cNvPr>
+          <p:cNvPicPr>
+            <a:picLocks noChangeAspect="1"/>
+          </p:cNvPicPr>
+          <p:nvPr/>
+        </p:nvPicPr>
+        <p:blipFill>
+          <a:blip r:embed="rId3">
+            <a:extLst>
+              <a:ext uri="{28A0092B-C50C-407E-A947-70E740481C1C}">
+                <a14:useLocalDpi xmlns:a14="http://schemas.microsoft.com/office/drawing/2010/main" val="0"/>
+              </a:ext>
+            </a:extLst>
+          </a:blip>
+          <a:stretch>
+            <a:fillRect/>
+          </a:stretch>
+        </p:blipFill>
+        <p:spPr>
+          <a:xfrm>
+            <a:off x="505933" y="2571541"/>
+            <a:ext cx="627128" cy="329938"/>
+          </a:xfrm>
+          <a:prstGeom prst="rect">
+            <a:avLst/>
+          </a:prstGeom>
+        </p:spPr>
+      </p:pic>
+      <p:cxnSp>
+        <p:nvCxnSpPr>
+          <p:cNvPr id="41" name="Conector de Seta Reta 40">
+            <a:extLst>
+              <a:ext uri="{FF2B5EF4-FFF2-40B4-BE49-F238E27FC236}">
+                <a16:creationId xmlns:a16="http://schemas.microsoft.com/office/drawing/2014/main" id="{D3626014-E9F9-402A-8B6E-5605142908A0}"/>
+              </a:ext>
+            </a:extLst>
+          </p:cNvPr>
+          <p:cNvCxnSpPr>
+            <a:cxnSpLocks/>
+            <a:stCxn id="4" idx="3"/>
+            <a:endCxn id="15" idx="0"/>
+          </p:cNvCxnSpPr>
+          <p:nvPr/>
+        </p:nvCxnSpPr>
+        <p:spPr>
+          <a:xfrm>
+            <a:off x="1133061" y="1450250"/>
+            <a:ext cx="841813" cy="1668910"/>
+          </a:xfrm>
+          <a:prstGeom prst="straightConnector1">
+            <a:avLst/>
+          </a:prstGeom>
+          <a:ln>
+            <a:tailEnd type="triangle"/>
+          </a:ln>
+        </p:spPr>
+        <p:style>
+          <a:lnRef idx="1">
+            <a:schemeClr val="accent2"/>
+          </a:lnRef>
+          <a:fillRef idx="0">
+            <a:schemeClr val="accent2"/>
+          </a:fillRef>
+          <a:effectRef idx="0">
+            <a:schemeClr val="accent2"/>
+          </a:effectRef>
+          <a:fontRef idx="minor">
+            <a:schemeClr val="tx1"/>
+          </a:fontRef>
+        </p:style>
+      </p:cxnSp>
+      <p:cxnSp>
+        <p:nvCxnSpPr>
+          <p:cNvPr id="45" name="Conector de Seta Reta 44">
+            <a:extLst>
+              <a:ext uri="{FF2B5EF4-FFF2-40B4-BE49-F238E27FC236}">
+                <a16:creationId xmlns:a16="http://schemas.microsoft.com/office/drawing/2014/main" id="{766CADF6-3646-415A-85BE-D1127F0F9287}"/>
+              </a:ext>
+            </a:extLst>
+          </p:cNvPr>
+          <p:cNvCxnSpPr>
+            <a:cxnSpLocks/>
+            <a:stCxn id="33" idx="3"/>
+            <a:endCxn id="15" idx="0"/>
+          </p:cNvCxnSpPr>
+          <p:nvPr/>
+        </p:nvCxnSpPr>
+        <p:spPr>
+          <a:xfrm>
+            <a:off x="1356206" y="2147048"/>
+            <a:ext cx="618668" cy="972112"/>
+          </a:xfrm>
+          <a:prstGeom prst="straightConnector1">
+            <a:avLst/>
+          </a:prstGeom>
+          <a:ln>
+            <a:tailEnd type="triangle"/>
+          </a:ln>
+        </p:spPr>
+        <p:style>
+          <a:lnRef idx="1">
+            <a:schemeClr val="accent2"/>
+          </a:lnRef>
+          <a:fillRef idx="0">
+            <a:schemeClr val="accent2"/>
+          </a:fillRef>
+          <a:effectRef idx="0">
+            <a:schemeClr val="accent2"/>
+          </a:effectRef>
+          <a:fontRef idx="minor">
+            <a:schemeClr val="tx1"/>
+          </a:fontRef>
+        </p:style>
+      </p:cxnSp>
+      <p:cxnSp>
+        <p:nvCxnSpPr>
+          <p:cNvPr id="48" name="Conector de Seta Reta 47">
+            <a:extLst>
+              <a:ext uri="{FF2B5EF4-FFF2-40B4-BE49-F238E27FC236}">
+                <a16:creationId xmlns:a16="http://schemas.microsoft.com/office/drawing/2014/main" id="{B295495D-1C39-4B6A-A484-22586EB80A98}"/>
+              </a:ext>
+            </a:extLst>
+          </p:cNvPr>
+          <p:cNvCxnSpPr>
+            <a:cxnSpLocks/>
+            <a:stCxn id="34" idx="3"/>
+            <a:endCxn id="15" idx="0"/>
+          </p:cNvCxnSpPr>
+          <p:nvPr/>
+        </p:nvCxnSpPr>
+        <p:spPr>
+          <a:xfrm>
+            <a:off x="1133061" y="2736510"/>
+            <a:ext cx="841813" cy="382650"/>
+          </a:xfrm>
+          <a:prstGeom prst="straightConnector1">
+            <a:avLst/>
+          </a:prstGeom>
+          <a:ln>
+            <a:tailEnd type="triangle"/>
+          </a:ln>
+        </p:spPr>
+        <p:style>
+          <a:lnRef idx="1">
+            <a:schemeClr val="accent2"/>
+          </a:lnRef>
+          <a:fillRef idx="0">
+            <a:schemeClr val="accent2"/>
+          </a:fillRef>
+          <a:effectRef idx="0">
+            <a:schemeClr val="accent2"/>
+          </a:effectRef>
+          <a:fontRef idx="minor">
+            <a:schemeClr val="tx1"/>
+          </a:fontRef>
+        </p:style>
+      </p:cxnSp>
+      <p:pic>
+        <p:nvPicPr>
+          <p:cNvPr id="53" name="Imagem 52">
+            <a:extLst>
+              <a:ext uri="{FF2B5EF4-FFF2-40B4-BE49-F238E27FC236}">
+                <a16:creationId xmlns:a16="http://schemas.microsoft.com/office/drawing/2014/main" id="{3056EB85-D2DD-4DB7-9E5E-D09DD4038D40}"/>
+              </a:ext>
+            </a:extLst>
+          </p:cNvPr>
+          <p:cNvPicPr>
+            <a:picLocks noChangeAspect="1"/>
+          </p:cNvPicPr>
+          <p:nvPr/>
+        </p:nvPicPr>
+        <p:blipFill>
+          <a:blip r:embed="rId6">
+            <a:extLst>
+              <a:ext uri="{28A0092B-C50C-407E-A947-70E740481C1C}">
+                <a14:useLocalDpi xmlns:a14="http://schemas.microsoft.com/office/drawing/2010/main" val="0"/>
+              </a:ext>
+            </a:extLst>
+          </a:blip>
+          <a:stretch>
+            <a:fillRect/>
+          </a:stretch>
+        </p:blipFill>
+        <p:spPr>
+          <a:xfrm>
+            <a:off x="1918932" y="3670175"/>
+            <a:ext cx="815199" cy="842193"/>
+          </a:xfrm>
+          <a:prstGeom prst="rect">
+            <a:avLst/>
+          </a:prstGeom>
+        </p:spPr>
+      </p:pic>
+      <p:sp>
+        <p:nvSpPr>
+          <p:cNvPr id="54" name="Retângulo 53">
+            <a:extLst>
+              <a:ext uri="{FF2B5EF4-FFF2-40B4-BE49-F238E27FC236}">
+                <a16:creationId xmlns:a16="http://schemas.microsoft.com/office/drawing/2014/main" id="{5DBDDD9B-5D28-435F-A913-0CCA604F0B15}"/>
+              </a:ext>
+            </a:extLst>
+          </p:cNvPr>
+          <p:cNvSpPr/>
+          <p:nvPr/>
+        </p:nvSpPr>
+        <p:spPr>
+          <a:xfrm>
+            <a:off x="153382" y="3545200"/>
+            <a:ext cx="3642985" cy="1092144"/>
+          </a:xfrm>
+          <a:prstGeom prst="rect">
+            <a:avLst/>
+          </a:prstGeom>
+          <a:noFill/>
+          <a:ln>
+            <a:solidFill>
+              <a:schemeClr val="tx1"/>
+            </a:solidFill>
+          </a:ln>
+        </p:spPr>
+        <p:style>
+          <a:lnRef idx="2">
+            <a:schemeClr val="accent1">
+              <a:shade val="50000"/>
+            </a:schemeClr>
+          </a:lnRef>
+          <a:fillRef idx="1">
+            <a:schemeClr val="accent1"/>
+          </a:fillRef>
+          <a:effectRef idx="0">
+            <a:schemeClr val="accent1"/>
+          </a:effectRef>
+          <a:fontRef idx="minor">
+            <a:schemeClr val="lt1"/>
+          </a:fontRef>
+        </p:style>
+        <p:txBody>
+          <a:bodyPr rtlCol="0" anchor="ctr"/>
+          <a:lstStyle/>
+          <a:p>
+            <a:pPr algn="ctr"/>
+            <a:endParaRPr lang="pt-BR"/>
+          </a:p>
+        </p:txBody>
+      </p:sp>
+      <p:pic>
+        <p:nvPicPr>
+          <p:cNvPr id="55" name="Imagem 54">
+            <a:extLst>
+              <a:ext uri="{FF2B5EF4-FFF2-40B4-BE49-F238E27FC236}">
+                <a16:creationId xmlns:a16="http://schemas.microsoft.com/office/drawing/2014/main" id="{D054AE66-181C-4C37-BC23-7E60822FB480}"/>
+              </a:ext>
+            </a:extLst>
+          </p:cNvPr>
+          <p:cNvPicPr>
+            <a:picLocks noChangeAspect="1"/>
+          </p:cNvPicPr>
+          <p:nvPr/>
+        </p:nvPicPr>
+        <p:blipFill>
+          <a:blip r:embed="rId7">
+            <a:extLst>
+              <a:ext uri="{28A0092B-C50C-407E-A947-70E740481C1C}">
+                <a14:useLocalDpi xmlns:a14="http://schemas.microsoft.com/office/drawing/2010/main" val="0"/>
+              </a:ext>
+            </a:extLst>
+          </a:blip>
+          <a:stretch>
+            <a:fillRect/>
+          </a:stretch>
+        </p:blipFill>
+        <p:spPr>
+          <a:xfrm>
+            <a:off x="5725840" y="3474567"/>
+            <a:ext cx="1231639" cy="1231639"/>
+          </a:xfrm>
+          <a:prstGeom prst="rect">
+            <a:avLst/>
+          </a:prstGeom>
+        </p:spPr>
+      </p:pic>
+      <p:sp>
+        <p:nvSpPr>
+          <p:cNvPr id="56" name="CaixaDeTexto 55">
+            <a:extLst>
+              <a:ext uri="{FF2B5EF4-FFF2-40B4-BE49-F238E27FC236}">
+                <a16:creationId xmlns:a16="http://schemas.microsoft.com/office/drawing/2014/main" id="{80A21D5F-936B-43C0-9E92-AF4257D833DB}"/>
+              </a:ext>
+            </a:extLst>
+          </p:cNvPr>
+          <p:cNvSpPr txBox="1"/>
+          <p:nvPr/>
+        </p:nvSpPr>
+        <p:spPr>
+          <a:xfrm>
+            <a:off x="159188" y="3630344"/>
+            <a:ext cx="1766908" cy="954107"/>
+          </a:xfrm>
+          <a:prstGeom prst="rect">
+            <a:avLst/>
+          </a:prstGeom>
+          <a:noFill/>
+        </p:spPr>
+        <p:txBody>
+          <a:bodyPr wrap="square" rtlCol="0">
+            <a:spAutoFit/>
+          </a:bodyPr>
+          <a:lstStyle/>
+          <a:p>
+            <a:pPr algn="ctr"/>
+            <a:r>
+              <a:rPr lang="pt-BR" sz="1400" dirty="0"/>
+              <a:t>Responsável pela área</a:t>
+            </a:r>
+          </a:p>
+          <a:p>
+            <a:pPr algn="ctr"/>
+            <a:r>
+              <a:rPr lang="pt-BR" sz="1400" dirty="0"/>
+              <a:t>  +</a:t>
+            </a:r>
+          </a:p>
+          <a:p>
+            <a:pPr algn="ctr"/>
+            <a:r>
+              <a:rPr lang="pt-BR" sz="1400" dirty="0"/>
+              <a:t> Moradores locais</a:t>
+            </a:r>
+          </a:p>
+        </p:txBody>
+      </p:sp>
+      <p:pic>
+        <p:nvPicPr>
+          <p:cNvPr id="57" name="Imagem 56">
+            <a:extLst>
+              <a:ext uri="{FF2B5EF4-FFF2-40B4-BE49-F238E27FC236}">
+                <a16:creationId xmlns:a16="http://schemas.microsoft.com/office/drawing/2014/main" id="{E4D613CB-8E86-4D83-B26A-3820DBCEC1ED}"/>
+              </a:ext>
+            </a:extLst>
+          </p:cNvPr>
+          <p:cNvPicPr>
+            <a:picLocks noChangeAspect="1"/>
+          </p:cNvPicPr>
+          <p:nvPr/>
+        </p:nvPicPr>
+        <p:blipFill>
+          <a:blip r:embed="rId6">
+            <a:extLst>
+              <a:ext uri="{28A0092B-C50C-407E-A947-70E740481C1C}">
+                <a14:useLocalDpi xmlns:a14="http://schemas.microsoft.com/office/drawing/2010/main" val="0"/>
+              </a:ext>
+            </a:extLst>
+          </a:blip>
+          <a:stretch>
+            <a:fillRect/>
+          </a:stretch>
+        </p:blipFill>
+        <p:spPr>
+          <a:xfrm>
+            <a:off x="5983776" y="5425322"/>
+            <a:ext cx="750093" cy="842193"/>
+          </a:xfrm>
+          <a:prstGeom prst="rect">
+            <a:avLst/>
+          </a:prstGeom>
+        </p:spPr>
+      </p:pic>
+      <p:cxnSp>
+        <p:nvCxnSpPr>
+          <p:cNvPr id="58" name="Conector de Seta Reta 57">
+            <a:extLst>
+              <a:ext uri="{FF2B5EF4-FFF2-40B4-BE49-F238E27FC236}">
+                <a16:creationId xmlns:a16="http://schemas.microsoft.com/office/drawing/2014/main" id="{A81F9743-A26F-44A8-83F1-E10BE12E6D19}"/>
+              </a:ext>
+            </a:extLst>
+          </p:cNvPr>
+          <p:cNvCxnSpPr>
+            <a:cxnSpLocks/>
+            <a:endCxn id="57" idx="0"/>
+          </p:cNvCxnSpPr>
+          <p:nvPr/>
+        </p:nvCxnSpPr>
+        <p:spPr>
+          <a:xfrm flipH="1">
+            <a:off x="6358823" y="4953783"/>
+            <a:ext cx="1" cy="471539"/>
+          </a:xfrm>
+          <a:prstGeom prst="straightConnector1">
+            <a:avLst/>
+          </a:prstGeom>
+          <a:ln>
+            <a:tailEnd type="triangle"/>
+          </a:ln>
+        </p:spPr>
+        <p:style>
+          <a:lnRef idx="1">
+            <a:schemeClr val="dk1"/>
+          </a:lnRef>
+          <a:fillRef idx="0">
+            <a:schemeClr val="dk1"/>
+          </a:fillRef>
+          <a:effectRef idx="0">
+            <a:schemeClr val="dk1"/>
+          </a:effectRef>
+          <a:fontRef idx="minor">
+            <a:schemeClr val="tx1"/>
+          </a:fontRef>
+        </p:style>
+      </p:cxnSp>
+      <p:cxnSp>
+        <p:nvCxnSpPr>
+          <p:cNvPr id="59" name="Conector de Seta Reta 58">
+            <a:extLst>
+              <a:ext uri="{FF2B5EF4-FFF2-40B4-BE49-F238E27FC236}">
+                <a16:creationId xmlns:a16="http://schemas.microsoft.com/office/drawing/2014/main" id="{08FAC6C9-27DD-432C-9BE7-BB2AEB7FA655}"/>
+              </a:ext>
+            </a:extLst>
+          </p:cNvPr>
+          <p:cNvCxnSpPr>
+            <a:cxnSpLocks/>
+            <a:stCxn id="55" idx="1"/>
+            <a:endCxn id="53" idx="3"/>
+          </p:cNvCxnSpPr>
+          <p:nvPr/>
+        </p:nvCxnSpPr>
+        <p:spPr>
+          <a:xfrm flipH="1">
+            <a:off x="2734131" y="4090387"/>
+            <a:ext cx="2991709" cy="885"/>
+          </a:xfrm>
+          <a:prstGeom prst="straightConnector1">
+            <a:avLst/>
+          </a:prstGeom>
+          <a:ln>
+            <a:tailEnd type="triangle"/>
+          </a:ln>
+        </p:spPr>
+        <p:style>
+          <a:lnRef idx="1">
+            <a:schemeClr val="dk1"/>
+          </a:lnRef>
+          <a:fillRef idx="0">
+            <a:schemeClr val="dk1"/>
+          </a:fillRef>
+          <a:effectRef idx="0">
+            <a:schemeClr val="dk1"/>
+          </a:effectRef>
+          <a:fontRef idx="minor">
+            <a:schemeClr val="tx1"/>
+          </a:fontRef>
+        </p:style>
+      </p:cxnSp>
+      <p:sp>
+        <p:nvSpPr>
+          <p:cNvPr id="60" name="CaixaDeTexto 59">
+            <a:extLst>
+              <a:ext uri="{FF2B5EF4-FFF2-40B4-BE49-F238E27FC236}">
+                <a16:creationId xmlns:a16="http://schemas.microsoft.com/office/drawing/2014/main" id="{DCD7ECA5-0AF2-49B9-BBF7-3F1441A2003E}"/>
+              </a:ext>
+            </a:extLst>
+          </p:cNvPr>
+          <p:cNvSpPr txBox="1"/>
+          <p:nvPr/>
+        </p:nvSpPr>
+        <p:spPr>
+          <a:xfrm>
+            <a:off x="5770560" y="6263321"/>
+            <a:ext cx="1142198" cy="523220"/>
+          </a:xfrm>
+          <a:prstGeom prst="rect">
+            <a:avLst/>
+          </a:prstGeom>
+          <a:noFill/>
+        </p:spPr>
+        <p:txBody>
+          <a:bodyPr wrap="square" rtlCol="0">
+            <a:spAutoFit/>
+          </a:bodyPr>
+          <a:lstStyle/>
+          <a:p>
+            <a:pPr algn="ctr"/>
+            <a:r>
+              <a:rPr lang="pt-BR" sz="1400" dirty="0"/>
+              <a:t>Proprietário</a:t>
+            </a:r>
+          </a:p>
+          <a:p>
+            <a:pPr algn="ctr"/>
+            <a:r>
+              <a:rPr lang="pt-BR" sz="1400" dirty="0"/>
+              <a:t>da área</a:t>
+            </a:r>
+          </a:p>
+        </p:txBody>
+      </p:sp>
+      <p:cxnSp>
+        <p:nvCxnSpPr>
+          <p:cNvPr id="61" name="Conector de Seta Reta 60">
+            <a:extLst>
+              <a:ext uri="{FF2B5EF4-FFF2-40B4-BE49-F238E27FC236}">
+                <a16:creationId xmlns:a16="http://schemas.microsoft.com/office/drawing/2014/main" id="{4743D932-3D76-4B53-B6F6-204B842AF635}"/>
+              </a:ext>
+            </a:extLst>
+          </p:cNvPr>
+          <p:cNvCxnSpPr>
+            <a:cxnSpLocks/>
+            <a:stCxn id="55" idx="3"/>
+            <a:endCxn id="71" idx="1"/>
+          </p:cNvCxnSpPr>
+          <p:nvPr/>
+        </p:nvCxnSpPr>
+        <p:spPr>
+          <a:xfrm>
+            <a:off x="6957479" y="4090387"/>
+            <a:ext cx="3652817" cy="13657"/>
+          </a:xfrm>
+          <a:prstGeom prst="straightConnector1">
+            <a:avLst/>
+          </a:prstGeom>
+          <a:ln>
+            <a:tailEnd type="triangle"/>
+          </a:ln>
+        </p:spPr>
+        <p:style>
+          <a:lnRef idx="1">
+            <a:schemeClr val="dk1"/>
+          </a:lnRef>
+          <a:fillRef idx="0">
+            <a:schemeClr val="dk1"/>
+          </a:fillRef>
+          <a:effectRef idx="0">
+            <a:schemeClr val="dk1"/>
+          </a:effectRef>
+          <a:fontRef idx="minor">
+            <a:schemeClr val="tx1"/>
+          </a:fontRef>
+        </p:style>
+      </p:cxnSp>
+      <p:sp>
+        <p:nvSpPr>
+          <p:cNvPr id="62" name="CaixaDeTexto 61">
+            <a:extLst>
+              <a:ext uri="{FF2B5EF4-FFF2-40B4-BE49-F238E27FC236}">
+                <a16:creationId xmlns:a16="http://schemas.microsoft.com/office/drawing/2014/main" id="{4DA4AE1B-A410-4C2A-A520-2600C13AA1AD}"/>
+              </a:ext>
+            </a:extLst>
+          </p:cNvPr>
+          <p:cNvSpPr txBox="1"/>
+          <p:nvPr/>
+        </p:nvSpPr>
+        <p:spPr>
+          <a:xfrm>
+            <a:off x="10063077" y="3214951"/>
+            <a:ext cx="2148560" cy="369332"/>
+          </a:xfrm>
+          <a:prstGeom prst="rect">
+            <a:avLst/>
+          </a:prstGeom>
+          <a:noFill/>
+        </p:spPr>
+        <p:txBody>
+          <a:bodyPr wrap="square" rtlCol="0">
+            <a:spAutoFit/>
+          </a:bodyPr>
+          <a:lstStyle/>
+          <a:p>
+            <a:r>
+              <a:rPr lang="pt-BR" dirty="0"/>
+              <a:t>Corpo de Bombeiros</a:t>
+            </a:r>
+          </a:p>
+        </p:txBody>
+      </p:sp>
+      <p:cxnSp>
+        <p:nvCxnSpPr>
+          <p:cNvPr id="65" name="Conector de Seta Reta 64">
+            <a:extLst>
+              <a:ext uri="{FF2B5EF4-FFF2-40B4-BE49-F238E27FC236}">
+                <a16:creationId xmlns:a16="http://schemas.microsoft.com/office/drawing/2014/main" id="{B4201E1E-7E9D-470E-97AB-FE06092C2D9E}"/>
+              </a:ext>
+            </a:extLst>
+          </p:cNvPr>
+          <p:cNvCxnSpPr>
+            <a:cxnSpLocks/>
+            <a:stCxn id="22" idx="2"/>
+            <a:endCxn id="55" idx="0"/>
+          </p:cNvCxnSpPr>
+          <p:nvPr/>
+        </p:nvCxnSpPr>
+        <p:spPr>
+          <a:xfrm flipH="1">
+            <a:off x="6341660" y="3165358"/>
+            <a:ext cx="1" cy="309209"/>
+          </a:xfrm>
+          <a:prstGeom prst="straightConnector1">
+            <a:avLst/>
+          </a:prstGeom>
+          <a:ln>
+            <a:tailEnd type="triangle"/>
+          </a:ln>
+        </p:spPr>
+        <p:style>
+          <a:lnRef idx="1">
+            <a:schemeClr val="dk1"/>
+          </a:lnRef>
+          <a:fillRef idx="0">
+            <a:schemeClr val="dk1"/>
+          </a:fillRef>
+          <a:effectRef idx="0">
+            <a:schemeClr val="dk1"/>
+          </a:effectRef>
+          <a:fontRef idx="minor">
+            <a:schemeClr val="tx1"/>
+          </a:fontRef>
+        </p:style>
+      </p:cxnSp>
+      <p:sp>
+        <p:nvSpPr>
+          <p:cNvPr id="66" name="CaixaDeTexto 65">
+            <a:extLst>
+              <a:ext uri="{FF2B5EF4-FFF2-40B4-BE49-F238E27FC236}">
+                <a16:creationId xmlns:a16="http://schemas.microsoft.com/office/drawing/2014/main" id="{C5E5EB2C-EC83-4782-8FAC-A2B0C479993E}"/>
+              </a:ext>
+            </a:extLst>
+          </p:cNvPr>
+          <p:cNvSpPr txBox="1"/>
+          <p:nvPr/>
+        </p:nvSpPr>
+        <p:spPr>
+          <a:xfrm>
+            <a:off x="1656522" y="5491877"/>
+            <a:ext cx="2127126" cy="369332"/>
+          </a:xfrm>
+          <a:prstGeom prst="rect">
+            <a:avLst/>
+          </a:prstGeom>
+          <a:noFill/>
+        </p:spPr>
+        <p:txBody>
+          <a:bodyPr wrap="square" rtlCol="0">
+            <a:spAutoFit/>
+          </a:bodyPr>
+          <a:lstStyle/>
+          <a:p>
+            <a:r>
+              <a:rPr lang="pt-BR" dirty="0"/>
+              <a:t>Notificação por SMS:</a:t>
+            </a:r>
+          </a:p>
+        </p:txBody>
+      </p:sp>
+      <p:cxnSp>
+        <p:nvCxnSpPr>
+          <p:cNvPr id="67" name="Conector de Seta Reta 66">
+            <a:extLst>
+              <a:ext uri="{FF2B5EF4-FFF2-40B4-BE49-F238E27FC236}">
+                <a16:creationId xmlns:a16="http://schemas.microsoft.com/office/drawing/2014/main" id="{5523B3E4-7054-4D25-ACEE-32723ED3B750}"/>
+              </a:ext>
+            </a:extLst>
+          </p:cNvPr>
+          <p:cNvCxnSpPr>
+            <a:cxnSpLocks/>
+          </p:cNvCxnSpPr>
+          <p:nvPr/>
+        </p:nvCxnSpPr>
+        <p:spPr>
+          <a:xfrm flipH="1">
+            <a:off x="3799480" y="5201156"/>
+            <a:ext cx="2557020" cy="475387"/>
+          </a:xfrm>
+          <a:prstGeom prst="straightConnector1">
+            <a:avLst/>
+          </a:prstGeom>
+          <a:ln>
+            <a:tailEnd type="triangle"/>
+          </a:ln>
+        </p:spPr>
+        <p:style>
+          <a:lnRef idx="1">
+            <a:schemeClr val="accent2"/>
+          </a:lnRef>
+          <a:fillRef idx="0">
+            <a:schemeClr val="accent2"/>
+          </a:fillRef>
+          <a:effectRef idx="0">
+            <a:schemeClr val="accent2"/>
+          </a:effectRef>
+          <a:fontRef idx="minor">
+            <a:schemeClr val="tx1"/>
+          </a:fontRef>
+        </p:style>
+      </p:cxnSp>
+      <p:cxnSp>
+        <p:nvCxnSpPr>
+          <p:cNvPr id="68" name="Conector de Seta Reta 67">
+            <a:extLst>
+              <a:ext uri="{FF2B5EF4-FFF2-40B4-BE49-F238E27FC236}">
+                <a16:creationId xmlns:a16="http://schemas.microsoft.com/office/drawing/2014/main" id="{82814771-A83A-4DEB-9CF2-0C7A1ECC9CB8}"/>
+              </a:ext>
+            </a:extLst>
+          </p:cNvPr>
+          <p:cNvCxnSpPr>
+            <a:cxnSpLocks/>
+            <a:endCxn id="66" idx="0"/>
+          </p:cNvCxnSpPr>
+          <p:nvPr/>
+        </p:nvCxnSpPr>
+        <p:spPr>
+          <a:xfrm flipH="1">
+            <a:off x="2720085" y="4083517"/>
+            <a:ext cx="2329509" cy="1408360"/>
+          </a:xfrm>
+          <a:prstGeom prst="straightConnector1">
+            <a:avLst/>
+          </a:prstGeom>
+          <a:ln>
+            <a:tailEnd type="triangle"/>
+          </a:ln>
+        </p:spPr>
+        <p:style>
+          <a:lnRef idx="1">
+            <a:schemeClr val="accent2"/>
+          </a:lnRef>
+          <a:fillRef idx="0">
+            <a:schemeClr val="accent2"/>
+          </a:fillRef>
+          <a:effectRef idx="0">
+            <a:schemeClr val="accent2"/>
+          </a:effectRef>
+          <a:fontRef idx="minor">
+            <a:schemeClr val="tx1"/>
+          </a:fontRef>
+        </p:style>
+      </p:cxnSp>
+      <p:sp>
+        <p:nvSpPr>
+          <p:cNvPr id="69" name="CaixaDeTexto 68">
+            <a:extLst>
+              <a:ext uri="{FF2B5EF4-FFF2-40B4-BE49-F238E27FC236}">
+                <a16:creationId xmlns:a16="http://schemas.microsoft.com/office/drawing/2014/main" id="{5D8548E8-E8EF-4003-B84C-E1A458DCA22F}"/>
+              </a:ext>
+            </a:extLst>
+          </p:cNvPr>
+          <p:cNvSpPr txBox="1"/>
+          <p:nvPr/>
+        </p:nvSpPr>
+        <p:spPr>
+          <a:xfrm>
+            <a:off x="7347987" y="4605887"/>
+            <a:ext cx="3652815" cy="369332"/>
+          </a:xfrm>
+          <a:prstGeom prst="rect">
+            <a:avLst/>
+          </a:prstGeom>
+          <a:noFill/>
+        </p:spPr>
+        <p:txBody>
+          <a:bodyPr wrap="square" rtlCol="0">
+            <a:spAutoFit/>
+          </a:bodyPr>
+          <a:lstStyle/>
+          <a:p>
+            <a:r>
+              <a:rPr lang="pt-BR" dirty="0"/>
+              <a:t>Chamada de emergência automática</a:t>
+            </a:r>
+          </a:p>
+        </p:txBody>
+      </p:sp>
+      <p:cxnSp>
+        <p:nvCxnSpPr>
+          <p:cNvPr id="70" name="Conector de Seta Reta 69">
+            <a:extLst>
+              <a:ext uri="{FF2B5EF4-FFF2-40B4-BE49-F238E27FC236}">
+                <a16:creationId xmlns:a16="http://schemas.microsoft.com/office/drawing/2014/main" id="{8EA327A0-9058-4790-8145-4659AE03EEFA}"/>
+              </a:ext>
+            </a:extLst>
+          </p:cNvPr>
+          <p:cNvCxnSpPr>
+            <a:cxnSpLocks/>
+          </p:cNvCxnSpPr>
+          <p:nvPr/>
+        </p:nvCxnSpPr>
+        <p:spPr>
+          <a:xfrm>
+            <a:off x="8412826" y="4104043"/>
+            <a:ext cx="717922" cy="480408"/>
+          </a:xfrm>
+          <a:prstGeom prst="straightConnector1">
+            <a:avLst/>
+          </a:prstGeom>
+          <a:ln>
+            <a:tailEnd type="triangle"/>
+          </a:ln>
+        </p:spPr>
+        <p:style>
+          <a:lnRef idx="1">
+            <a:schemeClr val="accent2"/>
+          </a:lnRef>
+          <a:fillRef idx="0">
+            <a:schemeClr val="accent2"/>
+          </a:fillRef>
+          <a:effectRef idx="0">
+            <a:schemeClr val="accent2"/>
+          </a:effectRef>
+          <a:fontRef idx="minor">
+            <a:schemeClr val="tx1"/>
+          </a:fontRef>
+        </p:style>
+      </p:cxnSp>
+      <p:pic>
+        <p:nvPicPr>
+          <p:cNvPr id="71" name="Imagem 70">
+            <a:extLst>
+              <a:ext uri="{FF2B5EF4-FFF2-40B4-BE49-F238E27FC236}">
+                <a16:creationId xmlns:a16="http://schemas.microsoft.com/office/drawing/2014/main" id="{A39E8BD7-7EC1-4F52-9907-0BCEF841FF5A}"/>
+              </a:ext>
+            </a:extLst>
+          </p:cNvPr>
+          <p:cNvPicPr>
+            <a:picLocks noChangeAspect="1"/>
+          </p:cNvPicPr>
+          <p:nvPr/>
+        </p:nvPicPr>
+        <p:blipFill>
+          <a:blip r:embed="rId8">
+            <a:extLst>
+              <a:ext uri="{28A0092B-C50C-407E-A947-70E740481C1C}">
+                <a14:useLocalDpi xmlns:a14="http://schemas.microsoft.com/office/drawing/2010/main" val="0"/>
+              </a:ext>
+            </a:extLst>
+          </a:blip>
+          <a:stretch>
+            <a:fillRect/>
+          </a:stretch>
+        </p:blipFill>
+        <p:spPr>
+          <a:xfrm>
+            <a:off x="10610296" y="3576982"/>
+            <a:ext cx="1054123" cy="1054123"/>
+          </a:xfrm>
+          <a:prstGeom prst="rect">
+            <a:avLst/>
+          </a:prstGeom>
+        </p:spPr>
+      </p:pic>
+      <p:pic>
+        <p:nvPicPr>
+          <p:cNvPr id="129" name="Imagem 128">
+            <a:extLst>
+              <a:ext uri="{FF2B5EF4-FFF2-40B4-BE49-F238E27FC236}">
+                <a16:creationId xmlns:a16="http://schemas.microsoft.com/office/drawing/2014/main" id="{E093CB9A-7FB7-473F-B230-4B7F52662E3F}"/>
+              </a:ext>
+            </a:extLst>
+          </p:cNvPr>
+          <p:cNvPicPr>
+            <a:picLocks noChangeAspect="1"/>
+          </p:cNvPicPr>
+          <p:nvPr/>
+        </p:nvPicPr>
+        <p:blipFill>
+          <a:blip r:embed="rId9">
+            <a:extLst>
+              <a:ext uri="{28A0092B-C50C-407E-A947-70E740481C1C}">
+                <a14:useLocalDpi xmlns:a14="http://schemas.microsoft.com/office/drawing/2010/main" val="0"/>
+              </a:ext>
+            </a:extLst>
+          </a:blip>
+          <a:stretch>
+            <a:fillRect/>
+          </a:stretch>
+        </p:blipFill>
+        <p:spPr>
+          <a:xfrm>
+            <a:off x="2663563" y="1710337"/>
+            <a:ext cx="1009437" cy="842193"/>
+          </a:xfrm>
+          <a:prstGeom prst="rect">
+            <a:avLst/>
+          </a:prstGeom>
+        </p:spPr>
+      </p:pic>
+      <p:cxnSp>
+        <p:nvCxnSpPr>
+          <p:cNvPr id="130" name="Conector de Seta Reta 129">
+            <a:extLst>
+              <a:ext uri="{FF2B5EF4-FFF2-40B4-BE49-F238E27FC236}">
+                <a16:creationId xmlns:a16="http://schemas.microsoft.com/office/drawing/2014/main" id="{0E6B9AFC-38E5-407C-92B6-2F0EF1DF3C50}"/>
+              </a:ext>
+            </a:extLst>
+          </p:cNvPr>
+          <p:cNvCxnSpPr>
+            <a:cxnSpLocks/>
+            <a:stCxn id="129" idx="3"/>
+          </p:cNvCxnSpPr>
+          <p:nvPr/>
+        </p:nvCxnSpPr>
+        <p:spPr>
+          <a:xfrm>
+            <a:off x="3673000" y="2131434"/>
+            <a:ext cx="999037" cy="13161"/>
+          </a:xfrm>
+          <a:prstGeom prst="straightConnector1">
+            <a:avLst/>
+          </a:prstGeom>
+          <a:ln>
+            <a:tailEnd type="triangle"/>
+          </a:ln>
+        </p:spPr>
+        <p:style>
+          <a:lnRef idx="1">
+            <a:schemeClr val="dk1"/>
+          </a:lnRef>
+          <a:fillRef idx="0">
+            <a:schemeClr val="dk1"/>
+          </a:fillRef>
+          <a:effectRef idx="0">
+            <a:schemeClr val="dk1"/>
+          </a:effectRef>
+          <a:fontRef idx="minor">
+            <a:schemeClr val="tx1"/>
+          </a:fontRef>
+        </p:style>
+      </p:cxnSp>
+      <p:cxnSp>
+        <p:nvCxnSpPr>
+          <p:cNvPr id="134" name="Conector de Seta Reta 133">
+            <a:extLst>
+              <a:ext uri="{FF2B5EF4-FFF2-40B4-BE49-F238E27FC236}">
+                <a16:creationId xmlns:a16="http://schemas.microsoft.com/office/drawing/2014/main" id="{BB7FC211-285C-4F1A-B95F-EB42EC419A3B}"/>
+              </a:ext>
+            </a:extLst>
+          </p:cNvPr>
+          <p:cNvCxnSpPr>
+            <a:cxnSpLocks/>
+            <a:endCxn id="129" idx="1"/>
+          </p:cNvCxnSpPr>
+          <p:nvPr/>
+        </p:nvCxnSpPr>
+        <p:spPr>
+          <a:xfrm>
+            <a:off x="1356206" y="1415449"/>
+            <a:ext cx="1307357" cy="715985"/>
+          </a:xfrm>
+          <a:prstGeom prst="straightConnector1">
+            <a:avLst/>
+          </a:prstGeom>
+          <a:ln>
+            <a:tailEnd type="triangle"/>
+          </a:ln>
+        </p:spPr>
+        <p:style>
+          <a:lnRef idx="1">
+            <a:schemeClr val="dk1"/>
+          </a:lnRef>
+          <a:fillRef idx="0">
+            <a:schemeClr val="dk1"/>
+          </a:fillRef>
+          <a:effectRef idx="0">
+            <a:schemeClr val="dk1"/>
+          </a:effectRef>
+          <a:fontRef idx="minor">
+            <a:schemeClr val="tx1"/>
+          </a:fontRef>
+        </p:style>
+      </p:cxnSp>
+      <p:cxnSp>
+        <p:nvCxnSpPr>
+          <p:cNvPr id="137" name="Conector de Seta Reta 136">
+            <a:extLst>
+              <a:ext uri="{FF2B5EF4-FFF2-40B4-BE49-F238E27FC236}">
+                <a16:creationId xmlns:a16="http://schemas.microsoft.com/office/drawing/2014/main" id="{2AB0E3FB-D73E-4F93-9A6F-0756A303692C}"/>
+              </a:ext>
+            </a:extLst>
+          </p:cNvPr>
+          <p:cNvCxnSpPr>
+            <a:cxnSpLocks/>
+            <a:stCxn id="33" idx="3"/>
+            <a:endCxn id="129" idx="1"/>
+          </p:cNvCxnSpPr>
+          <p:nvPr/>
+        </p:nvCxnSpPr>
+        <p:spPr>
+          <a:xfrm flipV="1">
+            <a:off x="1356206" y="2131434"/>
+            <a:ext cx="1307357" cy="15614"/>
+          </a:xfrm>
+          <a:prstGeom prst="straightConnector1">
+            <a:avLst/>
+          </a:prstGeom>
+          <a:ln>
+            <a:tailEnd type="triangle"/>
+          </a:ln>
+        </p:spPr>
+        <p:style>
+          <a:lnRef idx="1">
+            <a:schemeClr val="dk1"/>
+          </a:lnRef>
+          <a:fillRef idx="0">
+            <a:schemeClr val="dk1"/>
+          </a:fillRef>
+          <a:effectRef idx="0">
+            <a:schemeClr val="dk1"/>
+          </a:effectRef>
+          <a:fontRef idx="minor">
+            <a:schemeClr val="tx1"/>
+          </a:fontRef>
+        </p:style>
+      </p:cxnSp>
+      <p:cxnSp>
+        <p:nvCxnSpPr>
+          <p:cNvPr id="140" name="Conector de Seta Reta 139">
+            <a:extLst>
+              <a:ext uri="{FF2B5EF4-FFF2-40B4-BE49-F238E27FC236}">
+                <a16:creationId xmlns:a16="http://schemas.microsoft.com/office/drawing/2014/main" id="{CED2DBC3-A770-42A9-AC36-D64556CBF038}"/>
+              </a:ext>
+            </a:extLst>
+          </p:cNvPr>
+          <p:cNvCxnSpPr>
+            <a:cxnSpLocks/>
+            <a:stCxn id="34" idx="3"/>
+            <a:endCxn id="129" idx="1"/>
+          </p:cNvCxnSpPr>
+          <p:nvPr/>
+        </p:nvCxnSpPr>
+        <p:spPr>
+          <a:xfrm flipV="1">
+            <a:off x="1133061" y="2131434"/>
+            <a:ext cx="1530502" cy="605076"/>
+          </a:xfrm>
+          <a:prstGeom prst="straightConnector1">
+            <a:avLst/>
+          </a:prstGeom>
+          <a:ln>
+            <a:tailEnd type="triangle"/>
+          </a:ln>
+        </p:spPr>
+        <p:style>
+          <a:lnRef idx="1">
+            <a:schemeClr val="dk1"/>
+          </a:lnRef>
+          <a:fillRef idx="0">
+            <a:schemeClr val="dk1"/>
+          </a:fillRef>
+          <a:effectRef idx="0">
+            <a:schemeClr val="dk1"/>
+          </a:effectRef>
+          <a:fontRef idx="minor">
+            <a:schemeClr val="tx1"/>
+          </a:fontRef>
+        </p:style>
+      </p:cxnSp>
+      <p:sp>
+        <p:nvSpPr>
+          <p:cNvPr id="146" name="CaixaDeTexto 145">
+            <a:extLst>
+              <a:ext uri="{FF2B5EF4-FFF2-40B4-BE49-F238E27FC236}">
+                <a16:creationId xmlns:a16="http://schemas.microsoft.com/office/drawing/2014/main" id="{08ED12EB-68E1-4C8C-8203-712299F727FB}"/>
+              </a:ext>
+            </a:extLst>
+          </p:cNvPr>
+          <p:cNvSpPr txBox="1"/>
+          <p:nvPr/>
+        </p:nvSpPr>
+        <p:spPr>
+          <a:xfrm>
+            <a:off x="2515285" y="1300437"/>
+            <a:ext cx="1306896" cy="461665"/>
+          </a:xfrm>
+          <a:prstGeom prst="rect">
+            <a:avLst/>
+          </a:prstGeom>
+          <a:noFill/>
+        </p:spPr>
+        <p:txBody>
+          <a:bodyPr wrap="none" rtlCol="0">
+            <a:spAutoFit/>
+          </a:bodyPr>
+          <a:lstStyle/>
+          <a:p>
+            <a:r>
+              <a:rPr lang="pt-BR" sz="1200" dirty="0"/>
+              <a:t>Ethernet Gateway</a:t>
+            </a:r>
+          </a:p>
+          <a:p>
+            <a:r>
+              <a:rPr lang="pt-BR" sz="1200" dirty="0"/>
+              <a:t> </a:t>
+            </a:r>
+            <a:r>
+              <a:rPr lang="pt-BR" sz="1200" dirty="0" err="1"/>
+              <a:t>WizNet</a:t>
+            </a:r>
+            <a:r>
+              <a:rPr lang="pt-BR" sz="1200" dirty="0"/>
+              <a:t> W5100</a:t>
+            </a:r>
+          </a:p>
+        </p:txBody>
+      </p:sp>
+      <p:cxnSp>
+        <p:nvCxnSpPr>
+          <p:cNvPr id="147" name="Conector de Seta Reta 146">
+            <a:extLst>
+              <a:ext uri="{FF2B5EF4-FFF2-40B4-BE49-F238E27FC236}">
+                <a16:creationId xmlns:a16="http://schemas.microsoft.com/office/drawing/2014/main" id="{63F26CFB-41A5-4291-B17A-CD2250CEA945}"/>
+              </a:ext>
+            </a:extLst>
+          </p:cNvPr>
+          <p:cNvCxnSpPr>
+            <a:cxnSpLocks/>
+          </p:cNvCxnSpPr>
+          <p:nvPr/>
+        </p:nvCxnSpPr>
+        <p:spPr>
+          <a:xfrm flipV="1">
+            <a:off x="6341659" y="3141038"/>
+            <a:ext cx="1" cy="309209"/>
+          </a:xfrm>
+          <a:prstGeom prst="straightConnector1">
+            <a:avLst/>
+          </a:prstGeom>
+          <a:ln>
+            <a:tailEnd type="triangle"/>
+          </a:ln>
+        </p:spPr>
+        <p:style>
+          <a:lnRef idx="1">
+            <a:schemeClr val="dk1"/>
+          </a:lnRef>
+          <a:fillRef idx="0">
+            <a:schemeClr val="dk1"/>
+          </a:fillRef>
+          <a:effectRef idx="0">
+            <a:schemeClr val="dk1"/>
+          </a:effectRef>
+          <a:fontRef idx="minor">
+            <a:schemeClr val="tx1"/>
+          </a:fontRef>
+        </p:style>
+      </p:cxnSp>
+      <p:cxnSp>
+        <p:nvCxnSpPr>
+          <p:cNvPr id="151" name="Conector de Seta Reta 150">
+            <a:extLst>
+              <a:ext uri="{FF2B5EF4-FFF2-40B4-BE49-F238E27FC236}">
+                <a16:creationId xmlns:a16="http://schemas.microsoft.com/office/drawing/2014/main" id="{60BE1945-2A83-4A9D-9CA0-B0538A2C4607}"/>
+              </a:ext>
+            </a:extLst>
+          </p:cNvPr>
+          <p:cNvCxnSpPr>
+            <a:cxnSpLocks/>
+            <a:stCxn id="57" idx="0"/>
+            <a:endCxn id="55" idx="2"/>
+          </p:cNvCxnSpPr>
+          <p:nvPr/>
+        </p:nvCxnSpPr>
+        <p:spPr>
+          <a:xfrm flipH="1" flipV="1">
+            <a:off x="6341660" y="4706206"/>
+            <a:ext cx="17163" cy="719116"/>
+          </a:xfrm>
+          <a:prstGeom prst="straightConnector1">
+            <a:avLst/>
+          </a:prstGeom>
+          <a:ln>
+            <a:tailEnd type="triangle"/>
+          </a:ln>
+        </p:spPr>
+        <p:style>
+          <a:lnRef idx="1">
+            <a:schemeClr val="dk1"/>
+          </a:lnRef>
+          <a:fillRef idx="0">
+            <a:schemeClr val="dk1"/>
+          </a:fillRef>
+          <a:effectRef idx="0">
+            <a:schemeClr val="dk1"/>
+          </a:effectRef>
+          <a:fontRef idx="minor">
+            <a:schemeClr val="tx1"/>
+          </a:fontRef>
+        </p:style>
+      </p:cxnSp>
+      <p:cxnSp>
+        <p:nvCxnSpPr>
+          <p:cNvPr id="154" name="Conector de Seta Reta 153">
+            <a:extLst>
+              <a:ext uri="{FF2B5EF4-FFF2-40B4-BE49-F238E27FC236}">
+                <a16:creationId xmlns:a16="http://schemas.microsoft.com/office/drawing/2014/main" id="{574BD2F5-45FE-480B-B3DA-F9BAFE819856}"/>
+              </a:ext>
+            </a:extLst>
+          </p:cNvPr>
+          <p:cNvCxnSpPr>
+            <a:cxnSpLocks/>
+            <a:stCxn id="53" idx="3"/>
+            <a:endCxn id="55" idx="1"/>
+          </p:cNvCxnSpPr>
+          <p:nvPr/>
+        </p:nvCxnSpPr>
+        <p:spPr>
+          <a:xfrm flipV="1">
+            <a:off x="2734131" y="4090387"/>
+            <a:ext cx="2991709" cy="885"/>
+          </a:xfrm>
+          <a:prstGeom prst="straightConnector1">
+            <a:avLst/>
+          </a:prstGeom>
+          <a:ln>
+            <a:tailEnd type="triangle"/>
+          </a:ln>
+        </p:spPr>
+        <p:style>
+          <a:lnRef idx="1">
+            <a:schemeClr val="dk1"/>
+          </a:lnRef>
+          <a:fillRef idx="0">
+            <a:schemeClr val="dk1"/>
+          </a:fillRef>
+          <a:effectRef idx="0">
+            <a:schemeClr val="dk1"/>
+          </a:effectRef>
+          <a:fontRef idx="minor">
+            <a:schemeClr val="tx1"/>
+          </a:fontRef>
+        </p:style>
+      </p:cxnSp>
     </p:spTree>
     <p:extLst>
       <p:ext uri="{BB962C8B-B14F-4D97-AF65-F5344CB8AC3E}">
-        <p14:creationId xmlns:p14="http://schemas.microsoft.com/office/powerpoint/2010/main" val="78772017"/>
+        <p14:creationId xmlns:p14="http://schemas.microsoft.com/office/powerpoint/2010/main" val="1615886562"/>
       </p:ext>
     </p:extLst>
   </p:cSld>
   <p:clrMapOvr>
     <a:masterClrMapping/>
   </p:clrMapOvr>
+  <p:timing>
+    <p:tnLst>
+      <p:par>
+        <p:cTn id="1" dur="indefinite" restart="never" nodeType="tmRoot">
+          <p:childTnLst>
+            <p:seq concurrent="1" nextAc="seek">
+              <p:cTn id="2" dur="indefinite" nodeType="mainSeq">
+                <p:childTnLst>
+                  <p:par>
+                    <p:cTn id="3" fill="hold">
+                      <p:stCondLst>
+                        <p:cond delay="indefinite"/>
+                      </p:stCondLst>
+                      <p:childTnLst>
+                        <p:par>
+                          <p:cTn id="4" fill="hold">
+                            <p:stCondLst>
+                              <p:cond delay="0"/>
+                            </p:stCondLst>
+                            <p:childTnLst>
+                              <p:par>
+                                <p:cTn id="5" presetID="42" presetClass="entr" presetSubtype="0" fill="hold" grpId="0" nodeType="clickEffect">
+                                  <p:stCondLst>
+                                    <p:cond delay="0"/>
+                                  </p:stCondLst>
+                                  <p:childTnLst>
+                                    <p:set>
+                                      <p:cBhvr>
+                                        <p:cTn id="6" dur="1" fill="hold">
+                                          <p:stCondLst>
+                                            <p:cond delay="0"/>
+                                          </p:stCondLst>
+                                        </p:cTn>
+                                        <p:tgtEl>
+                                          <p:spTgt spid="2"/>
+                                        </p:tgtEl>
+                                        <p:attrNameLst>
+                                          <p:attrName>style.visibility</p:attrName>
+                                        </p:attrNameLst>
+                                      </p:cBhvr>
+                                      <p:to>
+                                        <p:strVal val="visible"/>
+                                      </p:to>
+                                    </p:set>
+                                    <p:animEffect transition="in" filter="fade">
+                                      <p:cBhvr>
+                                        <p:cTn id="7" dur="250"/>
+                                        <p:tgtEl>
+                                          <p:spTgt spid="2"/>
+                                        </p:tgtEl>
+                                      </p:cBhvr>
+                                    </p:animEffect>
+                                    <p:anim calcmode="lin" valueType="num">
+                                      <p:cBhvr>
+                                        <p:cTn id="8" dur="250" fill="hold"/>
+                                        <p:tgtEl>
+                                          <p:spTgt spid="2"/>
+                                        </p:tgtEl>
+                                        <p:attrNameLst>
+                                          <p:attrName>ppt_x</p:attrName>
+                                        </p:attrNameLst>
+                                      </p:cBhvr>
+                                      <p:tavLst>
+                                        <p:tav tm="0">
+                                          <p:val>
+                                            <p:strVal val="#ppt_x"/>
+                                          </p:val>
+                                        </p:tav>
+                                        <p:tav tm="100000">
+                                          <p:val>
+                                            <p:strVal val="#ppt_x"/>
+                                          </p:val>
+                                        </p:tav>
+                                      </p:tavLst>
+                                    </p:anim>
+                                    <p:anim calcmode="lin" valueType="num">
+                                      <p:cBhvr>
+                                        <p:cTn id="9" dur="250" fill="hold"/>
+                                        <p:tgtEl>
+                                          <p:spTgt spid="2"/>
+                                        </p:tgtEl>
+                                        <p:attrNameLst>
+                                          <p:attrName>ppt_y</p:attrName>
+                                        </p:attrNameLst>
+                                      </p:cBhvr>
+                                      <p:tavLst>
+                                        <p:tav tm="0">
+                                          <p:val>
+                                            <p:strVal val="#ppt_y+.1"/>
+                                          </p:val>
+                                        </p:tav>
+                                        <p:tav tm="100000">
+                                          <p:val>
+                                            <p:strVal val="#ppt_y"/>
+                                          </p:val>
+                                        </p:tav>
+                                      </p:tavLst>
+                                    </p:anim>
+                                  </p:childTnLst>
+                                </p:cTn>
+                              </p:par>
+                            </p:childTnLst>
+                          </p:cTn>
+                        </p:par>
+                        <p:par>
+                          <p:cTn id="10" fill="hold">
+                            <p:stCondLst>
+                              <p:cond delay="250"/>
+                            </p:stCondLst>
+                            <p:childTnLst>
+                              <p:par>
+                                <p:cTn id="11" presetID="42" presetClass="entr" presetSubtype="0" fill="hold" grpId="0" nodeType="afterEffect">
+                                  <p:stCondLst>
+                                    <p:cond delay="0"/>
+                                  </p:stCondLst>
+                                  <p:childTnLst>
+                                    <p:set>
+                                      <p:cBhvr>
+                                        <p:cTn id="12" dur="1" fill="hold">
+                                          <p:stCondLst>
+                                            <p:cond delay="0"/>
+                                          </p:stCondLst>
+                                        </p:cTn>
+                                        <p:tgtEl>
+                                          <p:spTgt spid="12"/>
+                                        </p:tgtEl>
+                                        <p:attrNameLst>
+                                          <p:attrName>style.visibility</p:attrName>
+                                        </p:attrNameLst>
+                                      </p:cBhvr>
+                                      <p:to>
+                                        <p:strVal val="visible"/>
+                                      </p:to>
+                                    </p:set>
+                                    <p:animEffect transition="in" filter="fade">
+                                      <p:cBhvr>
+                                        <p:cTn id="13" dur="250"/>
+                                        <p:tgtEl>
+                                          <p:spTgt spid="12"/>
+                                        </p:tgtEl>
+                                      </p:cBhvr>
+                                    </p:animEffect>
+                                    <p:anim calcmode="lin" valueType="num">
+                                      <p:cBhvr>
+                                        <p:cTn id="14" dur="250" fill="hold"/>
+                                        <p:tgtEl>
+                                          <p:spTgt spid="12"/>
+                                        </p:tgtEl>
+                                        <p:attrNameLst>
+                                          <p:attrName>ppt_x</p:attrName>
+                                        </p:attrNameLst>
+                                      </p:cBhvr>
+                                      <p:tavLst>
+                                        <p:tav tm="0">
+                                          <p:val>
+                                            <p:strVal val="#ppt_x"/>
+                                          </p:val>
+                                        </p:tav>
+                                        <p:tav tm="100000">
+                                          <p:val>
+                                            <p:strVal val="#ppt_x"/>
+                                          </p:val>
+                                        </p:tav>
+                                      </p:tavLst>
+                                    </p:anim>
+                                    <p:anim calcmode="lin" valueType="num">
+                                      <p:cBhvr>
+                                        <p:cTn id="15" dur="250" fill="hold"/>
+                                        <p:tgtEl>
+                                          <p:spTgt spid="12"/>
+                                        </p:tgtEl>
+                                        <p:attrNameLst>
+                                          <p:attrName>ppt_y</p:attrName>
+                                        </p:attrNameLst>
+                                      </p:cBhvr>
+                                      <p:tavLst>
+                                        <p:tav tm="0">
+                                          <p:val>
+                                            <p:strVal val="#ppt_y+.1"/>
+                                          </p:val>
+                                        </p:tav>
+                                        <p:tav tm="100000">
+                                          <p:val>
+                                            <p:strVal val="#ppt_y"/>
+                                          </p:val>
+                                        </p:tav>
+                                      </p:tavLst>
+                                    </p:anim>
+                                  </p:childTnLst>
+                                </p:cTn>
+                              </p:par>
+                            </p:childTnLst>
+                          </p:cTn>
+                        </p:par>
+                        <p:par>
+                          <p:cTn id="16" fill="hold">
+                            <p:stCondLst>
+                              <p:cond delay="500"/>
+                            </p:stCondLst>
+                            <p:childTnLst>
+                              <p:par>
+                                <p:cTn id="17" presetID="42" presetClass="entr" presetSubtype="0" fill="hold" grpId="0" nodeType="afterEffect">
+                                  <p:stCondLst>
+                                    <p:cond delay="0"/>
+                                  </p:stCondLst>
+                                  <p:childTnLst>
+                                    <p:set>
+                                      <p:cBhvr>
+                                        <p:cTn id="18" dur="1" fill="hold">
+                                          <p:stCondLst>
+                                            <p:cond delay="0"/>
+                                          </p:stCondLst>
+                                        </p:cTn>
+                                        <p:tgtEl>
+                                          <p:spTgt spid="11"/>
+                                        </p:tgtEl>
+                                        <p:attrNameLst>
+                                          <p:attrName>style.visibility</p:attrName>
+                                        </p:attrNameLst>
+                                      </p:cBhvr>
+                                      <p:to>
+                                        <p:strVal val="visible"/>
+                                      </p:to>
+                                    </p:set>
+                                    <p:animEffect transition="in" filter="fade">
+                                      <p:cBhvr>
+                                        <p:cTn id="19" dur="250"/>
+                                        <p:tgtEl>
+                                          <p:spTgt spid="11"/>
+                                        </p:tgtEl>
+                                      </p:cBhvr>
+                                    </p:animEffect>
+                                    <p:anim calcmode="lin" valueType="num">
+                                      <p:cBhvr>
+                                        <p:cTn id="20" dur="250" fill="hold"/>
+                                        <p:tgtEl>
+                                          <p:spTgt spid="11"/>
+                                        </p:tgtEl>
+                                        <p:attrNameLst>
+                                          <p:attrName>ppt_x</p:attrName>
+                                        </p:attrNameLst>
+                                      </p:cBhvr>
+                                      <p:tavLst>
+                                        <p:tav tm="0">
+                                          <p:val>
+                                            <p:strVal val="#ppt_x"/>
+                                          </p:val>
+                                        </p:tav>
+                                        <p:tav tm="100000">
+                                          <p:val>
+                                            <p:strVal val="#ppt_x"/>
+                                          </p:val>
+                                        </p:tav>
+                                      </p:tavLst>
+                                    </p:anim>
+                                    <p:anim calcmode="lin" valueType="num">
+                                      <p:cBhvr>
+                                        <p:cTn id="21" dur="250" fill="hold"/>
+                                        <p:tgtEl>
+                                          <p:spTgt spid="11"/>
+                                        </p:tgtEl>
+                                        <p:attrNameLst>
+                                          <p:attrName>ppt_y</p:attrName>
+                                        </p:attrNameLst>
+                                      </p:cBhvr>
+                                      <p:tavLst>
+                                        <p:tav tm="0">
+                                          <p:val>
+                                            <p:strVal val="#ppt_y+.1"/>
+                                          </p:val>
+                                        </p:tav>
+                                        <p:tav tm="100000">
+                                          <p:val>
+                                            <p:strVal val="#ppt_y"/>
+                                          </p:val>
+                                        </p:tav>
+                                      </p:tavLst>
+                                    </p:anim>
+                                  </p:childTnLst>
+                                </p:cTn>
+                              </p:par>
+                            </p:childTnLst>
+                          </p:cTn>
+                        </p:par>
+                        <p:par>
+                          <p:cTn id="22" fill="hold">
+                            <p:stCondLst>
+                              <p:cond delay="750"/>
+                            </p:stCondLst>
+                            <p:childTnLst>
+                              <p:par>
+                                <p:cTn id="23" presetID="42" presetClass="entr" presetSubtype="0" fill="hold" nodeType="afterEffect">
+                                  <p:stCondLst>
+                                    <p:cond delay="0"/>
+                                  </p:stCondLst>
+                                  <p:childTnLst>
+                                    <p:set>
+                                      <p:cBhvr>
+                                        <p:cTn id="24" dur="1" fill="hold">
+                                          <p:stCondLst>
+                                            <p:cond delay="0"/>
+                                          </p:stCondLst>
+                                        </p:cTn>
+                                        <p:tgtEl>
+                                          <p:spTgt spid="4"/>
+                                        </p:tgtEl>
+                                        <p:attrNameLst>
+                                          <p:attrName>style.visibility</p:attrName>
+                                        </p:attrNameLst>
+                                      </p:cBhvr>
+                                      <p:to>
+                                        <p:strVal val="visible"/>
+                                      </p:to>
+                                    </p:set>
+                                    <p:animEffect transition="in" filter="fade">
+                                      <p:cBhvr>
+                                        <p:cTn id="25" dur="250"/>
+                                        <p:tgtEl>
+                                          <p:spTgt spid="4"/>
+                                        </p:tgtEl>
+                                      </p:cBhvr>
+                                    </p:animEffect>
+                                    <p:anim calcmode="lin" valueType="num">
+                                      <p:cBhvr>
+                                        <p:cTn id="26" dur="250" fill="hold"/>
+                                        <p:tgtEl>
+                                          <p:spTgt spid="4"/>
+                                        </p:tgtEl>
+                                        <p:attrNameLst>
+                                          <p:attrName>ppt_x</p:attrName>
+                                        </p:attrNameLst>
+                                      </p:cBhvr>
+                                      <p:tavLst>
+                                        <p:tav tm="0">
+                                          <p:val>
+                                            <p:strVal val="#ppt_x"/>
+                                          </p:val>
+                                        </p:tav>
+                                        <p:tav tm="100000">
+                                          <p:val>
+                                            <p:strVal val="#ppt_x"/>
+                                          </p:val>
+                                        </p:tav>
+                                      </p:tavLst>
+                                    </p:anim>
+                                    <p:anim calcmode="lin" valueType="num">
+                                      <p:cBhvr>
+                                        <p:cTn id="27" dur="250" fill="hold"/>
+                                        <p:tgtEl>
+                                          <p:spTgt spid="4"/>
+                                        </p:tgtEl>
+                                        <p:attrNameLst>
+                                          <p:attrName>ppt_y</p:attrName>
+                                        </p:attrNameLst>
+                                      </p:cBhvr>
+                                      <p:tavLst>
+                                        <p:tav tm="0">
+                                          <p:val>
+                                            <p:strVal val="#ppt_y+.1"/>
+                                          </p:val>
+                                        </p:tav>
+                                        <p:tav tm="100000">
+                                          <p:val>
+                                            <p:strVal val="#ppt_y"/>
+                                          </p:val>
+                                        </p:tav>
+                                      </p:tavLst>
+                                    </p:anim>
+                                  </p:childTnLst>
+                                </p:cTn>
+                              </p:par>
+                            </p:childTnLst>
+                          </p:cTn>
+                        </p:par>
+                        <p:par>
+                          <p:cTn id="28" fill="hold">
+                            <p:stCondLst>
+                              <p:cond delay="1000"/>
+                            </p:stCondLst>
+                            <p:childTnLst>
+                              <p:par>
+                                <p:cTn id="29" presetID="42" presetClass="entr" presetSubtype="0" fill="hold" nodeType="afterEffect">
+                                  <p:stCondLst>
+                                    <p:cond delay="0"/>
+                                  </p:stCondLst>
+                                  <p:childTnLst>
+                                    <p:set>
+                                      <p:cBhvr>
+                                        <p:cTn id="30" dur="1" fill="hold">
+                                          <p:stCondLst>
+                                            <p:cond delay="0"/>
+                                          </p:stCondLst>
+                                        </p:cTn>
+                                        <p:tgtEl>
+                                          <p:spTgt spid="33"/>
+                                        </p:tgtEl>
+                                        <p:attrNameLst>
+                                          <p:attrName>style.visibility</p:attrName>
+                                        </p:attrNameLst>
+                                      </p:cBhvr>
+                                      <p:to>
+                                        <p:strVal val="visible"/>
+                                      </p:to>
+                                    </p:set>
+                                    <p:animEffect transition="in" filter="fade">
+                                      <p:cBhvr>
+                                        <p:cTn id="31" dur="250"/>
+                                        <p:tgtEl>
+                                          <p:spTgt spid="33"/>
+                                        </p:tgtEl>
+                                      </p:cBhvr>
+                                    </p:animEffect>
+                                    <p:anim calcmode="lin" valueType="num">
+                                      <p:cBhvr>
+                                        <p:cTn id="32" dur="250" fill="hold"/>
+                                        <p:tgtEl>
+                                          <p:spTgt spid="33"/>
+                                        </p:tgtEl>
+                                        <p:attrNameLst>
+                                          <p:attrName>ppt_x</p:attrName>
+                                        </p:attrNameLst>
+                                      </p:cBhvr>
+                                      <p:tavLst>
+                                        <p:tav tm="0">
+                                          <p:val>
+                                            <p:strVal val="#ppt_x"/>
+                                          </p:val>
+                                        </p:tav>
+                                        <p:tav tm="100000">
+                                          <p:val>
+                                            <p:strVal val="#ppt_x"/>
+                                          </p:val>
+                                        </p:tav>
+                                      </p:tavLst>
+                                    </p:anim>
+                                    <p:anim calcmode="lin" valueType="num">
+                                      <p:cBhvr>
+                                        <p:cTn id="33" dur="250" fill="hold"/>
+                                        <p:tgtEl>
+                                          <p:spTgt spid="33"/>
+                                        </p:tgtEl>
+                                        <p:attrNameLst>
+                                          <p:attrName>ppt_y</p:attrName>
+                                        </p:attrNameLst>
+                                      </p:cBhvr>
+                                      <p:tavLst>
+                                        <p:tav tm="0">
+                                          <p:val>
+                                            <p:strVal val="#ppt_y+.1"/>
+                                          </p:val>
+                                        </p:tav>
+                                        <p:tav tm="100000">
+                                          <p:val>
+                                            <p:strVal val="#ppt_y"/>
+                                          </p:val>
+                                        </p:tav>
+                                      </p:tavLst>
+                                    </p:anim>
+                                  </p:childTnLst>
+                                </p:cTn>
+                              </p:par>
+                            </p:childTnLst>
+                          </p:cTn>
+                        </p:par>
+                        <p:par>
+                          <p:cTn id="34" fill="hold">
+                            <p:stCondLst>
+                              <p:cond delay="1250"/>
+                            </p:stCondLst>
+                            <p:childTnLst>
+                              <p:par>
+                                <p:cTn id="35" presetID="42" presetClass="entr" presetSubtype="0" fill="hold" nodeType="afterEffect">
+                                  <p:stCondLst>
+                                    <p:cond delay="0"/>
+                                  </p:stCondLst>
+                                  <p:childTnLst>
+                                    <p:set>
+                                      <p:cBhvr>
+                                        <p:cTn id="36" dur="1" fill="hold">
+                                          <p:stCondLst>
+                                            <p:cond delay="0"/>
+                                          </p:stCondLst>
+                                        </p:cTn>
+                                        <p:tgtEl>
+                                          <p:spTgt spid="34"/>
+                                        </p:tgtEl>
+                                        <p:attrNameLst>
+                                          <p:attrName>style.visibility</p:attrName>
+                                        </p:attrNameLst>
+                                      </p:cBhvr>
+                                      <p:to>
+                                        <p:strVal val="visible"/>
+                                      </p:to>
+                                    </p:set>
+                                    <p:animEffect transition="in" filter="fade">
+                                      <p:cBhvr>
+                                        <p:cTn id="37" dur="250"/>
+                                        <p:tgtEl>
+                                          <p:spTgt spid="34"/>
+                                        </p:tgtEl>
+                                      </p:cBhvr>
+                                    </p:animEffect>
+                                    <p:anim calcmode="lin" valueType="num">
+                                      <p:cBhvr>
+                                        <p:cTn id="38" dur="250" fill="hold"/>
+                                        <p:tgtEl>
+                                          <p:spTgt spid="34"/>
+                                        </p:tgtEl>
+                                        <p:attrNameLst>
+                                          <p:attrName>ppt_x</p:attrName>
+                                        </p:attrNameLst>
+                                      </p:cBhvr>
+                                      <p:tavLst>
+                                        <p:tav tm="0">
+                                          <p:val>
+                                            <p:strVal val="#ppt_x"/>
+                                          </p:val>
+                                        </p:tav>
+                                        <p:tav tm="100000">
+                                          <p:val>
+                                            <p:strVal val="#ppt_x"/>
+                                          </p:val>
+                                        </p:tav>
+                                      </p:tavLst>
+                                    </p:anim>
+                                    <p:anim calcmode="lin" valueType="num">
+                                      <p:cBhvr>
+                                        <p:cTn id="39" dur="250" fill="hold"/>
+                                        <p:tgtEl>
+                                          <p:spTgt spid="34"/>
+                                        </p:tgtEl>
+                                        <p:attrNameLst>
+                                          <p:attrName>ppt_y</p:attrName>
+                                        </p:attrNameLst>
+                                      </p:cBhvr>
+                                      <p:tavLst>
+                                        <p:tav tm="0">
+                                          <p:val>
+                                            <p:strVal val="#ppt_y+.1"/>
+                                          </p:val>
+                                        </p:tav>
+                                        <p:tav tm="100000">
+                                          <p:val>
+                                            <p:strVal val="#ppt_y"/>
+                                          </p:val>
+                                        </p:tav>
+                                      </p:tavLst>
+                                    </p:anim>
+                                  </p:childTnLst>
+                                </p:cTn>
+                              </p:par>
+                            </p:childTnLst>
+                          </p:cTn>
+                        </p:par>
+                        <p:par>
+                          <p:cTn id="40" fill="hold">
+                            <p:stCondLst>
+                              <p:cond delay="1500"/>
+                            </p:stCondLst>
+                            <p:childTnLst>
+                              <p:par>
+                                <p:cTn id="41" presetID="42" presetClass="entr" presetSubtype="0" fill="hold" nodeType="afterEffect">
+                                  <p:stCondLst>
+                                    <p:cond delay="0"/>
+                                  </p:stCondLst>
+                                  <p:childTnLst>
+                                    <p:set>
+                                      <p:cBhvr>
+                                        <p:cTn id="42" dur="1" fill="hold">
+                                          <p:stCondLst>
+                                            <p:cond delay="0"/>
+                                          </p:stCondLst>
+                                        </p:cTn>
+                                        <p:tgtEl>
+                                          <p:spTgt spid="41"/>
+                                        </p:tgtEl>
+                                        <p:attrNameLst>
+                                          <p:attrName>style.visibility</p:attrName>
+                                        </p:attrNameLst>
+                                      </p:cBhvr>
+                                      <p:to>
+                                        <p:strVal val="visible"/>
+                                      </p:to>
+                                    </p:set>
+                                    <p:animEffect transition="in" filter="fade">
+                                      <p:cBhvr>
+                                        <p:cTn id="43" dur="250"/>
+                                        <p:tgtEl>
+                                          <p:spTgt spid="41"/>
+                                        </p:tgtEl>
+                                      </p:cBhvr>
+                                    </p:animEffect>
+                                    <p:anim calcmode="lin" valueType="num">
+                                      <p:cBhvr>
+                                        <p:cTn id="44" dur="250" fill="hold"/>
+                                        <p:tgtEl>
+                                          <p:spTgt spid="41"/>
+                                        </p:tgtEl>
+                                        <p:attrNameLst>
+                                          <p:attrName>ppt_x</p:attrName>
+                                        </p:attrNameLst>
+                                      </p:cBhvr>
+                                      <p:tavLst>
+                                        <p:tav tm="0">
+                                          <p:val>
+                                            <p:strVal val="#ppt_x"/>
+                                          </p:val>
+                                        </p:tav>
+                                        <p:tav tm="100000">
+                                          <p:val>
+                                            <p:strVal val="#ppt_x"/>
+                                          </p:val>
+                                        </p:tav>
+                                      </p:tavLst>
+                                    </p:anim>
+                                    <p:anim calcmode="lin" valueType="num">
+                                      <p:cBhvr>
+                                        <p:cTn id="45" dur="250" fill="hold"/>
+                                        <p:tgtEl>
+                                          <p:spTgt spid="41"/>
+                                        </p:tgtEl>
+                                        <p:attrNameLst>
+                                          <p:attrName>ppt_y</p:attrName>
+                                        </p:attrNameLst>
+                                      </p:cBhvr>
+                                      <p:tavLst>
+                                        <p:tav tm="0">
+                                          <p:val>
+                                            <p:strVal val="#ppt_y+.1"/>
+                                          </p:val>
+                                        </p:tav>
+                                        <p:tav tm="100000">
+                                          <p:val>
+                                            <p:strVal val="#ppt_y"/>
+                                          </p:val>
+                                        </p:tav>
+                                      </p:tavLst>
+                                    </p:anim>
+                                  </p:childTnLst>
+                                </p:cTn>
+                              </p:par>
+                            </p:childTnLst>
+                          </p:cTn>
+                        </p:par>
+                        <p:par>
+                          <p:cTn id="46" fill="hold">
+                            <p:stCondLst>
+                              <p:cond delay="1750"/>
+                            </p:stCondLst>
+                            <p:childTnLst>
+                              <p:par>
+                                <p:cTn id="47" presetID="42" presetClass="entr" presetSubtype="0" fill="hold" nodeType="afterEffect">
+                                  <p:stCondLst>
+                                    <p:cond delay="0"/>
+                                  </p:stCondLst>
+                                  <p:childTnLst>
+                                    <p:set>
+                                      <p:cBhvr>
+                                        <p:cTn id="48" dur="1" fill="hold">
+                                          <p:stCondLst>
+                                            <p:cond delay="0"/>
+                                          </p:stCondLst>
+                                        </p:cTn>
+                                        <p:tgtEl>
+                                          <p:spTgt spid="45"/>
+                                        </p:tgtEl>
+                                        <p:attrNameLst>
+                                          <p:attrName>style.visibility</p:attrName>
+                                        </p:attrNameLst>
+                                      </p:cBhvr>
+                                      <p:to>
+                                        <p:strVal val="visible"/>
+                                      </p:to>
+                                    </p:set>
+                                    <p:animEffect transition="in" filter="fade">
+                                      <p:cBhvr>
+                                        <p:cTn id="49" dur="250"/>
+                                        <p:tgtEl>
+                                          <p:spTgt spid="45"/>
+                                        </p:tgtEl>
+                                      </p:cBhvr>
+                                    </p:animEffect>
+                                    <p:anim calcmode="lin" valueType="num">
+                                      <p:cBhvr>
+                                        <p:cTn id="50" dur="250" fill="hold"/>
+                                        <p:tgtEl>
+                                          <p:spTgt spid="45"/>
+                                        </p:tgtEl>
+                                        <p:attrNameLst>
+                                          <p:attrName>ppt_x</p:attrName>
+                                        </p:attrNameLst>
+                                      </p:cBhvr>
+                                      <p:tavLst>
+                                        <p:tav tm="0">
+                                          <p:val>
+                                            <p:strVal val="#ppt_x"/>
+                                          </p:val>
+                                        </p:tav>
+                                        <p:tav tm="100000">
+                                          <p:val>
+                                            <p:strVal val="#ppt_x"/>
+                                          </p:val>
+                                        </p:tav>
+                                      </p:tavLst>
+                                    </p:anim>
+                                    <p:anim calcmode="lin" valueType="num">
+                                      <p:cBhvr>
+                                        <p:cTn id="51" dur="250" fill="hold"/>
+                                        <p:tgtEl>
+                                          <p:spTgt spid="45"/>
+                                        </p:tgtEl>
+                                        <p:attrNameLst>
+                                          <p:attrName>ppt_y</p:attrName>
+                                        </p:attrNameLst>
+                                      </p:cBhvr>
+                                      <p:tavLst>
+                                        <p:tav tm="0">
+                                          <p:val>
+                                            <p:strVal val="#ppt_y+.1"/>
+                                          </p:val>
+                                        </p:tav>
+                                        <p:tav tm="100000">
+                                          <p:val>
+                                            <p:strVal val="#ppt_y"/>
+                                          </p:val>
+                                        </p:tav>
+                                      </p:tavLst>
+                                    </p:anim>
+                                  </p:childTnLst>
+                                </p:cTn>
+                              </p:par>
+                            </p:childTnLst>
+                          </p:cTn>
+                        </p:par>
+                        <p:par>
+                          <p:cTn id="52" fill="hold">
+                            <p:stCondLst>
+                              <p:cond delay="2000"/>
+                            </p:stCondLst>
+                            <p:childTnLst>
+                              <p:par>
+                                <p:cTn id="53" presetID="42" presetClass="entr" presetSubtype="0" fill="hold" nodeType="afterEffect">
+                                  <p:stCondLst>
+                                    <p:cond delay="0"/>
+                                  </p:stCondLst>
+                                  <p:childTnLst>
+                                    <p:set>
+                                      <p:cBhvr>
+                                        <p:cTn id="54" dur="1" fill="hold">
+                                          <p:stCondLst>
+                                            <p:cond delay="0"/>
+                                          </p:stCondLst>
+                                        </p:cTn>
+                                        <p:tgtEl>
+                                          <p:spTgt spid="48"/>
+                                        </p:tgtEl>
+                                        <p:attrNameLst>
+                                          <p:attrName>style.visibility</p:attrName>
+                                        </p:attrNameLst>
+                                      </p:cBhvr>
+                                      <p:to>
+                                        <p:strVal val="visible"/>
+                                      </p:to>
+                                    </p:set>
+                                    <p:animEffect transition="in" filter="fade">
+                                      <p:cBhvr>
+                                        <p:cTn id="55" dur="250"/>
+                                        <p:tgtEl>
+                                          <p:spTgt spid="48"/>
+                                        </p:tgtEl>
+                                      </p:cBhvr>
+                                    </p:animEffect>
+                                    <p:anim calcmode="lin" valueType="num">
+                                      <p:cBhvr>
+                                        <p:cTn id="56" dur="250" fill="hold"/>
+                                        <p:tgtEl>
+                                          <p:spTgt spid="48"/>
+                                        </p:tgtEl>
+                                        <p:attrNameLst>
+                                          <p:attrName>ppt_x</p:attrName>
+                                        </p:attrNameLst>
+                                      </p:cBhvr>
+                                      <p:tavLst>
+                                        <p:tav tm="0">
+                                          <p:val>
+                                            <p:strVal val="#ppt_x"/>
+                                          </p:val>
+                                        </p:tav>
+                                        <p:tav tm="100000">
+                                          <p:val>
+                                            <p:strVal val="#ppt_x"/>
+                                          </p:val>
+                                        </p:tav>
+                                      </p:tavLst>
+                                    </p:anim>
+                                    <p:anim calcmode="lin" valueType="num">
+                                      <p:cBhvr>
+                                        <p:cTn id="57" dur="250" fill="hold"/>
+                                        <p:tgtEl>
+                                          <p:spTgt spid="48"/>
+                                        </p:tgtEl>
+                                        <p:attrNameLst>
+                                          <p:attrName>ppt_y</p:attrName>
+                                        </p:attrNameLst>
+                                      </p:cBhvr>
+                                      <p:tavLst>
+                                        <p:tav tm="0">
+                                          <p:val>
+                                            <p:strVal val="#ppt_y+.1"/>
+                                          </p:val>
+                                        </p:tav>
+                                        <p:tav tm="100000">
+                                          <p:val>
+                                            <p:strVal val="#ppt_y"/>
+                                          </p:val>
+                                        </p:tav>
+                                      </p:tavLst>
+                                    </p:anim>
+                                  </p:childTnLst>
+                                </p:cTn>
+                              </p:par>
+                            </p:childTnLst>
+                          </p:cTn>
+                        </p:par>
+                        <p:par>
+                          <p:cTn id="58" fill="hold">
+                            <p:stCondLst>
+                              <p:cond delay="2250"/>
+                            </p:stCondLst>
+                            <p:childTnLst>
+                              <p:par>
+                                <p:cTn id="59" presetID="42" presetClass="entr" presetSubtype="0" fill="hold" grpId="0" nodeType="afterEffect">
+                                  <p:stCondLst>
+                                    <p:cond delay="0"/>
+                                  </p:stCondLst>
+                                  <p:childTnLst>
+                                    <p:set>
+                                      <p:cBhvr>
+                                        <p:cTn id="60" dur="1" fill="hold">
+                                          <p:stCondLst>
+                                            <p:cond delay="0"/>
+                                          </p:stCondLst>
+                                        </p:cTn>
+                                        <p:tgtEl>
+                                          <p:spTgt spid="15"/>
+                                        </p:tgtEl>
+                                        <p:attrNameLst>
+                                          <p:attrName>style.visibility</p:attrName>
+                                        </p:attrNameLst>
+                                      </p:cBhvr>
+                                      <p:to>
+                                        <p:strVal val="visible"/>
+                                      </p:to>
+                                    </p:set>
+                                    <p:animEffect transition="in" filter="fade">
+                                      <p:cBhvr>
+                                        <p:cTn id="61" dur="250"/>
+                                        <p:tgtEl>
+                                          <p:spTgt spid="15"/>
+                                        </p:tgtEl>
+                                      </p:cBhvr>
+                                    </p:animEffect>
+                                    <p:anim calcmode="lin" valueType="num">
+                                      <p:cBhvr>
+                                        <p:cTn id="62" dur="250" fill="hold"/>
+                                        <p:tgtEl>
+                                          <p:spTgt spid="15"/>
+                                        </p:tgtEl>
+                                        <p:attrNameLst>
+                                          <p:attrName>ppt_x</p:attrName>
+                                        </p:attrNameLst>
+                                      </p:cBhvr>
+                                      <p:tavLst>
+                                        <p:tav tm="0">
+                                          <p:val>
+                                            <p:strVal val="#ppt_x"/>
+                                          </p:val>
+                                        </p:tav>
+                                        <p:tav tm="100000">
+                                          <p:val>
+                                            <p:strVal val="#ppt_x"/>
+                                          </p:val>
+                                        </p:tav>
+                                      </p:tavLst>
+                                    </p:anim>
+                                    <p:anim calcmode="lin" valueType="num">
+                                      <p:cBhvr>
+                                        <p:cTn id="63" dur="250" fill="hold"/>
+                                        <p:tgtEl>
+                                          <p:spTgt spid="15"/>
+                                        </p:tgtEl>
+                                        <p:attrNameLst>
+                                          <p:attrName>ppt_y</p:attrName>
+                                        </p:attrNameLst>
+                                      </p:cBhvr>
+                                      <p:tavLst>
+                                        <p:tav tm="0">
+                                          <p:val>
+                                            <p:strVal val="#ppt_y+.1"/>
+                                          </p:val>
+                                        </p:tav>
+                                        <p:tav tm="100000">
+                                          <p:val>
+                                            <p:strVal val="#ppt_y"/>
+                                          </p:val>
+                                        </p:tav>
+                                      </p:tavLst>
+                                    </p:anim>
+                                  </p:childTnLst>
+                                </p:cTn>
+                              </p:par>
+                            </p:childTnLst>
+                          </p:cTn>
+                        </p:par>
+                        <p:par>
+                          <p:cTn id="64" fill="hold">
+                            <p:stCondLst>
+                              <p:cond delay="2500"/>
+                            </p:stCondLst>
+                            <p:childTnLst>
+                              <p:par>
+                                <p:cTn id="65" presetID="42" presetClass="entr" presetSubtype="0" fill="hold" nodeType="afterEffect">
+                                  <p:stCondLst>
+                                    <p:cond delay="0"/>
+                                  </p:stCondLst>
+                                  <p:childTnLst>
+                                    <p:set>
+                                      <p:cBhvr>
+                                        <p:cTn id="66" dur="1" fill="hold">
+                                          <p:stCondLst>
+                                            <p:cond delay="0"/>
+                                          </p:stCondLst>
+                                        </p:cTn>
+                                        <p:tgtEl>
+                                          <p:spTgt spid="134"/>
+                                        </p:tgtEl>
+                                        <p:attrNameLst>
+                                          <p:attrName>style.visibility</p:attrName>
+                                        </p:attrNameLst>
+                                      </p:cBhvr>
+                                      <p:to>
+                                        <p:strVal val="visible"/>
+                                      </p:to>
+                                    </p:set>
+                                    <p:animEffect transition="in" filter="fade">
+                                      <p:cBhvr>
+                                        <p:cTn id="67" dur="250"/>
+                                        <p:tgtEl>
+                                          <p:spTgt spid="134"/>
+                                        </p:tgtEl>
+                                      </p:cBhvr>
+                                    </p:animEffect>
+                                    <p:anim calcmode="lin" valueType="num">
+                                      <p:cBhvr>
+                                        <p:cTn id="68" dur="250" fill="hold"/>
+                                        <p:tgtEl>
+                                          <p:spTgt spid="134"/>
+                                        </p:tgtEl>
+                                        <p:attrNameLst>
+                                          <p:attrName>ppt_x</p:attrName>
+                                        </p:attrNameLst>
+                                      </p:cBhvr>
+                                      <p:tavLst>
+                                        <p:tav tm="0">
+                                          <p:val>
+                                            <p:strVal val="#ppt_x"/>
+                                          </p:val>
+                                        </p:tav>
+                                        <p:tav tm="100000">
+                                          <p:val>
+                                            <p:strVal val="#ppt_x"/>
+                                          </p:val>
+                                        </p:tav>
+                                      </p:tavLst>
+                                    </p:anim>
+                                    <p:anim calcmode="lin" valueType="num">
+                                      <p:cBhvr>
+                                        <p:cTn id="69" dur="250" fill="hold"/>
+                                        <p:tgtEl>
+                                          <p:spTgt spid="134"/>
+                                        </p:tgtEl>
+                                        <p:attrNameLst>
+                                          <p:attrName>ppt_y</p:attrName>
+                                        </p:attrNameLst>
+                                      </p:cBhvr>
+                                      <p:tavLst>
+                                        <p:tav tm="0">
+                                          <p:val>
+                                            <p:strVal val="#ppt_y+.1"/>
+                                          </p:val>
+                                        </p:tav>
+                                        <p:tav tm="100000">
+                                          <p:val>
+                                            <p:strVal val="#ppt_y"/>
+                                          </p:val>
+                                        </p:tav>
+                                      </p:tavLst>
+                                    </p:anim>
+                                  </p:childTnLst>
+                                </p:cTn>
+                              </p:par>
+                            </p:childTnLst>
+                          </p:cTn>
+                        </p:par>
+                        <p:par>
+                          <p:cTn id="70" fill="hold">
+                            <p:stCondLst>
+                              <p:cond delay="2750"/>
+                            </p:stCondLst>
+                            <p:childTnLst>
+                              <p:par>
+                                <p:cTn id="71" presetID="42" presetClass="entr" presetSubtype="0" fill="hold" nodeType="afterEffect">
+                                  <p:stCondLst>
+                                    <p:cond delay="0"/>
+                                  </p:stCondLst>
+                                  <p:childTnLst>
+                                    <p:set>
+                                      <p:cBhvr>
+                                        <p:cTn id="72" dur="1" fill="hold">
+                                          <p:stCondLst>
+                                            <p:cond delay="0"/>
+                                          </p:stCondLst>
+                                        </p:cTn>
+                                        <p:tgtEl>
+                                          <p:spTgt spid="137"/>
+                                        </p:tgtEl>
+                                        <p:attrNameLst>
+                                          <p:attrName>style.visibility</p:attrName>
+                                        </p:attrNameLst>
+                                      </p:cBhvr>
+                                      <p:to>
+                                        <p:strVal val="visible"/>
+                                      </p:to>
+                                    </p:set>
+                                    <p:animEffect transition="in" filter="fade">
+                                      <p:cBhvr>
+                                        <p:cTn id="73" dur="250"/>
+                                        <p:tgtEl>
+                                          <p:spTgt spid="137"/>
+                                        </p:tgtEl>
+                                      </p:cBhvr>
+                                    </p:animEffect>
+                                    <p:anim calcmode="lin" valueType="num">
+                                      <p:cBhvr>
+                                        <p:cTn id="74" dur="250" fill="hold"/>
+                                        <p:tgtEl>
+                                          <p:spTgt spid="137"/>
+                                        </p:tgtEl>
+                                        <p:attrNameLst>
+                                          <p:attrName>ppt_x</p:attrName>
+                                        </p:attrNameLst>
+                                      </p:cBhvr>
+                                      <p:tavLst>
+                                        <p:tav tm="0">
+                                          <p:val>
+                                            <p:strVal val="#ppt_x"/>
+                                          </p:val>
+                                        </p:tav>
+                                        <p:tav tm="100000">
+                                          <p:val>
+                                            <p:strVal val="#ppt_x"/>
+                                          </p:val>
+                                        </p:tav>
+                                      </p:tavLst>
+                                    </p:anim>
+                                    <p:anim calcmode="lin" valueType="num">
+                                      <p:cBhvr>
+                                        <p:cTn id="75" dur="250" fill="hold"/>
+                                        <p:tgtEl>
+                                          <p:spTgt spid="137"/>
+                                        </p:tgtEl>
+                                        <p:attrNameLst>
+                                          <p:attrName>ppt_y</p:attrName>
+                                        </p:attrNameLst>
+                                      </p:cBhvr>
+                                      <p:tavLst>
+                                        <p:tav tm="0">
+                                          <p:val>
+                                            <p:strVal val="#ppt_y+.1"/>
+                                          </p:val>
+                                        </p:tav>
+                                        <p:tav tm="100000">
+                                          <p:val>
+                                            <p:strVal val="#ppt_y"/>
+                                          </p:val>
+                                        </p:tav>
+                                      </p:tavLst>
+                                    </p:anim>
+                                  </p:childTnLst>
+                                </p:cTn>
+                              </p:par>
+                            </p:childTnLst>
+                          </p:cTn>
+                        </p:par>
+                        <p:par>
+                          <p:cTn id="76" fill="hold">
+                            <p:stCondLst>
+                              <p:cond delay="3000"/>
+                            </p:stCondLst>
+                            <p:childTnLst>
+                              <p:par>
+                                <p:cTn id="77" presetID="42" presetClass="entr" presetSubtype="0" fill="hold" nodeType="afterEffect">
+                                  <p:stCondLst>
+                                    <p:cond delay="0"/>
+                                  </p:stCondLst>
+                                  <p:childTnLst>
+                                    <p:set>
+                                      <p:cBhvr>
+                                        <p:cTn id="78" dur="1" fill="hold">
+                                          <p:stCondLst>
+                                            <p:cond delay="0"/>
+                                          </p:stCondLst>
+                                        </p:cTn>
+                                        <p:tgtEl>
+                                          <p:spTgt spid="140"/>
+                                        </p:tgtEl>
+                                        <p:attrNameLst>
+                                          <p:attrName>style.visibility</p:attrName>
+                                        </p:attrNameLst>
+                                      </p:cBhvr>
+                                      <p:to>
+                                        <p:strVal val="visible"/>
+                                      </p:to>
+                                    </p:set>
+                                    <p:animEffect transition="in" filter="fade">
+                                      <p:cBhvr>
+                                        <p:cTn id="79" dur="250"/>
+                                        <p:tgtEl>
+                                          <p:spTgt spid="140"/>
+                                        </p:tgtEl>
+                                      </p:cBhvr>
+                                    </p:animEffect>
+                                    <p:anim calcmode="lin" valueType="num">
+                                      <p:cBhvr>
+                                        <p:cTn id="80" dur="250" fill="hold"/>
+                                        <p:tgtEl>
+                                          <p:spTgt spid="140"/>
+                                        </p:tgtEl>
+                                        <p:attrNameLst>
+                                          <p:attrName>ppt_x</p:attrName>
+                                        </p:attrNameLst>
+                                      </p:cBhvr>
+                                      <p:tavLst>
+                                        <p:tav tm="0">
+                                          <p:val>
+                                            <p:strVal val="#ppt_x"/>
+                                          </p:val>
+                                        </p:tav>
+                                        <p:tav tm="100000">
+                                          <p:val>
+                                            <p:strVal val="#ppt_x"/>
+                                          </p:val>
+                                        </p:tav>
+                                      </p:tavLst>
+                                    </p:anim>
+                                    <p:anim calcmode="lin" valueType="num">
+                                      <p:cBhvr>
+                                        <p:cTn id="81" dur="250" fill="hold"/>
+                                        <p:tgtEl>
+                                          <p:spTgt spid="140"/>
+                                        </p:tgtEl>
+                                        <p:attrNameLst>
+                                          <p:attrName>ppt_y</p:attrName>
+                                        </p:attrNameLst>
+                                      </p:cBhvr>
+                                      <p:tavLst>
+                                        <p:tav tm="0">
+                                          <p:val>
+                                            <p:strVal val="#ppt_y+.1"/>
+                                          </p:val>
+                                        </p:tav>
+                                        <p:tav tm="100000">
+                                          <p:val>
+                                            <p:strVal val="#ppt_y"/>
+                                          </p:val>
+                                        </p:tav>
+                                      </p:tavLst>
+                                    </p:anim>
+                                  </p:childTnLst>
+                                </p:cTn>
+                              </p:par>
+                            </p:childTnLst>
+                          </p:cTn>
+                        </p:par>
+                        <p:par>
+                          <p:cTn id="82" fill="hold">
+                            <p:stCondLst>
+                              <p:cond delay="3250"/>
+                            </p:stCondLst>
+                            <p:childTnLst>
+                              <p:par>
+                                <p:cTn id="83" presetID="42" presetClass="entr" presetSubtype="0" fill="hold" nodeType="afterEffect">
+                                  <p:stCondLst>
+                                    <p:cond delay="0"/>
+                                  </p:stCondLst>
+                                  <p:childTnLst>
+                                    <p:set>
+                                      <p:cBhvr>
+                                        <p:cTn id="84" dur="1" fill="hold">
+                                          <p:stCondLst>
+                                            <p:cond delay="0"/>
+                                          </p:stCondLst>
+                                        </p:cTn>
+                                        <p:tgtEl>
+                                          <p:spTgt spid="129"/>
+                                        </p:tgtEl>
+                                        <p:attrNameLst>
+                                          <p:attrName>style.visibility</p:attrName>
+                                        </p:attrNameLst>
+                                      </p:cBhvr>
+                                      <p:to>
+                                        <p:strVal val="visible"/>
+                                      </p:to>
+                                    </p:set>
+                                    <p:animEffect transition="in" filter="fade">
+                                      <p:cBhvr>
+                                        <p:cTn id="85" dur="250"/>
+                                        <p:tgtEl>
+                                          <p:spTgt spid="129"/>
+                                        </p:tgtEl>
+                                      </p:cBhvr>
+                                    </p:animEffect>
+                                    <p:anim calcmode="lin" valueType="num">
+                                      <p:cBhvr>
+                                        <p:cTn id="86" dur="250" fill="hold"/>
+                                        <p:tgtEl>
+                                          <p:spTgt spid="129"/>
+                                        </p:tgtEl>
+                                        <p:attrNameLst>
+                                          <p:attrName>ppt_x</p:attrName>
+                                        </p:attrNameLst>
+                                      </p:cBhvr>
+                                      <p:tavLst>
+                                        <p:tav tm="0">
+                                          <p:val>
+                                            <p:strVal val="#ppt_x"/>
+                                          </p:val>
+                                        </p:tav>
+                                        <p:tav tm="100000">
+                                          <p:val>
+                                            <p:strVal val="#ppt_x"/>
+                                          </p:val>
+                                        </p:tav>
+                                      </p:tavLst>
+                                    </p:anim>
+                                    <p:anim calcmode="lin" valueType="num">
+                                      <p:cBhvr>
+                                        <p:cTn id="87" dur="250" fill="hold"/>
+                                        <p:tgtEl>
+                                          <p:spTgt spid="129"/>
+                                        </p:tgtEl>
+                                        <p:attrNameLst>
+                                          <p:attrName>ppt_y</p:attrName>
+                                        </p:attrNameLst>
+                                      </p:cBhvr>
+                                      <p:tavLst>
+                                        <p:tav tm="0">
+                                          <p:val>
+                                            <p:strVal val="#ppt_y+.1"/>
+                                          </p:val>
+                                        </p:tav>
+                                        <p:tav tm="100000">
+                                          <p:val>
+                                            <p:strVal val="#ppt_y"/>
+                                          </p:val>
+                                        </p:tav>
+                                      </p:tavLst>
+                                    </p:anim>
+                                  </p:childTnLst>
+                                </p:cTn>
+                              </p:par>
+                            </p:childTnLst>
+                          </p:cTn>
+                        </p:par>
+                        <p:par>
+                          <p:cTn id="88" fill="hold">
+                            <p:stCondLst>
+                              <p:cond delay="3500"/>
+                            </p:stCondLst>
+                            <p:childTnLst>
+                              <p:par>
+                                <p:cTn id="89" presetID="42" presetClass="entr" presetSubtype="0" fill="hold" grpId="0" nodeType="afterEffect">
+                                  <p:stCondLst>
+                                    <p:cond delay="0"/>
+                                  </p:stCondLst>
+                                  <p:childTnLst>
+                                    <p:set>
+                                      <p:cBhvr>
+                                        <p:cTn id="90" dur="1" fill="hold">
+                                          <p:stCondLst>
+                                            <p:cond delay="0"/>
+                                          </p:stCondLst>
+                                        </p:cTn>
+                                        <p:tgtEl>
+                                          <p:spTgt spid="146"/>
+                                        </p:tgtEl>
+                                        <p:attrNameLst>
+                                          <p:attrName>style.visibility</p:attrName>
+                                        </p:attrNameLst>
+                                      </p:cBhvr>
+                                      <p:to>
+                                        <p:strVal val="visible"/>
+                                      </p:to>
+                                    </p:set>
+                                    <p:animEffect transition="in" filter="fade">
+                                      <p:cBhvr>
+                                        <p:cTn id="91" dur="250"/>
+                                        <p:tgtEl>
+                                          <p:spTgt spid="146"/>
+                                        </p:tgtEl>
+                                      </p:cBhvr>
+                                    </p:animEffect>
+                                    <p:anim calcmode="lin" valueType="num">
+                                      <p:cBhvr>
+                                        <p:cTn id="92" dur="250" fill="hold"/>
+                                        <p:tgtEl>
+                                          <p:spTgt spid="146"/>
+                                        </p:tgtEl>
+                                        <p:attrNameLst>
+                                          <p:attrName>ppt_x</p:attrName>
+                                        </p:attrNameLst>
+                                      </p:cBhvr>
+                                      <p:tavLst>
+                                        <p:tav tm="0">
+                                          <p:val>
+                                            <p:strVal val="#ppt_x"/>
+                                          </p:val>
+                                        </p:tav>
+                                        <p:tav tm="100000">
+                                          <p:val>
+                                            <p:strVal val="#ppt_x"/>
+                                          </p:val>
+                                        </p:tav>
+                                      </p:tavLst>
+                                    </p:anim>
+                                    <p:anim calcmode="lin" valueType="num">
+                                      <p:cBhvr>
+                                        <p:cTn id="93" dur="250" fill="hold"/>
+                                        <p:tgtEl>
+                                          <p:spTgt spid="146"/>
+                                        </p:tgtEl>
+                                        <p:attrNameLst>
+                                          <p:attrName>ppt_y</p:attrName>
+                                        </p:attrNameLst>
+                                      </p:cBhvr>
+                                      <p:tavLst>
+                                        <p:tav tm="0">
+                                          <p:val>
+                                            <p:strVal val="#ppt_y+.1"/>
+                                          </p:val>
+                                        </p:tav>
+                                        <p:tav tm="100000">
+                                          <p:val>
+                                            <p:strVal val="#ppt_y"/>
+                                          </p:val>
+                                        </p:tav>
+                                      </p:tavLst>
+                                    </p:anim>
+                                  </p:childTnLst>
+                                </p:cTn>
+                              </p:par>
+                            </p:childTnLst>
+                          </p:cTn>
+                        </p:par>
+                        <p:par>
+                          <p:cTn id="94" fill="hold">
+                            <p:stCondLst>
+                              <p:cond delay="3750"/>
+                            </p:stCondLst>
+                            <p:childTnLst>
+                              <p:par>
+                                <p:cTn id="95" presetID="42" presetClass="entr" presetSubtype="0" fill="hold" grpId="0" nodeType="afterEffect">
+                                  <p:stCondLst>
+                                    <p:cond delay="0"/>
+                                  </p:stCondLst>
+                                  <p:childTnLst>
+                                    <p:set>
+                                      <p:cBhvr>
+                                        <p:cTn id="96" dur="1" fill="hold">
+                                          <p:stCondLst>
+                                            <p:cond delay="0"/>
+                                          </p:stCondLst>
+                                        </p:cTn>
+                                        <p:tgtEl>
+                                          <p:spTgt spid="19"/>
+                                        </p:tgtEl>
+                                        <p:attrNameLst>
+                                          <p:attrName>style.visibility</p:attrName>
+                                        </p:attrNameLst>
+                                      </p:cBhvr>
+                                      <p:to>
+                                        <p:strVal val="visible"/>
+                                      </p:to>
+                                    </p:set>
+                                    <p:animEffect transition="in" filter="fade">
+                                      <p:cBhvr>
+                                        <p:cTn id="97" dur="250"/>
+                                        <p:tgtEl>
+                                          <p:spTgt spid="19"/>
+                                        </p:tgtEl>
+                                      </p:cBhvr>
+                                    </p:animEffect>
+                                    <p:anim calcmode="lin" valueType="num">
+                                      <p:cBhvr>
+                                        <p:cTn id="98" dur="250" fill="hold"/>
+                                        <p:tgtEl>
+                                          <p:spTgt spid="19"/>
+                                        </p:tgtEl>
+                                        <p:attrNameLst>
+                                          <p:attrName>ppt_x</p:attrName>
+                                        </p:attrNameLst>
+                                      </p:cBhvr>
+                                      <p:tavLst>
+                                        <p:tav tm="0">
+                                          <p:val>
+                                            <p:strVal val="#ppt_x"/>
+                                          </p:val>
+                                        </p:tav>
+                                        <p:tav tm="100000">
+                                          <p:val>
+                                            <p:strVal val="#ppt_x"/>
+                                          </p:val>
+                                        </p:tav>
+                                      </p:tavLst>
+                                    </p:anim>
+                                    <p:anim calcmode="lin" valueType="num">
+                                      <p:cBhvr>
+                                        <p:cTn id="99" dur="250" fill="hold"/>
+                                        <p:tgtEl>
+                                          <p:spTgt spid="19"/>
+                                        </p:tgtEl>
+                                        <p:attrNameLst>
+                                          <p:attrName>ppt_y</p:attrName>
+                                        </p:attrNameLst>
+                                      </p:cBhvr>
+                                      <p:tavLst>
+                                        <p:tav tm="0">
+                                          <p:val>
+                                            <p:strVal val="#ppt_y+.1"/>
+                                          </p:val>
+                                        </p:tav>
+                                        <p:tav tm="100000">
+                                          <p:val>
+                                            <p:strVal val="#ppt_y"/>
+                                          </p:val>
+                                        </p:tav>
+                                      </p:tavLst>
+                                    </p:anim>
+                                  </p:childTnLst>
+                                </p:cTn>
+                              </p:par>
+                            </p:childTnLst>
+                          </p:cTn>
+                        </p:par>
+                        <p:par>
+                          <p:cTn id="100" fill="hold">
+                            <p:stCondLst>
+                              <p:cond delay="4000"/>
+                            </p:stCondLst>
+                            <p:childTnLst>
+                              <p:par>
+                                <p:cTn id="101" presetID="42" presetClass="entr" presetSubtype="0" fill="hold" grpId="0" nodeType="afterEffect">
+                                  <p:stCondLst>
+                                    <p:cond delay="0"/>
+                                  </p:stCondLst>
+                                  <p:childTnLst>
+                                    <p:set>
+                                      <p:cBhvr>
+                                        <p:cTn id="102" dur="1" fill="hold">
+                                          <p:stCondLst>
+                                            <p:cond delay="0"/>
+                                          </p:stCondLst>
+                                        </p:cTn>
+                                        <p:tgtEl>
+                                          <p:spTgt spid="16"/>
+                                        </p:tgtEl>
+                                        <p:attrNameLst>
+                                          <p:attrName>style.visibility</p:attrName>
+                                        </p:attrNameLst>
+                                      </p:cBhvr>
+                                      <p:to>
+                                        <p:strVal val="visible"/>
+                                      </p:to>
+                                    </p:set>
+                                    <p:animEffect transition="in" filter="fade">
+                                      <p:cBhvr>
+                                        <p:cTn id="103" dur="250"/>
+                                        <p:tgtEl>
+                                          <p:spTgt spid="16"/>
+                                        </p:tgtEl>
+                                      </p:cBhvr>
+                                    </p:animEffect>
+                                    <p:anim calcmode="lin" valueType="num">
+                                      <p:cBhvr>
+                                        <p:cTn id="104" dur="250" fill="hold"/>
+                                        <p:tgtEl>
+                                          <p:spTgt spid="16"/>
+                                        </p:tgtEl>
+                                        <p:attrNameLst>
+                                          <p:attrName>ppt_x</p:attrName>
+                                        </p:attrNameLst>
+                                      </p:cBhvr>
+                                      <p:tavLst>
+                                        <p:tav tm="0">
+                                          <p:val>
+                                            <p:strVal val="#ppt_x"/>
+                                          </p:val>
+                                        </p:tav>
+                                        <p:tav tm="100000">
+                                          <p:val>
+                                            <p:strVal val="#ppt_x"/>
+                                          </p:val>
+                                        </p:tav>
+                                      </p:tavLst>
+                                    </p:anim>
+                                    <p:anim calcmode="lin" valueType="num">
+                                      <p:cBhvr>
+                                        <p:cTn id="105" dur="250" fill="hold"/>
+                                        <p:tgtEl>
+                                          <p:spTgt spid="16"/>
+                                        </p:tgtEl>
+                                        <p:attrNameLst>
+                                          <p:attrName>ppt_y</p:attrName>
+                                        </p:attrNameLst>
+                                      </p:cBhvr>
+                                      <p:tavLst>
+                                        <p:tav tm="0">
+                                          <p:val>
+                                            <p:strVal val="#ppt_y+.1"/>
+                                          </p:val>
+                                        </p:tav>
+                                        <p:tav tm="100000">
+                                          <p:val>
+                                            <p:strVal val="#ppt_y"/>
+                                          </p:val>
+                                        </p:tav>
+                                      </p:tavLst>
+                                    </p:anim>
+                                  </p:childTnLst>
+                                </p:cTn>
+                              </p:par>
+                            </p:childTnLst>
+                          </p:cTn>
+                        </p:par>
+                        <p:par>
+                          <p:cTn id="106" fill="hold">
+                            <p:stCondLst>
+                              <p:cond delay="4250"/>
+                            </p:stCondLst>
+                            <p:childTnLst>
+                              <p:par>
+                                <p:cTn id="107" presetID="42" presetClass="entr" presetSubtype="0" fill="hold" nodeType="afterEffect">
+                                  <p:stCondLst>
+                                    <p:cond delay="0"/>
+                                  </p:stCondLst>
+                                  <p:childTnLst>
+                                    <p:set>
+                                      <p:cBhvr>
+                                        <p:cTn id="108" dur="1" fill="hold">
+                                          <p:stCondLst>
+                                            <p:cond delay="0"/>
+                                          </p:stCondLst>
+                                        </p:cTn>
+                                        <p:tgtEl>
+                                          <p:spTgt spid="17"/>
+                                        </p:tgtEl>
+                                        <p:attrNameLst>
+                                          <p:attrName>style.visibility</p:attrName>
+                                        </p:attrNameLst>
+                                      </p:cBhvr>
+                                      <p:to>
+                                        <p:strVal val="visible"/>
+                                      </p:to>
+                                    </p:set>
+                                    <p:animEffect transition="in" filter="fade">
+                                      <p:cBhvr>
+                                        <p:cTn id="109" dur="250"/>
+                                        <p:tgtEl>
+                                          <p:spTgt spid="17"/>
+                                        </p:tgtEl>
+                                      </p:cBhvr>
+                                    </p:animEffect>
+                                    <p:anim calcmode="lin" valueType="num">
+                                      <p:cBhvr>
+                                        <p:cTn id="110" dur="250" fill="hold"/>
+                                        <p:tgtEl>
+                                          <p:spTgt spid="17"/>
+                                        </p:tgtEl>
+                                        <p:attrNameLst>
+                                          <p:attrName>ppt_x</p:attrName>
+                                        </p:attrNameLst>
+                                      </p:cBhvr>
+                                      <p:tavLst>
+                                        <p:tav tm="0">
+                                          <p:val>
+                                            <p:strVal val="#ppt_x"/>
+                                          </p:val>
+                                        </p:tav>
+                                        <p:tav tm="100000">
+                                          <p:val>
+                                            <p:strVal val="#ppt_x"/>
+                                          </p:val>
+                                        </p:tav>
+                                      </p:tavLst>
+                                    </p:anim>
+                                    <p:anim calcmode="lin" valueType="num">
+                                      <p:cBhvr>
+                                        <p:cTn id="111" dur="250" fill="hold"/>
+                                        <p:tgtEl>
+                                          <p:spTgt spid="17"/>
+                                        </p:tgtEl>
+                                        <p:attrNameLst>
+                                          <p:attrName>ppt_y</p:attrName>
+                                        </p:attrNameLst>
+                                      </p:cBhvr>
+                                      <p:tavLst>
+                                        <p:tav tm="0">
+                                          <p:val>
+                                            <p:strVal val="#ppt_y+.1"/>
+                                          </p:val>
+                                        </p:tav>
+                                        <p:tav tm="100000">
+                                          <p:val>
+                                            <p:strVal val="#ppt_y"/>
+                                          </p:val>
+                                        </p:tav>
+                                      </p:tavLst>
+                                    </p:anim>
+                                  </p:childTnLst>
+                                </p:cTn>
+                              </p:par>
+                            </p:childTnLst>
+                          </p:cTn>
+                        </p:par>
+                        <p:par>
+                          <p:cTn id="112" fill="hold">
+                            <p:stCondLst>
+                              <p:cond delay="4500"/>
+                            </p:stCondLst>
+                            <p:childTnLst>
+                              <p:par>
+                                <p:cTn id="113" presetID="42" presetClass="entr" presetSubtype="0" fill="hold" grpId="0" nodeType="afterEffect">
+                                  <p:stCondLst>
+                                    <p:cond delay="0"/>
+                                  </p:stCondLst>
+                                  <p:childTnLst>
+                                    <p:set>
+                                      <p:cBhvr>
+                                        <p:cTn id="114" dur="1" fill="hold">
+                                          <p:stCondLst>
+                                            <p:cond delay="0"/>
+                                          </p:stCondLst>
+                                        </p:cTn>
+                                        <p:tgtEl>
+                                          <p:spTgt spid="21"/>
+                                        </p:tgtEl>
+                                        <p:attrNameLst>
+                                          <p:attrName>style.visibility</p:attrName>
+                                        </p:attrNameLst>
+                                      </p:cBhvr>
+                                      <p:to>
+                                        <p:strVal val="visible"/>
+                                      </p:to>
+                                    </p:set>
+                                    <p:animEffect transition="in" filter="fade">
+                                      <p:cBhvr>
+                                        <p:cTn id="115" dur="250"/>
+                                        <p:tgtEl>
+                                          <p:spTgt spid="21"/>
+                                        </p:tgtEl>
+                                      </p:cBhvr>
+                                    </p:animEffect>
+                                    <p:anim calcmode="lin" valueType="num">
+                                      <p:cBhvr>
+                                        <p:cTn id="116" dur="250" fill="hold"/>
+                                        <p:tgtEl>
+                                          <p:spTgt spid="21"/>
+                                        </p:tgtEl>
+                                        <p:attrNameLst>
+                                          <p:attrName>ppt_x</p:attrName>
+                                        </p:attrNameLst>
+                                      </p:cBhvr>
+                                      <p:tavLst>
+                                        <p:tav tm="0">
+                                          <p:val>
+                                            <p:strVal val="#ppt_x"/>
+                                          </p:val>
+                                        </p:tav>
+                                        <p:tav tm="100000">
+                                          <p:val>
+                                            <p:strVal val="#ppt_x"/>
+                                          </p:val>
+                                        </p:tav>
+                                      </p:tavLst>
+                                    </p:anim>
+                                    <p:anim calcmode="lin" valueType="num">
+                                      <p:cBhvr>
+                                        <p:cTn id="117" dur="250" fill="hold"/>
+                                        <p:tgtEl>
+                                          <p:spTgt spid="21"/>
+                                        </p:tgtEl>
+                                        <p:attrNameLst>
+                                          <p:attrName>ppt_y</p:attrName>
+                                        </p:attrNameLst>
+                                      </p:cBhvr>
+                                      <p:tavLst>
+                                        <p:tav tm="0">
+                                          <p:val>
+                                            <p:strVal val="#ppt_y+.1"/>
+                                          </p:val>
+                                        </p:tav>
+                                        <p:tav tm="100000">
+                                          <p:val>
+                                            <p:strVal val="#ppt_y"/>
+                                          </p:val>
+                                        </p:tav>
+                                      </p:tavLst>
+                                    </p:anim>
+                                  </p:childTnLst>
+                                </p:cTn>
+                              </p:par>
+                            </p:childTnLst>
+                          </p:cTn>
+                        </p:par>
+                        <p:par>
+                          <p:cTn id="118" fill="hold">
+                            <p:stCondLst>
+                              <p:cond delay="4750"/>
+                            </p:stCondLst>
+                            <p:childTnLst>
+                              <p:par>
+                                <p:cTn id="119" presetID="2" presetClass="entr" presetSubtype="4" fill="hold" nodeType="afterEffect">
+                                  <p:stCondLst>
+                                    <p:cond delay="0"/>
+                                  </p:stCondLst>
+                                  <p:childTnLst>
+                                    <p:set>
+                                      <p:cBhvr>
+                                        <p:cTn id="120" dur="1" fill="hold">
+                                          <p:stCondLst>
+                                            <p:cond delay="0"/>
+                                          </p:stCondLst>
+                                        </p:cTn>
+                                        <p:tgtEl>
+                                          <p:spTgt spid="18"/>
+                                        </p:tgtEl>
+                                        <p:attrNameLst>
+                                          <p:attrName>style.visibility</p:attrName>
+                                        </p:attrNameLst>
+                                      </p:cBhvr>
+                                      <p:to>
+                                        <p:strVal val="visible"/>
+                                      </p:to>
+                                    </p:set>
+                                    <p:anim calcmode="lin" valueType="num">
+                                      <p:cBhvr additive="base">
+                                        <p:cTn id="121" dur="250" fill="hold"/>
+                                        <p:tgtEl>
+                                          <p:spTgt spid="18"/>
+                                        </p:tgtEl>
+                                        <p:attrNameLst>
+                                          <p:attrName>ppt_x</p:attrName>
+                                        </p:attrNameLst>
+                                      </p:cBhvr>
+                                      <p:tavLst>
+                                        <p:tav tm="0">
+                                          <p:val>
+                                            <p:strVal val="#ppt_x"/>
+                                          </p:val>
+                                        </p:tav>
+                                        <p:tav tm="100000">
+                                          <p:val>
+                                            <p:strVal val="#ppt_x"/>
+                                          </p:val>
+                                        </p:tav>
+                                      </p:tavLst>
+                                    </p:anim>
+                                    <p:anim calcmode="lin" valueType="num">
+                                      <p:cBhvr additive="base">
+                                        <p:cTn id="122" dur="250" fill="hold"/>
+                                        <p:tgtEl>
+                                          <p:spTgt spid="18"/>
+                                        </p:tgtEl>
+                                        <p:attrNameLst>
+                                          <p:attrName>ppt_y</p:attrName>
+                                        </p:attrNameLst>
+                                      </p:cBhvr>
+                                      <p:tavLst>
+                                        <p:tav tm="0">
+                                          <p:val>
+                                            <p:strVal val="1+#ppt_h/2"/>
+                                          </p:val>
+                                        </p:tav>
+                                        <p:tav tm="100000">
+                                          <p:val>
+                                            <p:strVal val="#ppt_y"/>
+                                          </p:val>
+                                        </p:tav>
+                                      </p:tavLst>
+                                    </p:anim>
+                                  </p:childTnLst>
+                                </p:cTn>
+                              </p:par>
+                            </p:childTnLst>
+                          </p:cTn>
+                        </p:par>
+                        <p:par>
+                          <p:cTn id="123" fill="hold">
+                            <p:stCondLst>
+                              <p:cond delay="5000"/>
+                            </p:stCondLst>
+                            <p:childTnLst>
+                              <p:par>
+                                <p:cTn id="124" presetID="42" presetClass="entr" presetSubtype="0" fill="hold" grpId="0" nodeType="afterEffect">
+                                  <p:stCondLst>
+                                    <p:cond delay="0"/>
+                                  </p:stCondLst>
+                                  <p:childTnLst>
+                                    <p:set>
+                                      <p:cBhvr>
+                                        <p:cTn id="125" dur="1" fill="hold">
+                                          <p:stCondLst>
+                                            <p:cond delay="0"/>
+                                          </p:stCondLst>
+                                        </p:cTn>
+                                        <p:tgtEl>
+                                          <p:spTgt spid="20"/>
+                                        </p:tgtEl>
+                                        <p:attrNameLst>
+                                          <p:attrName>style.visibility</p:attrName>
+                                        </p:attrNameLst>
+                                      </p:cBhvr>
+                                      <p:to>
+                                        <p:strVal val="visible"/>
+                                      </p:to>
+                                    </p:set>
+                                    <p:animEffect transition="in" filter="fade">
+                                      <p:cBhvr>
+                                        <p:cTn id="126" dur="250"/>
+                                        <p:tgtEl>
+                                          <p:spTgt spid="20"/>
+                                        </p:tgtEl>
+                                      </p:cBhvr>
+                                    </p:animEffect>
+                                    <p:anim calcmode="lin" valueType="num">
+                                      <p:cBhvr>
+                                        <p:cTn id="127" dur="250" fill="hold"/>
+                                        <p:tgtEl>
+                                          <p:spTgt spid="20"/>
+                                        </p:tgtEl>
+                                        <p:attrNameLst>
+                                          <p:attrName>ppt_x</p:attrName>
+                                        </p:attrNameLst>
+                                      </p:cBhvr>
+                                      <p:tavLst>
+                                        <p:tav tm="0">
+                                          <p:val>
+                                            <p:strVal val="#ppt_x"/>
+                                          </p:val>
+                                        </p:tav>
+                                        <p:tav tm="100000">
+                                          <p:val>
+                                            <p:strVal val="#ppt_x"/>
+                                          </p:val>
+                                        </p:tav>
+                                      </p:tavLst>
+                                    </p:anim>
+                                    <p:anim calcmode="lin" valueType="num">
+                                      <p:cBhvr>
+                                        <p:cTn id="128" dur="250" fill="hold"/>
+                                        <p:tgtEl>
+                                          <p:spTgt spid="20"/>
+                                        </p:tgtEl>
+                                        <p:attrNameLst>
+                                          <p:attrName>ppt_y</p:attrName>
+                                        </p:attrNameLst>
+                                      </p:cBhvr>
+                                      <p:tavLst>
+                                        <p:tav tm="0">
+                                          <p:val>
+                                            <p:strVal val="#ppt_y+.1"/>
+                                          </p:val>
+                                        </p:tav>
+                                        <p:tav tm="100000">
+                                          <p:val>
+                                            <p:strVal val="#ppt_y"/>
+                                          </p:val>
+                                        </p:tav>
+                                      </p:tavLst>
+                                    </p:anim>
+                                  </p:childTnLst>
+                                </p:cTn>
+                              </p:par>
+                            </p:childTnLst>
+                          </p:cTn>
+                        </p:par>
+                      </p:childTnLst>
+                    </p:cTn>
+                  </p:par>
+                  <p:par>
+                    <p:cTn id="129" fill="hold">
+                      <p:stCondLst>
+                        <p:cond delay="indefinite"/>
+                      </p:stCondLst>
+                      <p:childTnLst>
+                        <p:par>
+                          <p:cTn id="130" fill="hold">
+                            <p:stCondLst>
+                              <p:cond delay="0"/>
+                            </p:stCondLst>
+                            <p:childTnLst>
+                              <p:par>
+                                <p:cTn id="131" presetID="42" presetClass="entr" presetSubtype="0" fill="hold" nodeType="clickEffect">
+                                  <p:stCondLst>
+                                    <p:cond delay="0"/>
+                                  </p:stCondLst>
+                                  <p:childTnLst>
+                                    <p:set>
+                                      <p:cBhvr>
+                                        <p:cTn id="132" dur="1" fill="hold">
+                                          <p:stCondLst>
+                                            <p:cond delay="0"/>
+                                          </p:stCondLst>
+                                        </p:cTn>
+                                        <p:tgtEl>
+                                          <p:spTgt spid="130"/>
+                                        </p:tgtEl>
+                                        <p:attrNameLst>
+                                          <p:attrName>style.visibility</p:attrName>
+                                        </p:attrNameLst>
+                                      </p:cBhvr>
+                                      <p:to>
+                                        <p:strVal val="visible"/>
+                                      </p:to>
+                                    </p:set>
+                                    <p:animEffect transition="in" filter="fade">
+                                      <p:cBhvr>
+                                        <p:cTn id="133" dur="250"/>
+                                        <p:tgtEl>
+                                          <p:spTgt spid="130"/>
+                                        </p:tgtEl>
+                                      </p:cBhvr>
+                                    </p:animEffect>
+                                    <p:anim calcmode="lin" valueType="num">
+                                      <p:cBhvr>
+                                        <p:cTn id="134" dur="250" fill="hold"/>
+                                        <p:tgtEl>
+                                          <p:spTgt spid="130"/>
+                                        </p:tgtEl>
+                                        <p:attrNameLst>
+                                          <p:attrName>ppt_x</p:attrName>
+                                        </p:attrNameLst>
+                                      </p:cBhvr>
+                                      <p:tavLst>
+                                        <p:tav tm="0">
+                                          <p:val>
+                                            <p:strVal val="#ppt_x"/>
+                                          </p:val>
+                                        </p:tav>
+                                        <p:tav tm="100000">
+                                          <p:val>
+                                            <p:strVal val="#ppt_x"/>
+                                          </p:val>
+                                        </p:tav>
+                                      </p:tavLst>
+                                    </p:anim>
+                                    <p:anim calcmode="lin" valueType="num">
+                                      <p:cBhvr>
+                                        <p:cTn id="135" dur="250" fill="hold"/>
+                                        <p:tgtEl>
+                                          <p:spTgt spid="130"/>
+                                        </p:tgtEl>
+                                        <p:attrNameLst>
+                                          <p:attrName>ppt_y</p:attrName>
+                                        </p:attrNameLst>
+                                      </p:cBhvr>
+                                      <p:tavLst>
+                                        <p:tav tm="0">
+                                          <p:val>
+                                            <p:strVal val="#ppt_y+.1"/>
+                                          </p:val>
+                                        </p:tav>
+                                        <p:tav tm="100000">
+                                          <p:val>
+                                            <p:strVal val="#ppt_y"/>
+                                          </p:val>
+                                        </p:tav>
+                                      </p:tavLst>
+                                    </p:anim>
+                                  </p:childTnLst>
+                                </p:cTn>
+                              </p:par>
+                            </p:childTnLst>
+                          </p:cTn>
+                        </p:par>
+                        <p:par>
+                          <p:cTn id="136" fill="hold">
+                            <p:stCondLst>
+                              <p:cond delay="250"/>
+                            </p:stCondLst>
+                            <p:childTnLst>
+                              <p:par>
+                                <p:cTn id="137" presetID="42" presetClass="entr" presetSubtype="0" fill="hold" nodeType="afterEffect">
+                                  <p:stCondLst>
+                                    <p:cond delay="0"/>
+                                  </p:stCondLst>
+                                  <p:childTnLst>
+                                    <p:set>
+                                      <p:cBhvr>
+                                        <p:cTn id="138" dur="1" fill="hold">
+                                          <p:stCondLst>
+                                            <p:cond delay="0"/>
+                                          </p:stCondLst>
+                                        </p:cTn>
+                                        <p:tgtEl>
+                                          <p:spTgt spid="22"/>
+                                        </p:tgtEl>
+                                        <p:attrNameLst>
+                                          <p:attrName>style.visibility</p:attrName>
+                                        </p:attrNameLst>
+                                      </p:cBhvr>
+                                      <p:to>
+                                        <p:strVal val="visible"/>
+                                      </p:to>
+                                    </p:set>
+                                    <p:animEffect transition="in" filter="fade">
+                                      <p:cBhvr>
+                                        <p:cTn id="139" dur="250"/>
+                                        <p:tgtEl>
+                                          <p:spTgt spid="22"/>
+                                        </p:tgtEl>
+                                      </p:cBhvr>
+                                    </p:animEffect>
+                                    <p:anim calcmode="lin" valueType="num">
+                                      <p:cBhvr>
+                                        <p:cTn id="140" dur="250" fill="hold"/>
+                                        <p:tgtEl>
+                                          <p:spTgt spid="22"/>
+                                        </p:tgtEl>
+                                        <p:attrNameLst>
+                                          <p:attrName>ppt_x</p:attrName>
+                                        </p:attrNameLst>
+                                      </p:cBhvr>
+                                      <p:tavLst>
+                                        <p:tav tm="0">
+                                          <p:val>
+                                            <p:strVal val="#ppt_x"/>
+                                          </p:val>
+                                        </p:tav>
+                                        <p:tav tm="100000">
+                                          <p:val>
+                                            <p:strVal val="#ppt_x"/>
+                                          </p:val>
+                                        </p:tav>
+                                      </p:tavLst>
+                                    </p:anim>
+                                    <p:anim calcmode="lin" valueType="num">
+                                      <p:cBhvr>
+                                        <p:cTn id="141" dur="250" fill="hold"/>
+                                        <p:tgtEl>
+                                          <p:spTgt spid="22"/>
+                                        </p:tgtEl>
+                                        <p:attrNameLst>
+                                          <p:attrName>ppt_y</p:attrName>
+                                        </p:attrNameLst>
+                                      </p:cBhvr>
+                                      <p:tavLst>
+                                        <p:tav tm="0">
+                                          <p:val>
+                                            <p:strVal val="#ppt_y+.1"/>
+                                          </p:val>
+                                        </p:tav>
+                                        <p:tav tm="100000">
+                                          <p:val>
+                                            <p:strVal val="#ppt_y"/>
+                                          </p:val>
+                                        </p:tav>
+                                      </p:tavLst>
+                                    </p:anim>
+                                  </p:childTnLst>
+                                </p:cTn>
+                              </p:par>
+                            </p:childTnLst>
+                          </p:cTn>
+                        </p:par>
+                        <p:par>
+                          <p:cTn id="142" fill="hold">
+                            <p:stCondLst>
+                              <p:cond delay="500"/>
+                            </p:stCondLst>
+                            <p:childTnLst>
+                              <p:par>
+                                <p:cTn id="143" presetID="42" presetClass="entr" presetSubtype="0" fill="hold" nodeType="afterEffect">
+                                  <p:stCondLst>
+                                    <p:cond delay="0"/>
+                                  </p:stCondLst>
+                                  <p:childTnLst>
+                                    <p:set>
+                                      <p:cBhvr>
+                                        <p:cTn id="144" dur="1" fill="hold">
+                                          <p:stCondLst>
+                                            <p:cond delay="0"/>
+                                          </p:stCondLst>
+                                        </p:cTn>
+                                        <p:tgtEl>
+                                          <p:spTgt spid="27"/>
+                                        </p:tgtEl>
+                                        <p:attrNameLst>
+                                          <p:attrName>style.visibility</p:attrName>
+                                        </p:attrNameLst>
+                                      </p:cBhvr>
+                                      <p:to>
+                                        <p:strVal val="visible"/>
+                                      </p:to>
+                                    </p:set>
+                                    <p:animEffect transition="in" filter="fade">
+                                      <p:cBhvr>
+                                        <p:cTn id="145" dur="250"/>
+                                        <p:tgtEl>
+                                          <p:spTgt spid="27"/>
+                                        </p:tgtEl>
+                                      </p:cBhvr>
+                                    </p:animEffect>
+                                    <p:anim calcmode="lin" valueType="num">
+                                      <p:cBhvr>
+                                        <p:cTn id="146" dur="250" fill="hold"/>
+                                        <p:tgtEl>
+                                          <p:spTgt spid="27"/>
+                                        </p:tgtEl>
+                                        <p:attrNameLst>
+                                          <p:attrName>ppt_x</p:attrName>
+                                        </p:attrNameLst>
+                                      </p:cBhvr>
+                                      <p:tavLst>
+                                        <p:tav tm="0">
+                                          <p:val>
+                                            <p:strVal val="#ppt_x"/>
+                                          </p:val>
+                                        </p:tav>
+                                        <p:tav tm="100000">
+                                          <p:val>
+                                            <p:strVal val="#ppt_x"/>
+                                          </p:val>
+                                        </p:tav>
+                                      </p:tavLst>
+                                    </p:anim>
+                                    <p:anim calcmode="lin" valueType="num">
+                                      <p:cBhvr>
+                                        <p:cTn id="147" dur="250" fill="hold"/>
+                                        <p:tgtEl>
+                                          <p:spTgt spid="27"/>
+                                        </p:tgtEl>
+                                        <p:attrNameLst>
+                                          <p:attrName>ppt_y</p:attrName>
+                                        </p:attrNameLst>
+                                      </p:cBhvr>
+                                      <p:tavLst>
+                                        <p:tav tm="0">
+                                          <p:val>
+                                            <p:strVal val="#ppt_y+.1"/>
+                                          </p:val>
+                                        </p:tav>
+                                        <p:tav tm="100000">
+                                          <p:val>
+                                            <p:strVal val="#ppt_y"/>
+                                          </p:val>
+                                        </p:tav>
+                                      </p:tavLst>
+                                    </p:anim>
+                                  </p:childTnLst>
+                                </p:cTn>
+                              </p:par>
+                            </p:childTnLst>
+                          </p:cTn>
+                        </p:par>
+                        <p:par>
+                          <p:cTn id="148" fill="hold">
+                            <p:stCondLst>
+                              <p:cond delay="750"/>
+                            </p:stCondLst>
+                            <p:childTnLst>
+                              <p:par>
+                                <p:cTn id="149" presetID="42" presetClass="entr" presetSubtype="0" fill="hold" nodeType="afterEffect">
+                                  <p:stCondLst>
+                                    <p:cond delay="0"/>
+                                  </p:stCondLst>
+                                  <p:childTnLst>
+                                    <p:set>
+                                      <p:cBhvr>
+                                        <p:cTn id="150" dur="1" fill="hold">
+                                          <p:stCondLst>
+                                            <p:cond delay="0"/>
+                                          </p:stCondLst>
+                                        </p:cTn>
+                                        <p:tgtEl>
+                                          <p:spTgt spid="26"/>
+                                        </p:tgtEl>
+                                        <p:attrNameLst>
+                                          <p:attrName>style.visibility</p:attrName>
+                                        </p:attrNameLst>
+                                      </p:cBhvr>
+                                      <p:to>
+                                        <p:strVal val="visible"/>
+                                      </p:to>
+                                    </p:set>
+                                    <p:animEffect transition="in" filter="fade">
+                                      <p:cBhvr>
+                                        <p:cTn id="151" dur="250"/>
+                                        <p:tgtEl>
+                                          <p:spTgt spid="26"/>
+                                        </p:tgtEl>
+                                      </p:cBhvr>
+                                    </p:animEffect>
+                                    <p:anim calcmode="lin" valueType="num">
+                                      <p:cBhvr>
+                                        <p:cTn id="152" dur="250" fill="hold"/>
+                                        <p:tgtEl>
+                                          <p:spTgt spid="26"/>
+                                        </p:tgtEl>
+                                        <p:attrNameLst>
+                                          <p:attrName>ppt_x</p:attrName>
+                                        </p:attrNameLst>
+                                      </p:cBhvr>
+                                      <p:tavLst>
+                                        <p:tav tm="0">
+                                          <p:val>
+                                            <p:strVal val="#ppt_x"/>
+                                          </p:val>
+                                        </p:tav>
+                                        <p:tav tm="100000">
+                                          <p:val>
+                                            <p:strVal val="#ppt_x"/>
+                                          </p:val>
+                                        </p:tav>
+                                      </p:tavLst>
+                                    </p:anim>
+                                    <p:anim calcmode="lin" valueType="num">
+                                      <p:cBhvr>
+                                        <p:cTn id="153" dur="250" fill="hold"/>
+                                        <p:tgtEl>
+                                          <p:spTgt spid="26"/>
+                                        </p:tgtEl>
+                                        <p:attrNameLst>
+                                          <p:attrName>ppt_y</p:attrName>
+                                        </p:attrNameLst>
+                                      </p:cBhvr>
+                                      <p:tavLst>
+                                        <p:tav tm="0">
+                                          <p:val>
+                                            <p:strVal val="#ppt_y+.1"/>
+                                          </p:val>
+                                        </p:tav>
+                                        <p:tav tm="100000">
+                                          <p:val>
+                                            <p:strVal val="#ppt_y"/>
+                                          </p:val>
+                                        </p:tav>
+                                      </p:tavLst>
+                                    </p:anim>
+                                  </p:childTnLst>
+                                </p:cTn>
+                              </p:par>
+                            </p:childTnLst>
+                          </p:cTn>
+                        </p:par>
+                        <p:par>
+                          <p:cTn id="154" fill="hold">
+                            <p:stCondLst>
+                              <p:cond delay="1000"/>
+                            </p:stCondLst>
+                            <p:childTnLst>
+                              <p:par>
+                                <p:cTn id="155" presetID="42" presetClass="entr" presetSubtype="0" fill="hold" nodeType="afterEffect">
+                                  <p:stCondLst>
+                                    <p:cond delay="0"/>
+                                  </p:stCondLst>
+                                  <p:childTnLst>
+                                    <p:set>
+                                      <p:cBhvr>
+                                        <p:cTn id="156" dur="1" fill="hold">
+                                          <p:stCondLst>
+                                            <p:cond delay="0"/>
+                                          </p:stCondLst>
+                                        </p:cTn>
+                                        <p:tgtEl>
+                                          <p:spTgt spid="24"/>
+                                        </p:tgtEl>
+                                        <p:attrNameLst>
+                                          <p:attrName>style.visibility</p:attrName>
+                                        </p:attrNameLst>
+                                      </p:cBhvr>
+                                      <p:to>
+                                        <p:strVal val="visible"/>
+                                      </p:to>
+                                    </p:set>
+                                    <p:animEffect transition="in" filter="fade">
+                                      <p:cBhvr>
+                                        <p:cTn id="157" dur="250"/>
+                                        <p:tgtEl>
+                                          <p:spTgt spid="24"/>
+                                        </p:tgtEl>
+                                      </p:cBhvr>
+                                    </p:animEffect>
+                                    <p:anim calcmode="lin" valueType="num">
+                                      <p:cBhvr>
+                                        <p:cTn id="158" dur="250" fill="hold"/>
+                                        <p:tgtEl>
+                                          <p:spTgt spid="24"/>
+                                        </p:tgtEl>
+                                        <p:attrNameLst>
+                                          <p:attrName>ppt_x</p:attrName>
+                                        </p:attrNameLst>
+                                      </p:cBhvr>
+                                      <p:tavLst>
+                                        <p:tav tm="0">
+                                          <p:val>
+                                            <p:strVal val="#ppt_x"/>
+                                          </p:val>
+                                        </p:tav>
+                                        <p:tav tm="100000">
+                                          <p:val>
+                                            <p:strVal val="#ppt_x"/>
+                                          </p:val>
+                                        </p:tav>
+                                      </p:tavLst>
+                                    </p:anim>
+                                    <p:anim calcmode="lin" valueType="num">
+                                      <p:cBhvr>
+                                        <p:cTn id="159" dur="250" fill="hold"/>
+                                        <p:tgtEl>
+                                          <p:spTgt spid="24"/>
+                                        </p:tgtEl>
+                                        <p:attrNameLst>
+                                          <p:attrName>ppt_y</p:attrName>
+                                        </p:attrNameLst>
+                                      </p:cBhvr>
+                                      <p:tavLst>
+                                        <p:tav tm="0">
+                                          <p:val>
+                                            <p:strVal val="#ppt_y+.1"/>
+                                          </p:val>
+                                        </p:tav>
+                                        <p:tav tm="100000">
+                                          <p:val>
+                                            <p:strVal val="#ppt_y"/>
+                                          </p:val>
+                                        </p:tav>
+                                      </p:tavLst>
+                                    </p:anim>
+                                  </p:childTnLst>
+                                </p:cTn>
+                              </p:par>
+                            </p:childTnLst>
+                          </p:cTn>
+                        </p:par>
+                        <p:par>
+                          <p:cTn id="160" fill="hold">
+                            <p:stCondLst>
+                              <p:cond delay="1250"/>
+                            </p:stCondLst>
+                            <p:childTnLst>
+                              <p:par>
+                                <p:cTn id="161" presetID="42" presetClass="entr" presetSubtype="0" fill="hold" grpId="0" nodeType="afterEffect">
+                                  <p:stCondLst>
+                                    <p:cond delay="0"/>
+                                  </p:stCondLst>
+                                  <p:childTnLst>
+                                    <p:set>
+                                      <p:cBhvr>
+                                        <p:cTn id="162" dur="1" fill="hold">
+                                          <p:stCondLst>
+                                            <p:cond delay="0"/>
+                                          </p:stCondLst>
+                                        </p:cTn>
+                                        <p:tgtEl>
+                                          <p:spTgt spid="25"/>
+                                        </p:tgtEl>
+                                        <p:attrNameLst>
+                                          <p:attrName>style.visibility</p:attrName>
+                                        </p:attrNameLst>
+                                      </p:cBhvr>
+                                      <p:to>
+                                        <p:strVal val="visible"/>
+                                      </p:to>
+                                    </p:set>
+                                    <p:animEffect transition="in" filter="fade">
+                                      <p:cBhvr>
+                                        <p:cTn id="163" dur="250"/>
+                                        <p:tgtEl>
+                                          <p:spTgt spid="25"/>
+                                        </p:tgtEl>
+                                      </p:cBhvr>
+                                    </p:animEffect>
+                                    <p:anim calcmode="lin" valueType="num">
+                                      <p:cBhvr>
+                                        <p:cTn id="164" dur="250" fill="hold"/>
+                                        <p:tgtEl>
+                                          <p:spTgt spid="25"/>
+                                        </p:tgtEl>
+                                        <p:attrNameLst>
+                                          <p:attrName>ppt_x</p:attrName>
+                                        </p:attrNameLst>
+                                      </p:cBhvr>
+                                      <p:tavLst>
+                                        <p:tav tm="0">
+                                          <p:val>
+                                            <p:strVal val="#ppt_x"/>
+                                          </p:val>
+                                        </p:tav>
+                                        <p:tav tm="100000">
+                                          <p:val>
+                                            <p:strVal val="#ppt_x"/>
+                                          </p:val>
+                                        </p:tav>
+                                      </p:tavLst>
+                                    </p:anim>
+                                    <p:anim calcmode="lin" valueType="num">
+                                      <p:cBhvr>
+                                        <p:cTn id="165" dur="250" fill="hold"/>
+                                        <p:tgtEl>
+                                          <p:spTgt spid="25"/>
+                                        </p:tgtEl>
+                                        <p:attrNameLst>
+                                          <p:attrName>ppt_y</p:attrName>
+                                        </p:attrNameLst>
+                                      </p:cBhvr>
+                                      <p:tavLst>
+                                        <p:tav tm="0">
+                                          <p:val>
+                                            <p:strVal val="#ppt_y+.1"/>
+                                          </p:val>
+                                        </p:tav>
+                                        <p:tav tm="100000">
+                                          <p:val>
+                                            <p:strVal val="#ppt_y"/>
+                                          </p:val>
+                                        </p:tav>
+                                      </p:tavLst>
+                                    </p:anim>
+                                  </p:childTnLst>
+                                </p:cTn>
+                              </p:par>
+                            </p:childTnLst>
+                          </p:cTn>
+                        </p:par>
+                      </p:childTnLst>
+                    </p:cTn>
+                  </p:par>
+                  <p:par>
+                    <p:cTn id="166" fill="hold">
+                      <p:stCondLst>
+                        <p:cond delay="indefinite"/>
+                      </p:stCondLst>
+                      <p:childTnLst>
+                        <p:par>
+                          <p:cTn id="167" fill="hold">
+                            <p:stCondLst>
+                              <p:cond delay="0"/>
+                            </p:stCondLst>
+                            <p:childTnLst>
+                              <p:par>
+                                <p:cTn id="168" presetID="42" presetClass="entr" presetSubtype="0" fill="hold" nodeType="clickEffect">
+                                  <p:stCondLst>
+                                    <p:cond delay="0"/>
+                                  </p:stCondLst>
+                                  <p:childTnLst>
+                                    <p:set>
+                                      <p:cBhvr>
+                                        <p:cTn id="169" dur="1" fill="hold">
+                                          <p:stCondLst>
+                                            <p:cond delay="0"/>
+                                          </p:stCondLst>
+                                        </p:cTn>
+                                        <p:tgtEl>
+                                          <p:spTgt spid="147"/>
+                                        </p:tgtEl>
+                                        <p:attrNameLst>
+                                          <p:attrName>style.visibility</p:attrName>
+                                        </p:attrNameLst>
+                                      </p:cBhvr>
+                                      <p:to>
+                                        <p:strVal val="visible"/>
+                                      </p:to>
+                                    </p:set>
+                                    <p:animEffect transition="in" filter="fade">
+                                      <p:cBhvr>
+                                        <p:cTn id="170" dur="250"/>
+                                        <p:tgtEl>
+                                          <p:spTgt spid="147"/>
+                                        </p:tgtEl>
+                                      </p:cBhvr>
+                                    </p:animEffect>
+                                    <p:anim calcmode="lin" valueType="num">
+                                      <p:cBhvr>
+                                        <p:cTn id="171" dur="250" fill="hold"/>
+                                        <p:tgtEl>
+                                          <p:spTgt spid="147"/>
+                                        </p:tgtEl>
+                                        <p:attrNameLst>
+                                          <p:attrName>ppt_x</p:attrName>
+                                        </p:attrNameLst>
+                                      </p:cBhvr>
+                                      <p:tavLst>
+                                        <p:tav tm="0">
+                                          <p:val>
+                                            <p:strVal val="#ppt_x"/>
+                                          </p:val>
+                                        </p:tav>
+                                        <p:tav tm="100000">
+                                          <p:val>
+                                            <p:strVal val="#ppt_x"/>
+                                          </p:val>
+                                        </p:tav>
+                                      </p:tavLst>
+                                    </p:anim>
+                                    <p:anim calcmode="lin" valueType="num">
+                                      <p:cBhvr>
+                                        <p:cTn id="172" dur="250" fill="hold"/>
+                                        <p:tgtEl>
+                                          <p:spTgt spid="147"/>
+                                        </p:tgtEl>
+                                        <p:attrNameLst>
+                                          <p:attrName>ppt_y</p:attrName>
+                                        </p:attrNameLst>
+                                      </p:cBhvr>
+                                      <p:tavLst>
+                                        <p:tav tm="0">
+                                          <p:val>
+                                            <p:strVal val="#ppt_y+.1"/>
+                                          </p:val>
+                                        </p:tav>
+                                        <p:tav tm="100000">
+                                          <p:val>
+                                            <p:strVal val="#ppt_y"/>
+                                          </p:val>
+                                        </p:tav>
+                                      </p:tavLst>
+                                    </p:anim>
+                                  </p:childTnLst>
+                                </p:cTn>
+                              </p:par>
+                              <p:par>
+                                <p:cTn id="173" presetID="42" presetClass="entr" presetSubtype="0" fill="hold" nodeType="withEffect">
+                                  <p:stCondLst>
+                                    <p:cond delay="0"/>
+                                  </p:stCondLst>
+                                  <p:childTnLst>
+                                    <p:set>
+                                      <p:cBhvr>
+                                        <p:cTn id="174" dur="1" fill="hold">
+                                          <p:stCondLst>
+                                            <p:cond delay="0"/>
+                                          </p:stCondLst>
+                                        </p:cTn>
+                                        <p:tgtEl>
+                                          <p:spTgt spid="65"/>
+                                        </p:tgtEl>
+                                        <p:attrNameLst>
+                                          <p:attrName>style.visibility</p:attrName>
+                                        </p:attrNameLst>
+                                      </p:cBhvr>
+                                      <p:to>
+                                        <p:strVal val="visible"/>
+                                      </p:to>
+                                    </p:set>
+                                    <p:animEffect transition="in" filter="fade">
+                                      <p:cBhvr>
+                                        <p:cTn id="175" dur="250"/>
+                                        <p:tgtEl>
+                                          <p:spTgt spid="65"/>
+                                        </p:tgtEl>
+                                      </p:cBhvr>
+                                    </p:animEffect>
+                                    <p:anim calcmode="lin" valueType="num">
+                                      <p:cBhvr>
+                                        <p:cTn id="176" dur="250" fill="hold"/>
+                                        <p:tgtEl>
+                                          <p:spTgt spid="65"/>
+                                        </p:tgtEl>
+                                        <p:attrNameLst>
+                                          <p:attrName>ppt_x</p:attrName>
+                                        </p:attrNameLst>
+                                      </p:cBhvr>
+                                      <p:tavLst>
+                                        <p:tav tm="0">
+                                          <p:val>
+                                            <p:strVal val="#ppt_x"/>
+                                          </p:val>
+                                        </p:tav>
+                                        <p:tav tm="100000">
+                                          <p:val>
+                                            <p:strVal val="#ppt_x"/>
+                                          </p:val>
+                                        </p:tav>
+                                      </p:tavLst>
+                                    </p:anim>
+                                    <p:anim calcmode="lin" valueType="num">
+                                      <p:cBhvr>
+                                        <p:cTn id="177" dur="250" fill="hold"/>
+                                        <p:tgtEl>
+                                          <p:spTgt spid="65"/>
+                                        </p:tgtEl>
+                                        <p:attrNameLst>
+                                          <p:attrName>ppt_y</p:attrName>
+                                        </p:attrNameLst>
+                                      </p:cBhvr>
+                                      <p:tavLst>
+                                        <p:tav tm="0">
+                                          <p:val>
+                                            <p:strVal val="#ppt_y+.1"/>
+                                          </p:val>
+                                        </p:tav>
+                                        <p:tav tm="100000">
+                                          <p:val>
+                                            <p:strVal val="#ppt_y"/>
+                                          </p:val>
+                                        </p:tav>
+                                      </p:tavLst>
+                                    </p:anim>
+                                  </p:childTnLst>
+                                </p:cTn>
+                              </p:par>
+                            </p:childTnLst>
+                          </p:cTn>
+                        </p:par>
+                        <p:par>
+                          <p:cTn id="178" fill="hold">
+                            <p:stCondLst>
+                              <p:cond delay="250"/>
+                            </p:stCondLst>
+                            <p:childTnLst>
+                              <p:par>
+                                <p:cTn id="179" presetID="42" presetClass="entr" presetSubtype="0" fill="hold" nodeType="afterEffect">
+                                  <p:stCondLst>
+                                    <p:cond delay="0"/>
+                                  </p:stCondLst>
+                                  <p:childTnLst>
+                                    <p:set>
+                                      <p:cBhvr>
+                                        <p:cTn id="180" dur="1" fill="hold">
+                                          <p:stCondLst>
+                                            <p:cond delay="0"/>
+                                          </p:stCondLst>
+                                        </p:cTn>
+                                        <p:tgtEl>
+                                          <p:spTgt spid="55"/>
+                                        </p:tgtEl>
+                                        <p:attrNameLst>
+                                          <p:attrName>style.visibility</p:attrName>
+                                        </p:attrNameLst>
+                                      </p:cBhvr>
+                                      <p:to>
+                                        <p:strVal val="visible"/>
+                                      </p:to>
+                                    </p:set>
+                                    <p:animEffect transition="in" filter="fade">
+                                      <p:cBhvr>
+                                        <p:cTn id="181" dur="250"/>
+                                        <p:tgtEl>
+                                          <p:spTgt spid="55"/>
+                                        </p:tgtEl>
+                                      </p:cBhvr>
+                                    </p:animEffect>
+                                    <p:anim calcmode="lin" valueType="num">
+                                      <p:cBhvr>
+                                        <p:cTn id="182" dur="250" fill="hold"/>
+                                        <p:tgtEl>
+                                          <p:spTgt spid="55"/>
+                                        </p:tgtEl>
+                                        <p:attrNameLst>
+                                          <p:attrName>ppt_x</p:attrName>
+                                        </p:attrNameLst>
+                                      </p:cBhvr>
+                                      <p:tavLst>
+                                        <p:tav tm="0">
+                                          <p:val>
+                                            <p:strVal val="#ppt_x"/>
+                                          </p:val>
+                                        </p:tav>
+                                        <p:tav tm="100000">
+                                          <p:val>
+                                            <p:strVal val="#ppt_x"/>
+                                          </p:val>
+                                        </p:tav>
+                                      </p:tavLst>
+                                    </p:anim>
+                                    <p:anim calcmode="lin" valueType="num">
+                                      <p:cBhvr>
+                                        <p:cTn id="183" dur="250" fill="hold"/>
+                                        <p:tgtEl>
+                                          <p:spTgt spid="55"/>
+                                        </p:tgtEl>
+                                        <p:attrNameLst>
+                                          <p:attrName>ppt_y</p:attrName>
+                                        </p:attrNameLst>
+                                      </p:cBhvr>
+                                      <p:tavLst>
+                                        <p:tav tm="0">
+                                          <p:val>
+                                            <p:strVal val="#ppt_y+.1"/>
+                                          </p:val>
+                                        </p:tav>
+                                        <p:tav tm="100000">
+                                          <p:val>
+                                            <p:strVal val="#ppt_y"/>
+                                          </p:val>
+                                        </p:tav>
+                                      </p:tavLst>
+                                    </p:anim>
+                                  </p:childTnLst>
+                                </p:cTn>
+                              </p:par>
+                            </p:childTnLst>
+                          </p:cTn>
+                        </p:par>
+                        <p:par>
+                          <p:cTn id="184" fill="hold">
+                            <p:stCondLst>
+                              <p:cond delay="500"/>
+                            </p:stCondLst>
+                            <p:childTnLst>
+                              <p:par>
+                                <p:cTn id="185" presetID="42" presetClass="entr" presetSubtype="0" fill="hold" nodeType="afterEffect">
+                                  <p:stCondLst>
+                                    <p:cond delay="0"/>
+                                  </p:stCondLst>
+                                  <p:childTnLst>
+                                    <p:set>
+                                      <p:cBhvr>
+                                        <p:cTn id="186" dur="1" fill="hold">
+                                          <p:stCondLst>
+                                            <p:cond delay="0"/>
+                                          </p:stCondLst>
+                                        </p:cTn>
+                                        <p:tgtEl>
+                                          <p:spTgt spid="154"/>
+                                        </p:tgtEl>
+                                        <p:attrNameLst>
+                                          <p:attrName>style.visibility</p:attrName>
+                                        </p:attrNameLst>
+                                      </p:cBhvr>
+                                      <p:to>
+                                        <p:strVal val="visible"/>
+                                      </p:to>
+                                    </p:set>
+                                    <p:animEffect transition="in" filter="fade">
+                                      <p:cBhvr>
+                                        <p:cTn id="187" dur="250"/>
+                                        <p:tgtEl>
+                                          <p:spTgt spid="154"/>
+                                        </p:tgtEl>
+                                      </p:cBhvr>
+                                    </p:animEffect>
+                                    <p:anim calcmode="lin" valueType="num">
+                                      <p:cBhvr>
+                                        <p:cTn id="188" dur="250" fill="hold"/>
+                                        <p:tgtEl>
+                                          <p:spTgt spid="154"/>
+                                        </p:tgtEl>
+                                        <p:attrNameLst>
+                                          <p:attrName>ppt_x</p:attrName>
+                                        </p:attrNameLst>
+                                      </p:cBhvr>
+                                      <p:tavLst>
+                                        <p:tav tm="0">
+                                          <p:val>
+                                            <p:strVal val="#ppt_x"/>
+                                          </p:val>
+                                        </p:tav>
+                                        <p:tav tm="100000">
+                                          <p:val>
+                                            <p:strVal val="#ppt_x"/>
+                                          </p:val>
+                                        </p:tav>
+                                      </p:tavLst>
+                                    </p:anim>
+                                    <p:anim calcmode="lin" valueType="num">
+                                      <p:cBhvr>
+                                        <p:cTn id="189" dur="250" fill="hold"/>
+                                        <p:tgtEl>
+                                          <p:spTgt spid="154"/>
+                                        </p:tgtEl>
+                                        <p:attrNameLst>
+                                          <p:attrName>ppt_y</p:attrName>
+                                        </p:attrNameLst>
+                                      </p:cBhvr>
+                                      <p:tavLst>
+                                        <p:tav tm="0">
+                                          <p:val>
+                                            <p:strVal val="#ppt_y+.1"/>
+                                          </p:val>
+                                        </p:tav>
+                                        <p:tav tm="100000">
+                                          <p:val>
+                                            <p:strVal val="#ppt_y"/>
+                                          </p:val>
+                                        </p:tav>
+                                      </p:tavLst>
+                                    </p:anim>
+                                  </p:childTnLst>
+                                </p:cTn>
+                              </p:par>
+                              <p:par>
+                                <p:cTn id="190" presetID="42" presetClass="entr" presetSubtype="0" fill="hold" nodeType="withEffect">
+                                  <p:stCondLst>
+                                    <p:cond delay="0"/>
+                                  </p:stCondLst>
+                                  <p:childTnLst>
+                                    <p:set>
+                                      <p:cBhvr>
+                                        <p:cTn id="191" dur="1" fill="hold">
+                                          <p:stCondLst>
+                                            <p:cond delay="0"/>
+                                          </p:stCondLst>
+                                        </p:cTn>
+                                        <p:tgtEl>
+                                          <p:spTgt spid="59"/>
+                                        </p:tgtEl>
+                                        <p:attrNameLst>
+                                          <p:attrName>style.visibility</p:attrName>
+                                        </p:attrNameLst>
+                                      </p:cBhvr>
+                                      <p:to>
+                                        <p:strVal val="visible"/>
+                                      </p:to>
+                                    </p:set>
+                                    <p:animEffect transition="in" filter="fade">
+                                      <p:cBhvr>
+                                        <p:cTn id="192" dur="250"/>
+                                        <p:tgtEl>
+                                          <p:spTgt spid="59"/>
+                                        </p:tgtEl>
+                                      </p:cBhvr>
+                                    </p:animEffect>
+                                    <p:anim calcmode="lin" valueType="num">
+                                      <p:cBhvr>
+                                        <p:cTn id="193" dur="250" fill="hold"/>
+                                        <p:tgtEl>
+                                          <p:spTgt spid="59"/>
+                                        </p:tgtEl>
+                                        <p:attrNameLst>
+                                          <p:attrName>ppt_x</p:attrName>
+                                        </p:attrNameLst>
+                                      </p:cBhvr>
+                                      <p:tavLst>
+                                        <p:tav tm="0">
+                                          <p:val>
+                                            <p:strVal val="#ppt_x"/>
+                                          </p:val>
+                                        </p:tav>
+                                        <p:tav tm="100000">
+                                          <p:val>
+                                            <p:strVal val="#ppt_x"/>
+                                          </p:val>
+                                        </p:tav>
+                                      </p:tavLst>
+                                    </p:anim>
+                                    <p:anim calcmode="lin" valueType="num">
+                                      <p:cBhvr>
+                                        <p:cTn id="194" dur="250" fill="hold"/>
+                                        <p:tgtEl>
+                                          <p:spTgt spid="59"/>
+                                        </p:tgtEl>
+                                        <p:attrNameLst>
+                                          <p:attrName>ppt_y</p:attrName>
+                                        </p:attrNameLst>
+                                      </p:cBhvr>
+                                      <p:tavLst>
+                                        <p:tav tm="0">
+                                          <p:val>
+                                            <p:strVal val="#ppt_y+.1"/>
+                                          </p:val>
+                                        </p:tav>
+                                        <p:tav tm="100000">
+                                          <p:val>
+                                            <p:strVal val="#ppt_y"/>
+                                          </p:val>
+                                        </p:tav>
+                                      </p:tavLst>
+                                    </p:anim>
+                                  </p:childTnLst>
+                                </p:cTn>
+                              </p:par>
+                            </p:childTnLst>
+                          </p:cTn>
+                        </p:par>
+                        <p:par>
+                          <p:cTn id="195" fill="hold">
+                            <p:stCondLst>
+                              <p:cond delay="750"/>
+                            </p:stCondLst>
+                            <p:childTnLst>
+                              <p:par>
+                                <p:cTn id="196" presetID="42" presetClass="entr" presetSubtype="0" fill="hold" grpId="0" nodeType="afterEffect">
+                                  <p:stCondLst>
+                                    <p:cond delay="0"/>
+                                  </p:stCondLst>
+                                  <p:childTnLst>
+                                    <p:set>
+                                      <p:cBhvr>
+                                        <p:cTn id="197" dur="1" fill="hold">
+                                          <p:stCondLst>
+                                            <p:cond delay="0"/>
+                                          </p:stCondLst>
+                                        </p:cTn>
+                                        <p:tgtEl>
+                                          <p:spTgt spid="54"/>
+                                        </p:tgtEl>
+                                        <p:attrNameLst>
+                                          <p:attrName>style.visibility</p:attrName>
+                                        </p:attrNameLst>
+                                      </p:cBhvr>
+                                      <p:to>
+                                        <p:strVal val="visible"/>
+                                      </p:to>
+                                    </p:set>
+                                    <p:animEffect transition="in" filter="fade">
+                                      <p:cBhvr>
+                                        <p:cTn id="198" dur="250"/>
+                                        <p:tgtEl>
+                                          <p:spTgt spid="54"/>
+                                        </p:tgtEl>
+                                      </p:cBhvr>
+                                    </p:animEffect>
+                                    <p:anim calcmode="lin" valueType="num">
+                                      <p:cBhvr>
+                                        <p:cTn id="199" dur="250" fill="hold"/>
+                                        <p:tgtEl>
+                                          <p:spTgt spid="54"/>
+                                        </p:tgtEl>
+                                        <p:attrNameLst>
+                                          <p:attrName>ppt_x</p:attrName>
+                                        </p:attrNameLst>
+                                      </p:cBhvr>
+                                      <p:tavLst>
+                                        <p:tav tm="0">
+                                          <p:val>
+                                            <p:strVal val="#ppt_x"/>
+                                          </p:val>
+                                        </p:tav>
+                                        <p:tav tm="100000">
+                                          <p:val>
+                                            <p:strVal val="#ppt_x"/>
+                                          </p:val>
+                                        </p:tav>
+                                      </p:tavLst>
+                                    </p:anim>
+                                    <p:anim calcmode="lin" valueType="num">
+                                      <p:cBhvr>
+                                        <p:cTn id="200" dur="250" fill="hold"/>
+                                        <p:tgtEl>
+                                          <p:spTgt spid="54"/>
+                                        </p:tgtEl>
+                                        <p:attrNameLst>
+                                          <p:attrName>ppt_y</p:attrName>
+                                        </p:attrNameLst>
+                                      </p:cBhvr>
+                                      <p:tavLst>
+                                        <p:tav tm="0">
+                                          <p:val>
+                                            <p:strVal val="#ppt_y+.1"/>
+                                          </p:val>
+                                        </p:tav>
+                                        <p:tav tm="100000">
+                                          <p:val>
+                                            <p:strVal val="#ppt_y"/>
+                                          </p:val>
+                                        </p:tav>
+                                      </p:tavLst>
+                                    </p:anim>
+                                  </p:childTnLst>
+                                </p:cTn>
+                              </p:par>
+                            </p:childTnLst>
+                          </p:cTn>
+                        </p:par>
+                        <p:par>
+                          <p:cTn id="201" fill="hold">
+                            <p:stCondLst>
+                              <p:cond delay="1000"/>
+                            </p:stCondLst>
+                            <p:childTnLst>
+                              <p:par>
+                                <p:cTn id="202" presetID="42" presetClass="entr" presetSubtype="0" fill="hold" nodeType="afterEffect">
+                                  <p:stCondLst>
+                                    <p:cond delay="0"/>
+                                  </p:stCondLst>
+                                  <p:childTnLst>
+                                    <p:set>
+                                      <p:cBhvr>
+                                        <p:cTn id="203" dur="1" fill="hold">
+                                          <p:stCondLst>
+                                            <p:cond delay="0"/>
+                                          </p:stCondLst>
+                                        </p:cTn>
+                                        <p:tgtEl>
+                                          <p:spTgt spid="53"/>
+                                        </p:tgtEl>
+                                        <p:attrNameLst>
+                                          <p:attrName>style.visibility</p:attrName>
+                                        </p:attrNameLst>
+                                      </p:cBhvr>
+                                      <p:to>
+                                        <p:strVal val="visible"/>
+                                      </p:to>
+                                    </p:set>
+                                    <p:animEffect transition="in" filter="fade">
+                                      <p:cBhvr>
+                                        <p:cTn id="204" dur="250"/>
+                                        <p:tgtEl>
+                                          <p:spTgt spid="53"/>
+                                        </p:tgtEl>
+                                      </p:cBhvr>
+                                    </p:animEffect>
+                                    <p:anim calcmode="lin" valueType="num">
+                                      <p:cBhvr>
+                                        <p:cTn id="205" dur="250" fill="hold"/>
+                                        <p:tgtEl>
+                                          <p:spTgt spid="53"/>
+                                        </p:tgtEl>
+                                        <p:attrNameLst>
+                                          <p:attrName>ppt_x</p:attrName>
+                                        </p:attrNameLst>
+                                      </p:cBhvr>
+                                      <p:tavLst>
+                                        <p:tav tm="0">
+                                          <p:val>
+                                            <p:strVal val="#ppt_x"/>
+                                          </p:val>
+                                        </p:tav>
+                                        <p:tav tm="100000">
+                                          <p:val>
+                                            <p:strVal val="#ppt_x"/>
+                                          </p:val>
+                                        </p:tav>
+                                      </p:tavLst>
+                                    </p:anim>
+                                    <p:anim calcmode="lin" valueType="num">
+                                      <p:cBhvr>
+                                        <p:cTn id="206" dur="250" fill="hold"/>
+                                        <p:tgtEl>
+                                          <p:spTgt spid="53"/>
+                                        </p:tgtEl>
+                                        <p:attrNameLst>
+                                          <p:attrName>ppt_y</p:attrName>
+                                        </p:attrNameLst>
+                                      </p:cBhvr>
+                                      <p:tavLst>
+                                        <p:tav tm="0">
+                                          <p:val>
+                                            <p:strVal val="#ppt_y+.1"/>
+                                          </p:val>
+                                        </p:tav>
+                                        <p:tav tm="100000">
+                                          <p:val>
+                                            <p:strVal val="#ppt_y"/>
+                                          </p:val>
+                                        </p:tav>
+                                      </p:tavLst>
+                                    </p:anim>
+                                  </p:childTnLst>
+                                </p:cTn>
+                              </p:par>
+                            </p:childTnLst>
+                          </p:cTn>
+                        </p:par>
+                        <p:par>
+                          <p:cTn id="207" fill="hold">
+                            <p:stCondLst>
+                              <p:cond delay="1250"/>
+                            </p:stCondLst>
+                            <p:childTnLst>
+                              <p:par>
+                                <p:cTn id="208" presetID="42" presetClass="entr" presetSubtype="0" fill="hold" grpId="0" nodeType="afterEffect">
+                                  <p:stCondLst>
+                                    <p:cond delay="0"/>
+                                  </p:stCondLst>
+                                  <p:childTnLst>
+                                    <p:set>
+                                      <p:cBhvr>
+                                        <p:cTn id="209" dur="1" fill="hold">
+                                          <p:stCondLst>
+                                            <p:cond delay="0"/>
+                                          </p:stCondLst>
+                                        </p:cTn>
+                                        <p:tgtEl>
+                                          <p:spTgt spid="56"/>
+                                        </p:tgtEl>
+                                        <p:attrNameLst>
+                                          <p:attrName>style.visibility</p:attrName>
+                                        </p:attrNameLst>
+                                      </p:cBhvr>
+                                      <p:to>
+                                        <p:strVal val="visible"/>
+                                      </p:to>
+                                    </p:set>
+                                    <p:animEffect transition="in" filter="fade">
+                                      <p:cBhvr>
+                                        <p:cTn id="210" dur="250"/>
+                                        <p:tgtEl>
+                                          <p:spTgt spid="56"/>
+                                        </p:tgtEl>
+                                      </p:cBhvr>
+                                    </p:animEffect>
+                                    <p:anim calcmode="lin" valueType="num">
+                                      <p:cBhvr>
+                                        <p:cTn id="211" dur="250" fill="hold"/>
+                                        <p:tgtEl>
+                                          <p:spTgt spid="56"/>
+                                        </p:tgtEl>
+                                        <p:attrNameLst>
+                                          <p:attrName>ppt_x</p:attrName>
+                                        </p:attrNameLst>
+                                      </p:cBhvr>
+                                      <p:tavLst>
+                                        <p:tav tm="0">
+                                          <p:val>
+                                            <p:strVal val="#ppt_x"/>
+                                          </p:val>
+                                        </p:tav>
+                                        <p:tav tm="100000">
+                                          <p:val>
+                                            <p:strVal val="#ppt_x"/>
+                                          </p:val>
+                                        </p:tav>
+                                      </p:tavLst>
+                                    </p:anim>
+                                    <p:anim calcmode="lin" valueType="num">
+                                      <p:cBhvr>
+                                        <p:cTn id="212" dur="250" fill="hold"/>
+                                        <p:tgtEl>
+                                          <p:spTgt spid="56"/>
+                                        </p:tgtEl>
+                                        <p:attrNameLst>
+                                          <p:attrName>ppt_y</p:attrName>
+                                        </p:attrNameLst>
+                                      </p:cBhvr>
+                                      <p:tavLst>
+                                        <p:tav tm="0">
+                                          <p:val>
+                                            <p:strVal val="#ppt_y+.1"/>
+                                          </p:val>
+                                        </p:tav>
+                                        <p:tav tm="100000">
+                                          <p:val>
+                                            <p:strVal val="#ppt_y"/>
+                                          </p:val>
+                                        </p:tav>
+                                      </p:tavLst>
+                                    </p:anim>
+                                  </p:childTnLst>
+                                </p:cTn>
+                              </p:par>
+                            </p:childTnLst>
+                          </p:cTn>
+                        </p:par>
+                        <p:par>
+                          <p:cTn id="213" fill="hold">
+                            <p:stCondLst>
+                              <p:cond delay="1500"/>
+                            </p:stCondLst>
+                            <p:childTnLst>
+                              <p:par>
+                                <p:cTn id="214" presetID="42" presetClass="entr" presetSubtype="0" fill="hold" nodeType="afterEffect">
+                                  <p:stCondLst>
+                                    <p:cond delay="0"/>
+                                  </p:stCondLst>
+                                  <p:childTnLst>
+                                    <p:set>
+                                      <p:cBhvr>
+                                        <p:cTn id="215" dur="1" fill="hold">
+                                          <p:stCondLst>
+                                            <p:cond delay="0"/>
+                                          </p:stCondLst>
+                                        </p:cTn>
+                                        <p:tgtEl>
+                                          <p:spTgt spid="151"/>
+                                        </p:tgtEl>
+                                        <p:attrNameLst>
+                                          <p:attrName>style.visibility</p:attrName>
+                                        </p:attrNameLst>
+                                      </p:cBhvr>
+                                      <p:to>
+                                        <p:strVal val="visible"/>
+                                      </p:to>
+                                    </p:set>
+                                    <p:animEffect transition="in" filter="fade">
+                                      <p:cBhvr>
+                                        <p:cTn id="216" dur="250"/>
+                                        <p:tgtEl>
+                                          <p:spTgt spid="151"/>
+                                        </p:tgtEl>
+                                      </p:cBhvr>
+                                    </p:animEffect>
+                                    <p:anim calcmode="lin" valueType="num">
+                                      <p:cBhvr>
+                                        <p:cTn id="217" dur="250" fill="hold"/>
+                                        <p:tgtEl>
+                                          <p:spTgt spid="151"/>
+                                        </p:tgtEl>
+                                        <p:attrNameLst>
+                                          <p:attrName>ppt_x</p:attrName>
+                                        </p:attrNameLst>
+                                      </p:cBhvr>
+                                      <p:tavLst>
+                                        <p:tav tm="0">
+                                          <p:val>
+                                            <p:strVal val="#ppt_x"/>
+                                          </p:val>
+                                        </p:tav>
+                                        <p:tav tm="100000">
+                                          <p:val>
+                                            <p:strVal val="#ppt_x"/>
+                                          </p:val>
+                                        </p:tav>
+                                      </p:tavLst>
+                                    </p:anim>
+                                    <p:anim calcmode="lin" valueType="num">
+                                      <p:cBhvr>
+                                        <p:cTn id="218" dur="250" fill="hold"/>
+                                        <p:tgtEl>
+                                          <p:spTgt spid="151"/>
+                                        </p:tgtEl>
+                                        <p:attrNameLst>
+                                          <p:attrName>ppt_y</p:attrName>
+                                        </p:attrNameLst>
+                                      </p:cBhvr>
+                                      <p:tavLst>
+                                        <p:tav tm="0">
+                                          <p:val>
+                                            <p:strVal val="#ppt_y+.1"/>
+                                          </p:val>
+                                        </p:tav>
+                                        <p:tav tm="100000">
+                                          <p:val>
+                                            <p:strVal val="#ppt_y"/>
+                                          </p:val>
+                                        </p:tav>
+                                      </p:tavLst>
+                                    </p:anim>
+                                  </p:childTnLst>
+                                </p:cTn>
+                              </p:par>
+                              <p:par>
+                                <p:cTn id="219" presetID="42" presetClass="entr" presetSubtype="0" fill="hold" nodeType="withEffect">
+                                  <p:stCondLst>
+                                    <p:cond delay="0"/>
+                                  </p:stCondLst>
+                                  <p:childTnLst>
+                                    <p:set>
+                                      <p:cBhvr>
+                                        <p:cTn id="220" dur="1" fill="hold">
+                                          <p:stCondLst>
+                                            <p:cond delay="0"/>
+                                          </p:stCondLst>
+                                        </p:cTn>
+                                        <p:tgtEl>
+                                          <p:spTgt spid="58"/>
+                                        </p:tgtEl>
+                                        <p:attrNameLst>
+                                          <p:attrName>style.visibility</p:attrName>
+                                        </p:attrNameLst>
+                                      </p:cBhvr>
+                                      <p:to>
+                                        <p:strVal val="visible"/>
+                                      </p:to>
+                                    </p:set>
+                                    <p:animEffect transition="in" filter="fade">
+                                      <p:cBhvr>
+                                        <p:cTn id="221" dur="250"/>
+                                        <p:tgtEl>
+                                          <p:spTgt spid="58"/>
+                                        </p:tgtEl>
+                                      </p:cBhvr>
+                                    </p:animEffect>
+                                    <p:anim calcmode="lin" valueType="num">
+                                      <p:cBhvr>
+                                        <p:cTn id="222" dur="250" fill="hold"/>
+                                        <p:tgtEl>
+                                          <p:spTgt spid="58"/>
+                                        </p:tgtEl>
+                                        <p:attrNameLst>
+                                          <p:attrName>ppt_x</p:attrName>
+                                        </p:attrNameLst>
+                                      </p:cBhvr>
+                                      <p:tavLst>
+                                        <p:tav tm="0">
+                                          <p:val>
+                                            <p:strVal val="#ppt_x"/>
+                                          </p:val>
+                                        </p:tav>
+                                        <p:tav tm="100000">
+                                          <p:val>
+                                            <p:strVal val="#ppt_x"/>
+                                          </p:val>
+                                        </p:tav>
+                                      </p:tavLst>
+                                    </p:anim>
+                                    <p:anim calcmode="lin" valueType="num">
+                                      <p:cBhvr>
+                                        <p:cTn id="223" dur="250" fill="hold"/>
+                                        <p:tgtEl>
+                                          <p:spTgt spid="58"/>
+                                        </p:tgtEl>
+                                        <p:attrNameLst>
+                                          <p:attrName>ppt_y</p:attrName>
+                                        </p:attrNameLst>
+                                      </p:cBhvr>
+                                      <p:tavLst>
+                                        <p:tav tm="0">
+                                          <p:val>
+                                            <p:strVal val="#ppt_y+.1"/>
+                                          </p:val>
+                                        </p:tav>
+                                        <p:tav tm="100000">
+                                          <p:val>
+                                            <p:strVal val="#ppt_y"/>
+                                          </p:val>
+                                        </p:tav>
+                                      </p:tavLst>
+                                    </p:anim>
+                                  </p:childTnLst>
+                                </p:cTn>
+                              </p:par>
+                            </p:childTnLst>
+                          </p:cTn>
+                        </p:par>
+                        <p:par>
+                          <p:cTn id="224" fill="hold">
+                            <p:stCondLst>
+                              <p:cond delay="1750"/>
+                            </p:stCondLst>
+                            <p:childTnLst>
+                              <p:par>
+                                <p:cTn id="225" presetID="42" presetClass="entr" presetSubtype="0" fill="hold" nodeType="afterEffect">
+                                  <p:stCondLst>
+                                    <p:cond delay="0"/>
+                                  </p:stCondLst>
+                                  <p:childTnLst>
+                                    <p:set>
+                                      <p:cBhvr>
+                                        <p:cTn id="226" dur="1" fill="hold">
+                                          <p:stCondLst>
+                                            <p:cond delay="0"/>
+                                          </p:stCondLst>
+                                        </p:cTn>
+                                        <p:tgtEl>
+                                          <p:spTgt spid="57"/>
+                                        </p:tgtEl>
+                                        <p:attrNameLst>
+                                          <p:attrName>style.visibility</p:attrName>
+                                        </p:attrNameLst>
+                                      </p:cBhvr>
+                                      <p:to>
+                                        <p:strVal val="visible"/>
+                                      </p:to>
+                                    </p:set>
+                                    <p:animEffect transition="in" filter="fade">
+                                      <p:cBhvr>
+                                        <p:cTn id="227" dur="250"/>
+                                        <p:tgtEl>
+                                          <p:spTgt spid="57"/>
+                                        </p:tgtEl>
+                                      </p:cBhvr>
+                                    </p:animEffect>
+                                    <p:anim calcmode="lin" valueType="num">
+                                      <p:cBhvr>
+                                        <p:cTn id="228" dur="250" fill="hold"/>
+                                        <p:tgtEl>
+                                          <p:spTgt spid="57"/>
+                                        </p:tgtEl>
+                                        <p:attrNameLst>
+                                          <p:attrName>ppt_x</p:attrName>
+                                        </p:attrNameLst>
+                                      </p:cBhvr>
+                                      <p:tavLst>
+                                        <p:tav tm="0">
+                                          <p:val>
+                                            <p:strVal val="#ppt_x"/>
+                                          </p:val>
+                                        </p:tav>
+                                        <p:tav tm="100000">
+                                          <p:val>
+                                            <p:strVal val="#ppt_x"/>
+                                          </p:val>
+                                        </p:tav>
+                                      </p:tavLst>
+                                    </p:anim>
+                                    <p:anim calcmode="lin" valueType="num">
+                                      <p:cBhvr>
+                                        <p:cTn id="229" dur="250" fill="hold"/>
+                                        <p:tgtEl>
+                                          <p:spTgt spid="57"/>
+                                        </p:tgtEl>
+                                        <p:attrNameLst>
+                                          <p:attrName>ppt_y</p:attrName>
+                                        </p:attrNameLst>
+                                      </p:cBhvr>
+                                      <p:tavLst>
+                                        <p:tav tm="0">
+                                          <p:val>
+                                            <p:strVal val="#ppt_y+.1"/>
+                                          </p:val>
+                                        </p:tav>
+                                        <p:tav tm="100000">
+                                          <p:val>
+                                            <p:strVal val="#ppt_y"/>
+                                          </p:val>
+                                        </p:tav>
+                                      </p:tavLst>
+                                    </p:anim>
+                                  </p:childTnLst>
+                                </p:cTn>
+                              </p:par>
+                            </p:childTnLst>
+                          </p:cTn>
+                        </p:par>
+                        <p:par>
+                          <p:cTn id="230" fill="hold">
+                            <p:stCondLst>
+                              <p:cond delay="2000"/>
+                            </p:stCondLst>
+                            <p:childTnLst>
+                              <p:par>
+                                <p:cTn id="231" presetID="42" presetClass="entr" presetSubtype="0" fill="hold" grpId="0" nodeType="afterEffect">
+                                  <p:stCondLst>
+                                    <p:cond delay="0"/>
+                                  </p:stCondLst>
+                                  <p:childTnLst>
+                                    <p:set>
+                                      <p:cBhvr>
+                                        <p:cTn id="232" dur="1" fill="hold">
+                                          <p:stCondLst>
+                                            <p:cond delay="0"/>
+                                          </p:stCondLst>
+                                        </p:cTn>
+                                        <p:tgtEl>
+                                          <p:spTgt spid="60"/>
+                                        </p:tgtEl>
+                                        <p:attrNameLst>
+                                          <p:attrName>style.visibility</p:attrName>
+                                        </p:attrNameLst>
+                                      </p:cBhvr>
+                                      <p:to>
+                                        <p:strVal val="visible"/>
+                                      </p:to>
+                                    </p:set>
+                                    <p:animEffect transition="in" filter="fade">
+                                      <p:cBhvr>
+                                        <p:cTn id="233" dur="250"/>
+                                        <p:tgtEl>
+                                          <p:spTgt spid="60"/>
+                                        </p:tgtEl>
+                                      </p:cBhvr>
+                                    </p:animEffect>
+                                    <p:anim calcmode="lin" valueType="num">
+                                      <p:cBhvr>
+                                        <p:cTn id="234" dur="250" fill="hold"/>
+                                        <p:tgtEl>
+                                          <p:spTgt spid="60"/>
+                                        </p:tgtEl>
+                                        <p:attrNameLst>
+                                          <p:attrName>ppt_x</p:attrName>
+                                        </p:attrNameLst>
+                                      </p:cBhvr>
+                                      <p:tavLst>
+                                        <p:tav tm="0">
+                                          <p:val>
+                                            <p:strVal val="#ppt_x"/>
+                                          </p:val>
+                                        </p:tav>
+                                        <p:tav tm="100000">
+                                          <p:val>
+                                            <p:strVal val="#ppt_x"/>
+                                          </p:val>
+                                        </p:tav>
+                                      </p:tavLst>
+                                    </p:anim>
+                                    <p:anim calcmode="lin" valueType="num">
+                                      <p:cBhvr>
+                                        <p:cTn id="235" dur="250" fill="hold"/>
+                                        <p:tgtEl>
+                                          <p:spTgt spid="60"/>
+                                        </p:tgtEl>
+                                        <p:attrNameLst>
+                                          <p:attrName>ppt_y</p:attrName>
+                                        </p:attrNameLst>
+                                      </p:cBhvr>
+                                      <p:tavLst>
+                                        <p:tav tm="0">
+                                          <p:val>
+                                            <p:strVal val="#ppt_y+.1"/>
+                                          </p:val>
+                                        </p:tav>
+                                        <p:tav tm="100000">
+                                          <p:val>
+                                            <p:strVal val="#ppt_y"/>
+                                          </p:val>
+                                        </p:tav>
+                                      </p:tavLst>
+                                    </p:anim>
+                                  </p:childTnLst>
+                                </p:cTn>
+                              </p:par>
+                            </p:childTnLst>
+                          </p:cTn>
+                        </p:par>
+                        <p:par>
+                          <p:cTn id="236" fill="hold">
+                            <p:stCondLst>
+                              <p:cond delay="2250"/>
+                            </p:stCondLst>
+                            <p:childTnLst>
+                              <p:par>
+                                <p:cTn id="237" presetID="42" presetClass="entr" presetSubtype="0" fill="hold" nodeType="afterEffect">
+                                  <p:stCondLst>
+                                    <p:cond delay="0"/>
+                                  </p:stCondLst>
+                                  <p:childTnLst>
+                                    <p:set>
+                                      <p:cBhvr>
+                                        <p:cTn id="238" dur="1" fill="hold">
+                                          <p:stCondLst>
+                                            <p:cond delay="0"/>
+                                          </p:stCondLst>
+                                        </p:cTn>
+                                        <p:tgtEl>
+                                          <p:spTgt spid="61"/>
+                                        </p:tgtEl>
+                                        <p:attrNameLst>
+                                          <p:attrName>style.visibility</p:attrName>
+                                        </p:attrNameLst>
+                                      </p:cBhvr>
+                                      <p:to>
+                                        <p:strVal val="visible"/>
+                                      </p:to>
+                                    </p:set>
+                                    <p:animEffect transition="in" filter="fade">
+                                      <p:cBhvr>
+                                        <p:cTn id="239" dur="250"/>
+                                        <p:tgtEl>
+                                          <p:spTgt spid="61"/>
+                                        </p:tgtEl>
+                                      </p:cBhvr>
+                                    </p:animEffect>
+                                    <p:anim calcmode="lin" valueType="num">
+                                      <p:cBhvr>
+                                        <p:cTn id="240" dur="250" fill="hold"/>
+                                        <p:tgtEl>
+                                          <p:spTgt spid="61"/>
+                                        </p:tgtEl>
+                                        <p:attrNameLst>
+                                          <p:attrName>ppt_x</p:attrName>
+                                        </p:attrNameLst>
+                                      </p:cBhvr>
+                                      <p:tavLst>
+                                        <p:tav tm="0">
+                                          <p:val>
+                                            <p:strVal val="#ppt_x"/>
+                                          </p:val>
+                                        </p:tav>
+                                        <p:tav tm="100000">
+                                          <p:val>
+                                            <p:strVal val="#ppt_x"/>
+                                          </p:val>
+                                        </p:tav>
+                                      </p:tavLst>
+                                    </p:anim>
+                                    <p:anim calcmode="lin" valueType="num">
+                                      <p:cBhvr>
+                                        <p:cTn id="241" dur="250" fill="hold"/>
+                                        <p:tgtEl>
+                                          <p:spTgt spid="61"/>
+                                        </p:tgtEl>
+                                        <p:attrNameLst>
+                                          <p:attrName>ppt_y</p:attrName>
+                                        </p:attrNameLst>
+                                      </p:cBhvr>
+                                      <p:tavLst>
+                                        <p:tav tm="0">
+                                          <p:val>
+                                            <p:strVal val="#ppt_y+.1"/>
+                                          </p:val>
+                                        </p:tav>
+                                        <p:tav tm="100000">
+                                          <p:val>
+                                            <p:strVal val="#ppt_y"/>
+                                          </p:val>
+                                        </p:tav>
+                                      </p:tavLst>
+                                    </p:anim>
+                                  </p:childTnLst>
+                                </p:cTn>
+                              </p:par>
+                            </p:childTnLst>
+                          </p:cTn>
+                        </p:par>
+                        <p:par>
+                          <p:cTn id="242" fill="hold">
+                            <p:stCondLst>
+                              <p:cond delay="2500"/>
+                            </p:stCondLst>
+                            <p:childTnLst>
+                              <p:par>
+                                <p:cTn id="243" presetID="42" presetClass="entr" presetSubtype="0" fill="hold" nodeType="afterEffect">
+                                  <p:stCondLst>
+                                    <p:cond delay="0"/>
+                                  </p:stCondLst>
+                                  <p:childTnLst>
+                                    <p:set>
+                                      <p:cBhvr>
+                                        <p:cTn id="244" dur="1" fill="hold">
+                                          <p:stCondLst>
+                                            <p:cond delay="0"/>
+                                          </p:stCondLst>
+                                        </p:cTn>
+                                        <p:tgtEl>
+                                          <p:spTgt spid="71"/>
+                                        </p:tgtEl>
+                                        <p:attrNameLst>
+                                          <p:attrName>style.visibility</p:attrName>
+                                        </p:attrNameLst>
+                                      </p:cBhvr>
+                                      <p:to>
+                                        <p:strVal val="visible"/>
+                                      </p:to>
+                                    </p:set>
+                                    <p:animEffect transition="in" filter="fade">
+                                      <p:cBhvr>
+                                        <p:cTn id="245" dur="250"/>
+                                        <p:tgtEl>
+                                          <p:spTgt spid="71"/>
+                                        </p:tgtEl>
+                                      </p:cBhvr>
+                                    </p:animEffect>
+                                    <p:anim calcmode="lin" valueType="num">
+                                      <p:cBhvr>
+                                        <p:cTn id="246" dur="250" fill="hold"/>
+                                        <p:tgtEl>
+                                          <p:spTgt spid="71"/>
+                                        </p:tgtEl>
+                                        <p:attrNameLst>
+                                          <p:attrName>ppt_x</p:attrName>
+                                        </p:attrNameLst>
+                                      </p:cBhvr>
+                                      <p:tavLst>
+                                        <p:tav tm="0">
+                                          <p:val>
+                                            <p:strVal val="#ppt_x"/>
+                                          </p:val>
+                                        </p:tav>
+                                        <p:tav tm="100000">
+                                          <p:val>
+                                            <p:strVal val="#ppt_x"/>
+                                          </p:val>
+                                        </p:tav>
+                                      </p:tavLst>
+                                    </p:anim>
+                                    <p:anim calcmode="lin" valueType="num">
+                                      <p:cBhvr>
+                                        <p:cTn id="247" dur="250" fill="hold"/>
+                                        <p:tgtEl>
+                                          <p:spTgt spid="71"/>
+                                        </p:tgtEl>
+                                        <p:attrNameLst>
+                                          <p:attrName>ppt_y</p:attrName>
+                                        </p:attrNameLst>
+                                      </p:cBhvr>
+                                      <p:tavLst>
+                                        <p:tav tm="0">
+                                          <p:val>
+                                            <p:strVal val="#ppt_y+.1"/>
+                                          </p:val>
+                                        </p:tav>
+                                        <p:tav tm="100000">
+                                          <p:val>
+                                            <p:strVal val="#ppt_y"/>
+                                          </p:val>
+                                        </p:tav>
+                                      </p:tavLst>
+                                    </p:anim>
+                                  </p:childTnLst>
+                                </p:cTn>
+                              </p:par>
+                            </p:childTnLst>
+                          </p:cTn>
+                        </p:par>
+                        <p:par>
+                          <p:cTn id="248" fill="hold">
+                            <p:stCondLst>
+                              <p:cond delay="2750"/>
+                            </p:stCondLst>
+                            <p:childTnLst>
+                              <p:par>
+                                <p:cTn id="249" presetID="42" presetClass="entr" presetSubtype="0" fill="hold" grpId="0" nodeType="afterEffect">
+                                  <p:stCondLst>
+                                    <p:cond delay="0"/>
+                                  </p:stCondLst>
+                                  <p:childTnLst>
+                                    <p:set>
+                                      <p:cBhvr>
+                                        <p:cTn id="250" dur="1" fill="hold">
+                                          <p:stCondLst>
+                                            <p:cond delay="0"/>
+                                          </p:stCondLst>
+                                        </p:cTn>
+                                        <p:tgtEl>
+                                          <p:spTgt spid="62"/>
+                                        </p:tgtEl>
+                                        <p:attrNameLst>
+                                          <p:attrName>style.visibility</p:attrName>
+                                        </p:attrNameLst>
+                                      </p:cBhvr>
+                                      <p:to>
+                                        <p:strVal val="visible"/>
+                                      </p:to>
+                                    </p:set>
+                                    <p:animEffect transition="in" filter="fade">
+                                      <p:cBhvr>
+                                        <p:cTn id="251" dur="250"/>
+                                        <p:tgtEl>
+                                          <p:spTgt spid="62"/>
+                                        </p:tgtEl>
+                                      </p:cBhvr>
+                                    </p:animEffect>
+                                    <p:anim calcmode="lin" valueType="num">
+                                      <p:cBhvr>
+                                        <p:cTn id="252" dur="250" fill="hold"/>
+                                        <p:tgtEl>
+                                          <p:spTgt spid="62"/>
+                                        </p:tgtEl>
+                                        <p:attrNameLst>
+                                          <p:attrName>ppt_x</p:attrName>
+                                        </p:attrNameLst>
+                                      </p:cBhvr>
+                                      <p:tavLst>
+                                        <p:tav tm="0">
+                                          <p:val>
+                                            <p:strVal val="#ppt_x"/>
+                                          </p:val>
+                                        </p:tav>
+                                        <p:tav tm="100000">
+                                          <p:val>
+                                            <p:strVal val="#ppt_x"/>
+                                          </p:val>
+                                        </p:tav>
+                                      </p:tavLst>
+                                    </p:anim>
+                                    <p:anim calcmode="lin" valueType="num">
+                                      <p:cBhvr>
+                                        <p:cTn id="253" dur="250" fill="hold"/>
+                                        <p:tgtEl>
+                                          <p:spTgt spid="62"/>
+                                        </p:tgtEl>
+                                        <p:attrNameLst>
+                                          <p:attrName>ppt_y</p:attrName>
+                                        </p:attrNameLst>
+                                      </p:cBhvr>
+                                      <p:tavLst>
+                                        <p:tav tm="0">
+                                          <p:val>
+                                            <p:strVal val="#ppt_y+.1"/>
+                                          </p:val>
+                                        </p:tav>
+                                        <p:tav tm="100000">
+                                          <p:val>
+                                            <p:strVal val="#ppt_y"/>
+                                          </p:val>
+                                        </p:tav>
+                                      </p:tavLst>
+                                    </p:anim>
+                                  </p:childTnLst>
+                                </p:cTn>
+                              </p:par>
+                            </p:childTnLst>
+                          </p:cTn>
+                        </p:par>
+                        <p:par>
+                          <p:cTn id="254" fill="hold">
+                            <p:stCondLst>
+                              <p:cond delay="3000"/>
+                            </p:stCondLst>
+                            <p:childTnLst>
+                              <p:par>
+                                <p:cTn id="255" presetID="42" presetClass="entr" presetSubtype="0" fill="hold" nodeType="afterEffect">
+                                  <p:stCondLst>
+                                    <p:cond delay="0"/>
+                                  </p:stCondLst>
+                                  <p:childTnLst>
+                                    <p:set>
+                                      <p:cBhvr>
+                                        <p:cTn id="256" dur="1" fill="hold">
+                                          <p:stCondLst>
+                                            <p:cond delay="0"/>
+                                          </p:stCondLst>
+                                        </p:cTn>
+                                        <p:tgtEl>
+                                          <p:spTgt spid="68"/>
+                                        </p:tgtEl>
+                                        <p:attrNameLst>
+                                          <p:attrName>style.visibility</p:attrName>
+                                        </p:attrNameLst>
+                                      </p:cBhvr>
+                                      <p:to>
+                                        <p:strVal val="visible"/>
+                                      </p:to>
+                                    </p:set>
+                                    <p:animEffect transition="in" filter="fade">
+                                      <p:cBhvr>
+                                        <p:cTn id="257" dur="250"/>
+                                        <p:tgtEl>
+                                          <p:spTgt spid="68"/>
+                                        </p:tgtEl>
+                                      </p:cBhvr>
+                                    </p:animEffect>
+                                    <p:anim calcmode="lin" valueType="num">
+                                      <p:cBhvr>
+                                        <p:cTn id="258" dur="250" fill="hold"/>
+                                        <p:tgtEl>
+                                          <p:spTgt spid="68"/>
+                                        </p:tgtEl>
+                                        <p:attrNameLst>
+                                          <p:attrName>ppt_x</p:attrName>
+                                        </p:attrNameLst>
+                                      </p:cBhvr>
+                                      <p:tavLst>
+                                        <p:tav tm="0">
+                                          <p:val>
+                                            <p:strVal val="#ppt_x"/>
+                                          </p:val>
+                                        </p:tav>
+                                        <p:tav tm="100000">
+                                          <p:val>
+                                            <p:strVal val="#ppt_x"/>
+                                          </p:val>
+                                        </p:tav>
+                                      </p:tavLst>
+                                    </p:anim>
+                                    <p:anim calcmode="lin" valueType="num">
+                                      <p:cBhvr>
+                                        <p:cTn id="259" dur="250" fill="hold"/>
+                                        <p:tgtEl>
+                                          <p:spTgt spid="68"/>
+                                        </p:tgtEl>
+                                        <p:attrNameLst>
+                                          <p:attrName>ppt_y</p:attrName>
+                                        </p:attrNameLst>
+                                      </p:cBhvr>
+                                      <p:tavLst>
+                                        <p:tav tm="0">
+                                          <p:val>
+                                            <p:strVal val="#ppt_y+.1"/>
+                                          </p:val>
+                                        </p:tav>
+                                        <p:tav tm="100000">
+                                          <p:val>
+                                            <p:strVal val="#ppt_y"/>
+                                          </p:val>
+                                        </p:tav>
+                                      </p:tavLst>
+                                    </p:anim>
+                                  </p:childTnLst>
+                                </p:cTn>
+                              </p:par>
+                            </p:childTnLst>
+                          </p:cTn>
+                        </p:par>
+                        <p:par>
+                          <p:cTn id="260" fill="hold">
+                            <p:stCondLst>
+                              <p:cond delay="3250"/>
+                            </p:stCondLst>
+                            <p:childTnLst>
+                              <p:par>
+                                <p:cTn id="261" presetID="42" presetClass="entr" presetSubtype="0" fill="hold" nodeType="afterEffect">
+                                  <p:stCondLst>
+                                    <p:cond delay="0"/>
+                                  </p:stCondLst>
+                                  <p:childTnLst>
+                                    <p:set>
+                                      <p:cBhvr>
+                                        <p:cTn id="262" dur="1" fill="hold">
+                                          <p:stCondLst>
+                                            <p:cond delay="0"/>
+                                          </p:stCondLst>
+                                        </p:cTn>
+                                        <p:tgtEl>
+                                          <p:spTgt spid="67"/>
+                                        </p:tgtEl>
+                                        <p:attrNameLst>
+                                          <p:attrName>style.visibility</p:attrName>
+                                        </p:attrNameLst>
+                                      </p:cBhvr>
+                                      <p:to>
+                                        <p:strVal val="visible"/>
+                                      </p:to>
+                                    </p:set>
+                                    <p:animEffect transition="in" filter="fade">
+                                      <p:cBhvr>
+                                        <p:cTn id="263" dur="250"/>
+                                        <p:tgtEl>
+                                          <p:spTgt spid="67"/>
+                                        </p:tgtEl>
+                                      </p:cBhvr>
+                                    </p:animEffect>
+                                    <p:anim calcmode="lin" valueType="num">
+                                      <p:cBhvr>
+                                        <p:cTn id="264" dur="250" fill="hold"/>
+                                        <p:tgtEl>
+                                          <p:spTgt spid="67"/>
+                                        </p:tgtEl>
+                                        <p:attrNameLst>
+                                          <p:attrName>ppt_x</p:attrName>
+                                        </p:attrNameLst>
+                                      </p:cBhvr>
+                                      <p:tavLst>
+                                        <p:tav tm="0">
+                                          <p:val>
+                                            <p:strVal val="#ppt_x"/>
+                                          </p:val>
+                                        </p:tav>
+                                        <p:tav tm="100000">
+                                          <p:val>
+                                            <p:strVal val="#ppt_x"/>
+                                          </p:val>
+                                        </p:tav>
+                                      </p:tavLst>
+                                    </p:anim>
+                                    <p:anim calcmode="lin" valueType="num">
+                                      <p:cBhvr>
+                                        <p:cTn id="265" dur="250" fill="hold"/>
+                                        <p:tgtEl>
+                                          <p:spTgt spid="67"/>
+                                        </p:tgtEl>
+                                        <p:attrNameLst>
+                                          <p:attrName>ppt_y</p:attrName>
+                                        </p:attrNameLst>
+                                      </p:cBhvr>
+                                      <p:tavLst>
+                                        <p:tav tm="0">
+                                          <p:val>
+                                            <p:strVal val="#ppt_y+.1"/>
+                                          </p:val>
+                                        </p:tav>
+                                        <p:tav tm="100000">
+                                          <p:val>
+                                            <p:strVal val="#ppt_y"/>
+                                          </p:val>
+                                        </p:tav>
+                                      </p:tavLst>
+                                    </p:anim>
+                                  </p:childTnLst>
+                                </p:cTn>
+                              </p:par>
+                            </p:childTnLst>
+                          </p:cTn>
+                        </p:par>
+                        <p:par>
+                          <p:cTn id="266" fill="hold">
+                            <p:stCondLst>
+                              <p:cond delay="3500"/>
+                            </p:stCondLst>
+                            <p:childTnLst>
+                              <p:par>
+                                <p:cTn id="267" presetID="42" presetClass="entr" presetSubtype="0" fill="hold" grpId="0" nodeType="afterEffect">
+                                  <p:stCondLst>
+                                    <p:cond delay="0"/>
+                                  </p:stCondLst>
+                                  <p:childTnLst>
+                                    <p:set>
+                                      <p:cBhvr>
+                                        <p:cTn id="268" dur="1" fill="hold">
+                                          <p:stCondLst>
+                                            <p:cond delay="0"/>
+                                          </p:stCondLst>
+                                        </p:cTn>
+                                        <p:tgtEl>
+                                          <p:spTgt spid="66"/>
+                                        </p:tgtEl>
+                                        <p:attrNameLst>
+                                          <p:attrName>style.visibility</p:attrName>
+                                        </p:attrNameLst>
+                                      </p:cBhvr>
+                                      <p:to>
+                                        <p:strVal val="visible"/>
+                                      </p:to>
+                                    </p:set>
+                                    <p:animEffect transition="in" filter="fade">
+                                      <p:cBhvr>
+                                        <p:cTn id="269" dur="250"/>
+                                        <p:tgtEl>
+                                          <p:spTgt spid="66"/>
+                                        </p:tgtEl>
+                                      </p:cBhvr>
+                                    </p:animEffect>
+                                    <p:anim calcmode="lin" valueType="num">
+                                      <p:cBhvr>
+                                        <p:cTn id="270" dur="250" fill="hold"/>
+                                        <p:tgtEl>
+                                          <p:spTgt spid="66"/>
+                                        </p:tgtEl>
+                                        <p:attrNameLst>
+                                          <p:attrName>ppt_x</p:attrName>
+                                        </p:attrNameLst>
+                                      </p:cBhvr>
+                                      <p:tavLst>
+                                        <p:tav tm="0">
+                                          <p:val>
+                                            <p:strVal val="#ppt_x"/>
+                                          </p:val>
+                                        </p:tav>
+                                        <p:tav tm="100000">
+                                          <p:val>
+                                            <p:strVal val="#ppt_x"/>
+                                          </p:val>
+                                        </p:tav>
+                                      </p:tavLst>
+                                    </p:anim>
+                                    <p:anim calcmode="lin" valueType="num">
+                                      <p:cBhvr>
+                                        <p:cTn id="271" dur="250" fill="hold"/>
+                                        <p:tgtEl>
+                                          <p:spTgt spid="66"/>
+                                        </p:tgtEl>
+                                        <p:attrNameLst>
+                                          <p:attrName>ppt_y</p:attrName>
+                                        </p:attrNameLst>
+                                      </p:cBhvr>
+                                      <p:tavLst>
+                                        <p:tav tm="0">
+                                          <p:val>
+                                            <p:strVal val="#ppt_y+.1"/>
+                                          </p:val>
+                                        </p:tav>
+                                        <p:tav tm="100000">
+                                          <p:val>
+                                            <p:strVal val="#ppt_y"/>
+                                          </p:val>
+                                        </p:tav>
+                                      </p:tavLst>
+                                    </p:anim>
+                                  </p:childTnLst>
+                                </p:cTn>
+                              </p:par>
+                            </p:childTnLst>
+                          </p:cTn>
+                        </p:par>
+                        <p:par>
+                          <p:cTn id="272" fill="hold">
+                            <p:stCondLst>
+                              <p:cond delay="3750"/>
+                            </p:stCondLst>
+                            <p:childTnLst>
+                              <p:par>
+                                <p:cTn id="273" presetID="42" presetClass="entr" presetSubtype="0" fill="hold" nodeType="afterEffect">
+                                  <p:stCondLst>
+                                    <p:cond delay="0"/>
+                                  </p:stCondLst>
+                                  <p:childTnLst>
+                                    <p:set>
+                                      <p:cBhvr>
+                                        <p:cTn id="274" dur="1" fill="hold">
+                                          <p:stCondLst>
+                                            <p:cond delay="0"/>
+                                          </p:stCondLst>
+                                        </p:cTn>
+                                        <p:tgtEl>
+                                          <p:spTgt spid="70"/>
+                                        </p:tgtEl>
+                                        <p:attrNameLst>
+                                          <p:attrName>style.visibility</p:attrName>
+                                        </p:attrNameLst>
+                                      </p:cBhvr>
+                                      <p:to>
+                                        <p:strVal val="visible"/>
+                                      </p:to>
+                                    </p:set>
+                                    <p:animEffect transition="in" filter="fade">
+                                      <p:cBhvr>
+                                        <p:cTn id="275" dur="250"/>
+                                        <p:tgtEl>
+                                          <p:spTgt spid="70"/>
+                                        </p:tgtEl>
+                                      </p:cBhvr>
+                                    </p:animEffect>
+                                    <p:anim calcmode="lin" valueType="num">
+                                      <p:cBhvr>
+                                        <p:cTn id="276" dur="250" fill="hold"/>
+                                        <p:tgtEl>
+                                          <p:spTgt spid="70"/>
+                                        </p:tgtEl>
+                                        <p:attrNameLst>
+                                          <p:attrName>ppt_x</p:attrName>
+                                        </p:attrNameLst>
+                                      </p:cBhvr>
+                                      <p:tavLst>
+                                        <p:tav tm="0">
+                                          <p:val>
+                                            <p:strVal val="#ppt_x"/>
+                                          </p:val>
+                                        </p:tav>
+                                        <p:tav tm="100000">
+                                          <p:val>
+                                            <p:strVal val="#ppt_x"/>
+                                          </p:val>
+                                        </p:tav>
+                                      </p:tavLst>
+                                    </p:anim>
+                                    <p:anim calcmode="lin" valueType="num">
+                                      <p:cBhvr>
+                                        <p:cTn id="277" dur="250" fill="hold"/>
+                                        <p:tgtEl>
+                                          <p:spTgt spid="70"/>
+                                        </p:tgtEl>
+                                        <p:attrNameLst>
+                                          <p:attrName>ppt_y</p:attrName>
+                                        </p:attrNameLst>
+                                      </p:cBhvr>
+                                      <p:tavLst>
+                                        <p:tav tm="0">
+                                          <p:val>
+                                            <p:strVal val="#ppt_y+.1"/>
+                                          </p:val>
+                                        </p:tav>
+                                        <p:tav tm="100000">
+                                          <p:val>
+                                            <p:strVal val="#ppt_y"/>
+                                          </p:val>
+                                        </p:tav>
+                                      </p:tavLst>
+                                    </p:anim>
+                                  </p:childTnLst>
+                                </p:cTn>
+                              </p:par>
+                            </p:childTnLst>
+                          </p:cTn>
+                        </p:par>
+                        <p:par>
+                          <p:cTn id="278" fill="hold">
+                            <p:stCondLst>
+                              <p:cond delay="4000"/>
+                            </p:stCondLst>
+                            <p:childTnLst>
+                              <p:par>
+                                <p:cTn id="279" presetID="42" presetClass="entr" presetSubtype="0" fill="hold" grpId="0" nodeType="afterEffect">
+                                  <p:stCondLst>
+                                    <p:cond delay="0"/>
+                                  </p:stCondLst>
+                                  <p:childTnLst>
+                                    <p:set>
+                                      <p:cBhvr>
+                                        <p:cTn id="280" dur="1" fill="hold">
+                                          <p:stCondLst>
+                                            <p:cond delay="0"/>
+                                          </p:stCondLst>
+                                        </p:cTn>
+                                        <p:tgtEl>
+                                          <p:spTgt spid="69"/>
+                                        </p:tgtEl>
+                                        <p:attrNameLst>
+                                          <p:attrName>style.visibility</p:attrName>
+                                        </p:attrNameLst>
+                                      </p:cBhvr>
+                                      <p:to>
+                                        <p:strVal val="visible"/>
+                                      </p:to>
+                                    </p:set>
+                                    <p:animEffect transition="in" filter="fade">
+                                      <p:cBhvr>
+                                        <p:cTn id="281" dur="250"/>
+                                        <p:tgtEl>
+                                          <p:spTgt spid="69"/>
+                                        </p:tgtEl>
+                                      </p:cBhvr>
+                                    </p:animEffect>
+                                    <p:anim calcmode="lin" valueType="num">
+                                      <p:cBhvr>
+                                        <p:cTn id="282" dur="250" fill="hold"/>
+                                        <p:tgtEl>
+                                          <p:spTgt spid="69"/>
+                                        </p:tgtEl>
+                                        <p:attrNameLst>
+                                          <p:attrName>ppt_x</p:attrName>
+                                        </p:attrNameLst>
+                                      </p:cBhvr>
+                                      <p:tavLst>
+                                        <p:tav tm="0">
+                                          <p:val>
+                                            <p:strVal val="#ppt_x"/>
+                                          </p:val>
+                                        </p:tav>
+                                        <p:tav tm="100000">
+                                          <p:val>
+                                            <p:strVal val="#ppt_x"/>
+                                          </p:val>
+                                        </p:tav>
+                                      </p:tavLst>
+                                    </p:anim>
+                                    <p:anim calcmode="lin" valueType="num">
+                                      <p:cBhvr>
+                                        <p:cTn id="283" dur="250" fill="hold"/>
+                                        <p:tgtEl>
+                                          <p:spTgt spid="69"/>
+                                        </p:tgtEl>
+                                        <p:attrNameLst>
+                                          <p:attrName>ppt_y</p:attrName>
+                                        </p:attrNameLst>
+                                      </p:cBhvr>
+                                      <p:tavLst>
+                                        <p:tav tm="0">
+                                          <p:val>
+                                            <p:strVal val="#ppt_y+.1"/>
+                                          </p:val>
+                                        </p:tav>
+                                        <p:tav tm="100000">
+                                          <p:val>
+                                            <p:strVal val="#ppt_y"/>
+                                          </p:val>
+                                        </p:tav>
+                                      </p:tavLst>
+                                    </p:anim>
+                                  </p:childTnLst>
+                                </p:cTn>
+                              </p:par>
+                            </p:childTnLst>
+                          </p:cTn>
+                        </p:par>
+                      </p:childTnLst>
+                    </p:cTn>
+                  </p:par>
+                </p:childTnLst>
+              </p:cTn>
+              <p:prevCondLst>
+                <p:cond evt="onPrev" delay="0">
+                  <p:tgtEl>
+                    <p:sldTgt/>
+                  </p:tgtEl>
+                </p:cond>
+              </p:prevCondLst>
+              <p:nextCondLst>
+                <p:cond evt="onNext" delay="0">
+                  <p:tgtEl>
+                    <p:sldTgt/>
+                  </p:tgtEl>
+                </p:cond>
+              </p:nextCondLst>
+            </p:seq>
+          </p:childTnLst>
+        </p:cTn>
+      </p:par>
+    </p:tnLst>
+    <p:bldLst>
+      <p:bldP spid="2" grpId="0"/>
+      <p:bldP spid="11" grpId="0" animBg="1"/>
+      <p:bldP spid="12" grpId="0"/>
+      <p:bldP spid="15" grpId="0"/>
+      <p:bldP spid="16" grpId="0"/>
+      <p:bldP spid="19" grpId="0" animBg="1"/>
+      <p:bldP spid="20" grpId="0"/>
+      <p:bldP spid="21" grpId="0"/>
+      <p:bldP spid="25" grpId="0"/>
+      <p:bldP spid="54" grpId="0" animBg="1"/>
+      <p:bldP spid="56" grpId="0"/>
+      <p:bldP spid="60" grpId="0"/>
+      <p:bldP spid="62" grpId="0"/>
+      <p:bldP spid="66" grpId="0"/>
+      <p:bldP spid="69" grpId="0"/>
+      <p:bldP spid="146" grpId="0"/>
+    </p:bldLst>
+  </p:timing>
 </p:sld>
 </file>
 
@@ -8098,1594 +13176,6 @@
           <a:chExt cx="0" cy="0"/>
         </a:xfrm>
       </p:grpSpPr>
-      <p:pic>
-        <p:nvPicPr>
-          <p:cNvPr id="47" name="Imagem 46">
-            <a:extLst>
-              <a:ext uri="{FF2B5EF4-FFF2-40B4-BE49-F238E27FC236}">
-                <a16:creationId xmlns:a16="http://schemas.microsoft.com/office/drawing/2014/main" id="{C420A09E-1C1E-4759-888E-7C40293A40D5}"/>
-              </a:ext>
-            </a:extLst>
-          </p:cNvPr>
-          <p:cNvPicPr>
-            <a:picLocks noChangeAspect="1"/>
-          </p:cNvPicPr>
-          <p:nvPr/>
-        </p:nvPicPr>
-        <p:blipFill>
-          <a:blip r:embed="rId2">
-            <a:extLst>
-              <a:ext uri="{28A0092B-C50C-407E-A947-70E740481C1C}">
-                <a14:useLocalDpi xmlns:a14="http://schemas.microsoft.com/office/drawing/2010/main" val="0"/>
-              </a:ext>
-            </a:extLst>
-          </a:blip>
-          <a:stretch>
-            <a:fillRect/>
-          </a:stretch>
-        </p:blipFill>
-        <p:spPr>
-          <a:xfrm>
-            <a:off x="5852470" y="1614904"/>
-            <a:ext cx="1054123" cy="1054123"/>
-          </a:xfrm>
-          <a:prstGeom prst="rect">
-            <a:avLst/>
-          </a:prstGeom>
-        </p:spPr>
-      </p:pic>
-      <p:sp>
-        <p:nvSpPr>
-          <p:cNvPr id="50" name="CaixaDeTexto 49">
-            <a:extLst>
-              <a:ext uri="{FF2B5EF4-FFF2-40B4-BE49-F238E27FC236}">
-                <a16:creationId xmlns:a16="http://schemas.microsoft.com/office/drawing/2014/main" id="{5EDD4B75-A3C9-4CAC-B173-C0EB492855BA}"/>
-              </a:ext>
-            </a:extLst>
-          </p:cNvPr>
-          <p:cNvSpPr txBox="1"/>
-          <p:nvPr/>
-        </p:nvSpPr>
-        <p:spPr>
-          <a:xfrm>
-            <a:off x="6001844" y="1290810"/>
-            <a:ext cx="755374" cy="369332"/>
-          </a:xfrm>
-          <a:prstGeom prst="rect">
-            <a:avLst/>
-          </a:prstGeom>
-          <a:noFill/>
-        </p:spPr>
-        <p:txBody>
-          <a:bodyPr wrap="square" rtlCol="0">
-            <a:spAutoFit/>
-          </a:bodyPr>
-          <a:lstStyle/>
-          <a:p>
-            <a:r>
-              <a:rPr lang="pt-BR" dirty="0"/>
-              <a:t>Cloud</a:t>
-            </a:r>
-          </a:p>
-        </p:txBody>
-      </p:sp>
-      <p:cxnSp>
-        <p:nvCxnSpPr>
-          <p:cNvPr id="64" name="Conector de Seta Reta 63">
-            <a:extLst>
-              <a:ext uri="{FF2B5EF4-FFF2-40B4-BE49-F238E27FC236}">
-                <a16:creationId xmlns:a16="http://schemas.microsoft.com/office/drawing/2014/main" id="{6FD0C9B8-315E-4942-87AE-E7AA60292DAC}"/>
-              </a:ext>
-            </a:extLst>
-          </p:cNvPr>
-          <p:cNvCxnSpPr>
-            <a:cxnSpLocks/>
-            <a:stCxn id="47" idx="2"/>
-          </p:cNvCxnSpPr>
-          <p:nvPr/>
-        </p:nvCxnSpPr>
-        <p:spPr>
-          <a:xfrm flipH="1">
-            <a:off x="6367263" y="2669027"/>
-            <a:ext cx="12269" cy="773737"/>
-          </a:xfrm>
-          <a:prstGeom prst="straightConnector1">
-            <a:avLst/>
-          </a:prstGeom>
-          <a:ln>
-            <a:tailEnd type="triangle"/>
-          </a:ln>
-        </p:spPr>
-        <p:style>
-          <a:lnRef idx="1">
-            <a:schemeClr val="accent2"/>
-          </a:lnRef>
-          <a:fillRef idx="0">
-            <a:schemeClr val="accent2"/>
-          </a:fillRef>
-          <a:effectRef idx="0">
-            <a:schemeClr val="accent2"/>
-          </a:effectRef>
-          <a:fontRef idx="minor">
-            <a:schemeClr val="tx1"/>
-          </a:fontRef>
-        </p:style>
-      </p:cxnSp>
-      <p:sp>
-        <p:nvSpPr>
-          <p:cNvPr id="81" name="CaixaDeTexto 80">
-            <a:extLst>
-              <a:ext uri="{FF2B5EF4-FFF2-40B4-BE49-F238E27FC236}">
-                <a16:creationId xmlns:a16="http://schemas.microsoft.com/office/drawing/2014/main" id="{64B2BCCB-0349-4743-82BC-234E15483295}"/>
-              </a:ext>
-            </a:extLst>
-          </p:cNvPr>
-          <p:cNvSpPr txBox="1"/>
-          <p:nvPr/>
-        </p:nvSpPr>
-        <p:spPr>
-          <a:xfrm>
-            <a:off x="4660548" y="186705"/>
-            <a:ext cx="3460371" cy="523220"/>
-          </a:xfrm>
-          <a:prstGeom prst="rect">
-            <a:avLst/>
-          </a:prstGeom>
-          <a:noFill/>
-        </p:spPr>
-        <p:txBody>
-          <a:bodyPr wrap="none" rtlCol="0">
-            <a:spAutoFit/>
-          </a:bodyPr>
-          <a:lstStyle/>
-          <a:p>
-            <a:r>
-              <a:rPr lang="pt-BR" sz="2800" u="sng" dirty="0"/>
-              <a:t>LOW LEVEL DESIGN - 2</a:t>
-            </a:r>
-          </a:p>
-        </p:txBody>
-      </p:sp>
-      <p:sp>
-        <p:nvSpPr>
-          <p:cNvPr id="2" name="CaixaDeTexto 1">
-            <a:extLst>
-              <a:ext uri="{FF2B5EF4-FFF2-40B4-BE49-F238E27FC236}">
-                <a16:creationId xmlns:a16="http://schemas.microsoft.com/office/drawing/2014/main" id="{AC6396BD-4232-431F-9CB0-CA934C925E12}"/>
-              </a:ext>
-            </a:extLst>
-          </p:cNvPr>
-          <p:cNvSpPr txBox="1"/>
-          <p:nvPr/>
-        </p:nvSpPr>
-        <p:spPr>
-          <a:xfrm>
-            <a:off x="5400299" y="3442764"/>
-            <a:ext cx="1933927" cy="1200329"/>
-          </a:xfrm>
-          <a:prstGeom prst="rect">
-            <a:avLst/>
-          </a:prstGeom>
-          <a:noFill/>
-        </p:spPr>
-        <p:txBody>
-          <a:bodyPr wrap="none" rtlCol="0">
-            <a:spAutoFit/>
-          </a:bodyPr>
-          <a:lstStyle/>
-          <a:p>
-            <a:pPr algn="ctr"/>
-            <a:r>
-              <a:rPr lang="pt-BR" dirty="0"/>
-              <a:t>Microsoft Azure:</a:t>
-            </a:r>
-          </a:p>
-          <a:p>
-            <a:pPr algn="ctr"/>
-            <a:r>
-              <a:rPr lang="pt-BR" dirty="0" err="1"/>
-              <a:t>SQLServer</a:t>
-            </a:r>
-            <a:r>
-              <a:rPr lang="pt-BR" dirty="0"/>
-              <a:t> ;</a:t>
-            </a:r>
-          </a:p>
-          <a:p>
-            <a:pPr algn="ctr"/>
-            <a:r>
-              <a:rPr lang="pt-BR" dirty="0" err="1"/>
-              <a:t>NodeJS</a:t>
-            </a:r>
-            <a:r>
-              <a:rPr lang="pt-BR" dirty="0"/>
-              <a:t> ;</a:t>
-            </a:r>
-          </a:p>
-          <a:p>
-            <a:pPr algn="ctr"/>
-            <a:r>
-              <a:rPr lang="pt-BR" dirty="0"/>
-              <a:t>Hospedagem Site ;</a:t>
-            </a:r>
-          </a:p>
-        </p:txBody>
-      </p:sp>
-      <p:sp>
-        <p:nvSpPr>
-          <p:cNvPr id="28" name="CaixaDeTexto 27">
-            <a:extLst>
-              <a:ext uri="{FF2B5EF4-FFF2-40B4-BE49-F238E27FC236}">
-                <a16:creationId xmlns:a16="http://schemas.microsoft.com/office/drawing/2014/main" id="{7A2EA0FE-2B66-46C9-9A01-5397AE64E9C5}"/>
-              </a:ext>
-            </a:extLst>
-          </p:cNvPr>
-          <p:cNvSpPr txBox="1"/>
-          <p:nvPr/>
-        </p:nvSpPr>
-        <p:spPr>
-          <a:xfrm>
-            <a:off x="8987080" y="5696489"/>
-            <a:ext cx="1113183" cy="646331"/>
-          </a:xfrm>
-          <a:prstGeom prst="rect">
-            <a:avLst/>
-          </a:prstGeom>
-          <a:noFill/>
-        </p:spPr>
-        <p:txBody>
-          <a:bodyPr wrap="square" rtlCol="0">
-            <a:spAutoFit/>
-          </a:bodyPr>
-          <a:lstStyle/>
-          <a:p>
-            <a:r>
-              <a:rPr lang="pt-BR" dirty="0"/>
-              <a:t>Legenda:</a:t>
-            </a:r>
-          </a:p>
-          <a:p>
-            <a:endParaRPr lang="pt-BR" dirty="0"/>
-          </a:p>
-        </p:txBody>
-      </p:sp>
-      <p:cxnSp>
-        <p:nvCxnSpPr>
-          <p:cNvPr id="29" name="Conector de Seta Reta 28">
-            <a:extLst>
-              <a:ext uri="{FF2B5EF4-FFF2-40B4-BE49-F238E27FC236}">
-                <a16:creationId xmlns:a16="http://schemas.microsoft.com/office/drawing/2014/main" id="{7EB57579-9089-40E0-9698-51E3AEF16487}"/>
-              </a:ext>
-            </a:extLst>
-          </p:cNvPr>
-          <p:cNvCxnSpPr>
-            <a:cxnSpLocks/>
-          </p:cNvCxnSpPr>
-          <p:nvPr/>
-        </p:nvCxnSpPr>
-        <p:spPr>
-          <a:xfrm>
-            <a:off x="9130748" y="6207346"/>
-            <a:ext cx="766272" cy="0"/>
-          </a:xfrm>
-          <a:prstGeom prst="straightConnector1">
-            <a:avLst/>
-          </a:prstGeom>
-          <a:ln>
-            <a:tailEnd type="triangle"/>
-          </a:ln>
-        </p:spPr>
-        <p:style>
-          <a:lnRef idx="1">
-            <a:schemeClr val="accent2"/>
-          </a:lnRef>
-          <a:fillRef idx="0">
-            <a:schemeClr val="accent2"/>
-          </a:fillRef>
-          <a:effectRef idx="0">
-            <a:schemeClr val="accent2"/>
-          </a:effectRef>
-          <a:fontRef idx="minor">
-            <a:schemeClr val="tx1"/>
-          </a:fontRef>
-        </p:style>
-      </p:cxnSp>
-      <p:cxnSp>
-        <p:nvCxnSpPr>
-          <p:cNvPr id="30" name="Conector de Seta Reta 29">
-            <a:extLst>
-              <a:ext uri="{FF2B5EF4-FFF2-40B4-BE49-F238E27FC236}">
-                <a16:creationId xmlns:a16="http://schemas.microsoft.com/office/drawing/2014/main" id="{21F01E55-4315-459A-805C-0D22D34D30BF}"/>
-              </a:ext>
-            </a:extLst>
-          </p:cNvPr>
-          <p:cNvCxnSpPr>
-            <a:cxnSpLocks/>
-          </p:cNvCxnSpPr>
-          <p:nvPr/>
-        </p:nvCxnSpPr>
-        <p:spPr>
-          <a:xfrm flipV="1">
-            <a:off x="9130748" y="6528350"/>
-            <a:ext cx="766272" cy="1"/>
-          </a:xfrm>
-          <a:prstGeom prst="straightConnector1">
-            <a:avLst/>
-          </a:prstGeom>
-          <a:ln>
-            <a:tailEnd type="triangle"/>
-          </a:ln>
-        </p:spPr>
-        <p:style>
-          <a:lnRef idx="1">
-            <a:schemeClr val="dk1"/>
-          </a:lnRef>
-          <a:fillRef idx="0">
-            <a:schemeClr val="dk1"/>
-          </a:fillRef>
-          <a:effectRef idx="0">
-            <a:schemeClr val="dk1"/>
-          </a:effectRef>
-          <a:fontRef idx="minor">
-            <a:schemeClr val="tx1"/>
-          </a:fontRef>
-        </p:style>
-      </p:cxnSp>
-      <p:sp>
-        <p:nvSpPr>
-          <p:cNvPr id="31" name="Retângulo 30">
-            <a:extLst>
-              <a:ext uri="{FF2B5EF4-FFF2-40B4-BE49-F238E27FC236}">
-                <a16:creationId xmlns:a16="http://schemas.microsoft.com/office/drawing/2014/main" id="{97FAF733-C174-4BCF-BACE-406699CFEA06}"/>
-              </a:ext>
-            </a:extLst>
-          </p:cNvPr>
-          <p:cNvSpPr/>
-          <p:nvPr/>
-        </p:nvSpPr>
-        <p:spPr>
-          <a:xfrm>
-            <a:off x="8987080" y="5557990"/>
-            <a:ext cx="2939877" cy="1187367"/>
-          </a:xfrm>
-          <a:prstGeom prst="rect">
-            <a:avLst/>
-          </a:prstGeom>
-          <a:noFill/>
-          <a:ln>
-            <a:solidFill>
-              <a:schemeClr val="tx1"/>
-            </a:solidFill>
-          </a:ln>
-        </p:spPr>
-        <p:style>
-          <a:lnRef idx="2">
-            <a:schemeClr val="accent1">
-              <a:shade val="50000"/>
-            </a:schemeClr>
-          </a:lnRef>
-          <a:fillRef idx="1">
-            <a:schemeClr val="accent1"/>
-          </a:fillRef>
-          <a:effectRef idx="0">
-            <a:schemeClr val="accent1"/>
-          </a:effectRef>
-          <a:fontRef idx="minor">
-            <a:schemeClr val="lt1"/>
-          </a:fontRef>
-        </p:style>
-        <p:txBody>
-          <a:bodyPr rtlCol="0" anchor="ctr"/>
-          <a:lstStyle/>
-          <a:p>
-            <a:pPr algn="ctr"/>
-            <a:endParaRPr lang="pt-BR"/>
-          </a:p>
-        </p:txBody>
-      </p:sp>
-      <p:sp>
-        <p:nvSpPr>
-          <p:cNvPr id="32" name="CaixaDeTexto 31">
-            <a:extLst>
-              <a:ext uri="{FF2B5EF4-FFF2-40B4-BE49-F238E27FC236}">
-                <a16:creationId xmlns:a16="http://schemas.microsoft.com/office/drawing/2014/main" id="{7E084733-3A69-48DC-8F42-BDF970A5336E}"/>
-              </a:ext>
-            </a:extLst>
-          </p:cNvPr>
-          <p:cNvSpPr txBox="1"/>
-          <p:nvPr/>
-        </p:nvSpPr>
-        <p:spPr>
-          <a:xfrm>
-            <a:off x="9897020" y="6354201"/>
-            <a:ext cx="1589089" cy="369332"/>
-          </a:xfrm>
-          <a:prstGeom prst="rect">
-            <a:avLst/>
-          </a:prstGeom>
-          <a:noFill/>
-        </p:spPr>
-        <p:txBody>
-          <a:bodyPr wrap="none" rtlCol="0">
-            <a:spAutoFit/>
-          </a:bodyPr>
-          <a:lstStyle/>
-          <a:p>
-            <a:r>
-              <a:rPr lang="pt-BR" dirty="0"/>
-              <a:t>Fluxo de dados</a:t>
-            </a:r>
-          </a:p>
-        </p:txBody>
-      </p:sp>
-      <p:sp>
-        <p:nvSpPr>
-          <p:cNvPr id="33" name="CaixaDeTexto 32">
-            <a:extLst>
-              <a:ext uri="{FF2B5EF4-FFF2-40B4-BE49-F238E27FC236}">
-                <a16:creationId xmlns:a16="http://schemas.microsoft.com/office/drawing/2014/main" id="{872F5E15-80AD-444A-900F-EA6B219AD795}"/>
-              </a:ext>
-            </a:extLst>
-          </p:cNvPr>
-          <p:cNvSpPr txBox="1"/>
-          <p:nvPr/>
-        </p:nvSpPr>
-        <p:spPr>
-          <a:xfrm>
-            <a:off x="9897020" y="6019654"/>
-            <a:ext cx="1432765" cy="369332"/>
-          </a:xfrm>
-          <a:prstGeom prst="rect">
-            <a:avLst/>
-          </a:prstGeom>
-          <a:noFill/>
-        </p:spPr>
-        <p:txBody>
-          <a:bodyPr wrap="none" rtlCol="0">
-            <a:spAutoFit/>
-          </a:bodyPr>
-          <a:lstStyle/>
-          <a:p>
-            <a:r>
-              <a:rPr lang="pt-BR" dirty="0"/>
-              <a:t>Especificação</a:t>
-            </a:r>
-          </a:p>
-        </p:txBody>
-      </p:sp>
-    </p:spTree>
-    <p:extLst>
-      <p:ext uri="{BB962C8B-B14F-4D97-AF65-F5344CB8AC3E}">
-        <p14:creationId xmlns:p14="http://schemas.microsoft.com/office/powerpoint/2010/main" val="1558858827"/>
-      </p:ext>
-    </p:extLst>
-  </p:cSld>
-  <p:clrMapOvr>
-    <a:masterClrMapping/>
-  </p:clrMapOvr>
-</p:sld>
-</file>
-
-<file path=ppt/slides/slide5.xml><?xml version="1.0" encoding="utf-8"?>
-<p:sld xmlns:a="http://schemas.openxmlformats.org/drawingml/2006/main" xmlns:r="http://schemas.openxmlformats.org/officeDocument/2006/relationships" xmlns:p="http://schemas.openxmlformats.org/presentationml/2006/main">
-  <p:cSld>
-    <p:spTree>
-      <p:nvGrpSpPr>
-        <p:cNvPr id="1" name=""/>
-        <p:cNvGrpSpPr/>
-        <p:nvPr/>
-      </p:nvGrpSpPr>
-      <p:grpSpPr>
-        <a:xfrm>
-          <a:off x="0" y="0"/>
-          <a:ext cx="0" cy="0"/>
-          <a:chOff x="0" y="0"/>
-          <a:chExt cx="0" cy="0"/>
-        </a:xfrm>
-      </p:grpSpPr>
-      <p:pic>
-        <p:nvPicPr>
-          <p:cNvPr id="43" name="Imagem 42">
-            <a:extLst>
-              <a:ext uri="{FF2B5EF4-FFF2-40B4-BE49-F238E27FC236}">
-                <a16:creationId xmlns:a16="http://schemas.microsoft.com/office/drawing/2014/main" id="{56716E1A-5587-43FE-9067-FC0EF4D50B15}"/>
-              </a:ext>
-            </a:extLst>
-          </p:cNvPr>
-          <p:cNvPicPr>
-            <a:picLocks noChangeAspect="1"/>
-          </p:cNvPicPr>
-          <p:nvPr/>
-        </p:nvPicPr>
-        <p:blipFill>
-          <a:blip r:embed="rId2">
-            <a:extLst>
-              <a:ext uri="{28A0092B-C50C-407E-A947-70E740481C1C}">
-                <a14:useLocalDpi xmlns:a14="http://schemas.microsoft.com/office/drawing/2010/main" val="0"/>
-              </a:ext>
-            </a:extLst>
-          </a:blip>
-          <a:stretch>
-            <a:fillRect/>
-          </a:stretch>
-        </p:blipFill>
-        <p:spPr>
-          <a:xfrm>
-            <a:off x="2057098" y="1746025"/>
-            <a:ext cx="842193" cy="842193"/>
-          </a:xfrm>
-          <a:prstGeom prst="rect">
-            <a:avLst/>
-          </a:prstGeom>
-        </p:spPr>
-      </p:pic>
-      <p:sp>
-        <p:nvSpPr>
-          <p:cNvPr id="44" name="Retângulo 43">
-            <a:extLst>
-              <a:ext uri="{FF2B5EF4-FFF2-40B4-BE49-F238E27FC236}">
-                <a16:creationId xmlns:a16="http://schemas.microsoft.com/office/drawing/2014/main" id="{4F79897C-504E-4246-9176-78E08D3A5A46}"/>
-              </a:ext>
-            </a:extLst>
-          </p:cNvPr>
-          <p:cNvSpPr/>
-          <p:nvPr/>
-        </p:nvSpPr>
-        <p:spPr>
-          <a:xfrm>
-            <a:off x="291548" y="1621050"/>
-            <a:ext cx="3763618" cy="1092144"/>
-          </a:xfrm>
-          <a:prstGeom prst="rect">
-            <a:avLst/>
-          </a:prstGeom>
-          <a:noFill/>
-          <a:ln>
-            <a:solidFill>
-              <a:schemeClr val="tx1"/>
-            </a:solidFill>
-          </a:ln>
-        </p:spPr>
-        <p:style>
-          <a:lnRef idx="2">
-            <a:schemeClr val="accent1">
-              <a:shade val="50000"/>
-            </a:schemeClr>
-          </a:lnRef>
-          <a:fillRef idx="1">
-            <a:schemeClr val="accent1"/>
-          </a:fillRef>
-          <a:effectRef idx="0">
-            <a:schemeClr val="accent1"/>
-          </a:effectRef>
-          <a:fontRef idx="minor">
-            <a:schemeClr val="lt1"/>
-          </a:fontRef>
-        </p:style>
-        <p:txBody>
-          <a:bodyPr rtlCol="0" anchor="ctr"/>
-          <a:lstStyle/>
-          <a:p>
-            <a:pPr algn="ctr"/>
-            <a:endParaRPr lang="pt-BR"/>
-          </a:p>
-        </p:txBody>
-      </p:sp>
-      <p:pic>
-        <p:nvPicPr>
-          <p:cNvPr id="49" name="Imagem 48">
-            <a:extLst>
-              <a:ext uri="{FF2B5EF4-FFF2-40B4-BE49-F238E27FC236}">
-                <a16:creationId xmlns:a16="http://schemas.microsoft.com/office/drawing/2014/main" id="{305661DB-7EAC-4478-A2E3-90EEB6B3ED8E}"/>
-              </a:ext>
-            </a:extLst>
-          </p:cNvPr>
-          <p:cNvPicPr>
-            <a:picLocks noChangeAspect="1"/>
-          </p:cNvPicPr>
-          <p:nvPr/>
-        </p:nvPicPr>
-        <p:blipFill>
-          <a:blip r:embed="rId3">
-            <a:extLst>
-              <a:ext uri="{28A0092B-C50C-407E-A947-70E740481C1C}">
-                <a14:useLocalDpi xmlns:a14="http://schemas.microsoft.com/office/drawing/2010/main" val="0"/>
-              </a:ext>
-            </a:extLst>
-          </a:blip>
-          <a:stretch>
-            <a:fillRect/>
-          </a:stretch>
-        </p:blipFill>
-        <p:spPr>
-          <a:xfrm>
-            <a:off x="5820716" y="2329883"/>
-            <a:ext cx="1231639" cy="1231639"/>
-          </a:xfrm>
-          <a:prstGeom prst="rect">
-            <a:avLst/>
-          </a:prstGeom>
-        </p:spPr>
-      </p:pic>
-      <p:sp>
-        <p:nvSpPr>
-          <p:cNvPr id="54" name="CaixaDeTexto 53">
-            <a:extLst>
-              <a:ext uri="{FF2B5EF4-FFF2-40B4-BE49-F238E27FC236}">
-                <a16:creationId xmlns:a16="http://schemas.microsoft.com/office/drawing/2014/main" id="{76FDA5EB-D1E5-4B40-9EBA-BE7C69F2CE81}"/>
-              </a:ext>
-            </a:extLst>
-          </p:cNvPr>
-          <p:cNvSpPr txBox="1"/>
-          <p:nvPr/>
-        </p:nvSpPr>
-        <p:spPr>
-          <a:xfrm>
-            <a:off x="291547" y="1797789"/>
-            <a:ext cx="1825417" cy="738664"/>
-          </a:xfrm>
-          <a:prstGeom prst="rect">
-            <a:avLst/>
-          </a:prstGeom>
-          <a:noFill/>
-        </p:spPr>
-        <p:txBody>
-          <a:bodyPr wrap="square" rtlCol="0">
-            <a:spAutoFit/>
-          </a:bodyPr>
-          <a:lstStyle/>
-          <a:p>
-            <a:pPr algn="ctr"/>
-            <a:r>
-              <a:rPr lang="pt-BR" sz="1400" dirty="0"/>
-              <a:t>Responsável pela área</a:t>
-            </a:r>
-          </a:p>
-          <a:p>
-            <a:pPr algn="ctr"/>
-            <a:r>
-              <a:rPr lang="pt-BR" sz="1400" dirty="0"/>
-              <a:t>  +</a:t>
-            </a:r>
-          </a:p>
-          <a:p>
-            <a:pPr algn="ctr"/>
-            <a:r>
-              <a:rPr lang="pt-BR" sz="1400" dirty="0"/>
-              <a:t> Moradores locais </a:t>
-            </a:r>
-          </a:p>
-        </p:txBody>
-      </p:sp>
-      <p:pic>
-        <p:nvPicPr>
-          <p:cNvPr id="55" name="Imagem 54">
-            <a:extLst>
-              <a:ext uri="{FF2B5EF4-FFF2-40B4-BE49-F238E27FC236}">
-                <a16:creationId xmlns:a16="http://schemas.microsoft.com/office/drawing/2014/main" id="{D50C4EB2-70DB-4D8C-96FF-157BC2FA604F}"/>
-              </a:ext>
-            </a:extLst>
-          </p:cNvPr>
-          <p:cNvPicPr>
-            <a:picLocks noChangeAspect="1"/>
-          </p:cNvPicPr>
-          <p:nvPr/>
-        </p:nvPicPr>
-        <p:blipFill>
-          <a:blip r:embed="rId2">
-            <a:extLst>
-              <a:ext uri="{28A0092B-C50C-407E-A947-70E740481C1C}">
-                <a14:useLocalDpi xmlns:a14="http://schemas.microsoft.com/office/drawing/2010/main" val="0"/>
-              </a:ext>
-            </a:extLst>
-          </a:blip>
-          <a:stretch>
-            <a:fillRect/>
-          </a:stretch>
-        </p:blipFill>
-        <p:spPr>
-          <a:xfrm>
-            <a:off x="6061487" y="4835961"/>
-            <a:ext cx="750093" cy="842193"/>
-          </a:xfrm>
-          <a:prstGeom prst="rect">
-            <a:avLst/>
-          </a:prstGeom>
-        </p:spPr>
-      </p:pic>
-      <p:cxnSp>
-        <p:nvCxnSpPr>
-          <p:cNvPr id="56" name="Conector de Seta Reta 55">
-            <a:extLst>
-              <a:ext uri="{FF2B5EF4-FFF2-40B4-BE49-F238E27FC236}">
-                <a16:creationId xmlns:a16="http://schemas.microsoft.com/office/drawing/2014/main" id="{38B86E87-8903-47F9-9807-A3C03A5B140A}"/>
-              </a:ext>
-            </a:extLst>
-          </p:cNvPr>
-          <p:cNvCxnSpPr>
-            <a:cxnSpLocks/>
-            <a:stCxn id="89" idx="2"/>
-            <a:endCxn id="55" idx="0"/>
-          </p:cNvCxnSpPr>
-          <p:nvPr/>
-        </p:nvCxnSpPr>
-        <p:spPr>
-          <a:xfrm flipH="1">
-            <a:off x="6436534" y="3783974"/>
-            <a:ext cx="1" cy="1051987"/>
-          </a:xfrm>
-          <a:prstGeom prst="straightConnector1">
-            <a:avLst/>
-          </a:prstGeom>
-          <a:ln>
-            <a:tailEnd type="triangle"/>
-          </a:ln>
-        </p:spPr>
-        <p:style>
-          <a:lnRef idx="1">
-            <a:schemeClr val="dk1"/>
-          </a:lnRef>
-          <a:fillRef idx="0">
-            <a:schemeClr val="dk1"/>
-          </a:fillRef>
-          <a:effectRef idx="0">
-            <a:schemeClr val="dk1"/>
-          </a:effectRef>
-          <a:fontRef idx="minor">
-            <a:schemeClr val="tx1"/>
-          </a:fontRef>
-        </p:style>
-      </p:cxnSp>
-      <p:cxnSp>
-        <p:nvCxnSpPr>
-          <p:cNvPr id="62" name="Conector de Seta Reta 61">
-            <a:extLst>
-              <a:ext uri="{FF2B5EF4-FFF2-40B4-BE49-F238E27FC236}">
-                <a16:creationId xmlns:a16="http://schemas.microsoft.com/office/drawing/2014/main" id="{54B6AF81-1CA7-41D1-8BED-AE8B8CCB8FFB}"/>
-              </a:ext>
-            </a:extLst>
-          </p:cNvPr>
-          <p:cNvCxnSpPr>
-            <a:stCxn id="49" idx="1"/>
-            <a:endCxn id="43" idx="3"/>
-          </p:cNvCxnSpPr>
-          <p:nvPr/>
-        </p:nvCxnSpPr>
-        <p:spPr>
-          <a:xfrm flipH="1" flipV="1">
-            <a:off x="2899291" y="2167122"/>
-            <a:ext cx="2921425" cy="778581"/>
-          </a:xfrm>
-          <a:prstGeom prst="straightConnector1">
-            <a:avLst/>
-          </a:prstGeom>
-          <a:ln>
-            <a:tailEnd type="triangle"/>
-          </a:ln>
-        </p:spPr>
-        <p:style>
-          <a:lnRef idx="1">
-            <a:schemeClr val="dk1"/>
-          </a:lnRef>
-          <a:fillRef idx="0">
-            <a:schemeClr val="dk1"/>
-          </a:fillRef>
-          <a:effectRef idx="0">
-            <a:schemeClr val="dk1"/>
-          </a:effectRef>
-          <a:fontRef idx="minor">
-            <a:schemeClr val="tx1"/>
-          </a:fontRef>
-        </p:style>
-      </p:cxnSp>
-      <p:sp>
-        <p:nvSpPr>
-          <p:cNvPr id="66" name="CaixaDeTexto 65">
-            <a:extLst>
-              <a:ext uri="{FF2B5EF4-FFF2-40B4-BE49-F238E27FC236}">
-                <a16:creationId xmlns:a16="http://schemas.microsoft.com/office/drawing/2014/main" id="{1805CB6A-F90A-4834-9574-D614BD9E96D4}"/>
-              </a:ext>
-            </a:extLst>
-          </p:cNvPr>
-          <p:cNvSpPr txBox="1"/>
-          <p:nvPr/>
-        </p:nvSpPr>
-        <p:spPr>
-          <a:xfrm>
-            <a:off x="5865434" y="5773053"/>
-            <a:ext cx="1142198" cy="523220"/>
-          </a:xfrm>
-          <a:prstGeom prst="rect">
-            <a:avLst/>
-          </a:prstGeom>
-          <a:noFill/>
-        </p:spPr>
-        <p:txBody>
-          <a:bodyPr wrap="square" rtlCol="0">
-            <a:spAutoFit/>
-          </a:bodyPr>
-          <a:lstStyle/>
-          <a:p>
-            <a:pPr algn="ctr"/>
-            <a:r>
-              <a:rPr lang="pt-BR" sz="1400" dirty="0"/>
-              <a:t>Proprietário</a:t>
-            </a:r>
-          </a:p>
-          <a:p>
-            <a:pPr algn="ctr"/>
-            <a:r>
-              <a:rPr lang="pt-BR" sz="1400" dirty="0"/>
-              <a:t>da área</a:t>
-            </a:r>
-          </a:p>
-        </p:txBody>
-      </p:sp>
-      <p:sp>
-        <p:nvSpPr>
-          <p:cNvPr id="81" name="CaixaDeTexto 80">
-            <a:extLst>
-              <a:ext uri="{FF2B5EF4-FFF2-40B4-BE49-F238E27FC236}">
-                <a16:creationId xmlns:a16="http://schemas.microsoft.com/office/drawing/2014/main" id="{64B2BCCB-0349-4743-82BC-234E15483295}"/>
-              </a:ext>
-            </a:extLst>
-          </p:cNvPr>
-          <p:cNvSpPr txBox="1"/>
-          <p:nvPr/>
-        </p:nvSpPr>
-        <p:spPr>
-          <a:xfrm>
-            <a:off x="4660548" y="186705"/>
-            <a:ext cx="3460371" cy="523220"/>
-          </a:xfrm>
-          <a:prstGeom prst="rect">
-            <a:avLst/>
-          </a:prstGeom>
-          <a:noFill/>
-        </p:spPr>
-        <p:txBody>
-          <a:bodyPr wrap="none" rtlCol="0">
-            <a:spAutoFit/>
-          </a:bodyPr>
-          <a:lstStyle/>
-          <a:p>
-            <a:r>
-              <a:rPr lang="pt-BR" sz="2800" u="sng" dirty="0"/>
-              <a:t>LOW LEVEL DESIGN - 3</a:t>
-            </a:r>
-          </a:p>
-        </p:txBody>
-      </p:sp>
-      <p:cxnSp>
-        <p:nvCxnSpPr>
-          <p:cNvPr id="85" name="Conector de Seta Reta 84">
-            <a:extLst>
-              <a:ext uri="{FF2B5EF4-FFF2-40B4-BE49-F238E27FC236}">
-                <a16:creationId xmlns:a16="http://schemas.microsoft.com/office/drawing/2014/main" id="{17E21D0C-1C38-4D67-8E11-1B84B18EDBC3}"/>
-              </a:ext>
-            </a:extLst>
-          </p:cNvPr>
-          <p:cNvCxnSpPr>
-            <a:cxnSpLocks/>
-            <a:stCxn id="49" idx="3"/>
-          </p:cNvCxnSpPr>
-          <p:nvPr/>
-        </p:nvCxnSpPr>
-        <p:spPr>
-          <a:xfrm flipV="1">
-            <a:off x="7052355" y="2292097"/>
-            <a:ext cx="2766663" cy="653606"/>
-          </a:xfrm>
-          <a:prstGeom prst="straightConnector1">
-            <a:avLst/>
-          </a:prstGeom>
-          <a:ln>
-            <a:tailEnd type="triangle"/>
-          </a:ln>
-        </p:spPr>
-        <p:style>
-          <a:lnRef idx="1">
-            <a:schemeClr val="dk1"/>
-          </a:lnRef>
-          <a:fillRef idx="0">
-            <a:schemeClr val="dk1"/>
-          </a:fillRef>
-          <a:effectRef idx="0">
-            <a:schemeClr val="dk1"/>
-          </a:effectRef>
-          <a:fontRef idx="minor">
-            <a:schemeClr val="tx1"/>
-          </a:fontRef>
-        </p:style>
-      </p:cxnSp>
-      <p:sp>
-        <p:nvSpPr>
-          <p:cNvPr id="88" name="CaixaDeTexto 87">
-            <a:extLst>
-              <a:ext uri="{FF2B5EF4-FFF2-40B4-BE49-F238E27FC236}">
-                <a16:creationId xmlns:a16="http://schemas.microsoft.com/office/drawing/2014/main" id="{32A3627A-A8BC-40A1-80C6-818C880192A6}"/>
-              </a:ext>
-            </a:extLst>
-          </p:cNvPr>
-          <p:cNvSpPr txBox="1"/>
-          <p:nvPr/>
-        </p:nvSpPr>
-        <p:spPr>
-          <a:xfrm>
-            <a:off x="9446196" y="1234548"/>
-            <a:ext cx="2148560" cy="369332"/>
-          </a:xfrm>
-          <a:prstGeom prst="rect">
-            <a:avLst/>
-          </a:prstGeom>
-          <a:noFill/>
-        </p:spPr>
-        <p:txBody>
-          <a:bodyPr wrap="square" rtlCol="0">
-            <a:spAutoFit/>
-          </a:bodyPr>
-          <a:lstStyle/>
-          <a:p>
-            <a:r>
-              <a:rPr lang="pt-BR" dirty="0"/>
-              <a:t>Corpo de Bombeiros</a:t>
-            </a:r>
-          </a:p>
-        </p:txBody>
-      </p:sp>
-      <p:sp>
-        <p:nvSpPr>
-          <p:cNvPr id="89" name="CaixaDeTexto 88">
-            <a:extLst>
-              <a:ext uri="{FF2B5EF4-FFF2-40B4-BE49-F238E27FC236}">
-                <a16:creationId xmlns:a16="http://schemas.microsoft.com/office/drawing/2014/main" id="{C6B96EED-90AD-4824-80AD-0962B352F586}"/>
-              </a:ext>
-            </a:extLst>
-          </p:cNvPr>
-          <p:cNvSpPr txBox="1"/>
-          <p:nvPr/>
-        </p:nvSpPr>
-        <p:spPr>
-          <a:xfrm>
-            <a:off x="5939781" y="3414642"/>
-            <a:ext cx="993507" cy="369332"/>
-          </a:xfrm>
-          <a:prstGeom prst="rect">
-            <a:avLst/>
-          </a:prstGeom>
-          <a:noFill/>
-        </p:spPr>
-        <p:txBody>
-          <a:bodyPr wrap="square" rtlCol="0">
-            <a:spAutoFit/>
-          </a:bodyPr>
-          <a:lstStyle/>
-          <a:p>
-            <a:r>
-              <a:rPr lang="pt-BR" dirty="0"/>
-              <a:t>Internet</a:t>
-            </a:r>
-          </a:p>
-        </p:txBody>
-      </p:sp>
-      <p:sp>
-        <p:nvSpPr>
-          <p:cNvPr id="27" name="CaixaDeTexto 26">
-            <a:extLst>
-              <a:ext uri="{FF2B5EF4-FFF2-40B4-BE49-F238E27FC236}">
-                <a16:creationId xmlns:a16="http://schemas.microsoft.com/office/drawing/2014/main" id="{2E049343-F406-4B1D-AB94-5D34ABCFB13F}"/>
-              </a:ext>
-            </a:extLst>
-          </p:cNvPr>
-          <p:cNvSpPr txBox="1"/>
-          <p:nvPr/>
-        </p:nvSpPr>
-        <p:spPr>
-          <a:xfrm>
-            <a:off x="1261132" y="1237320"/>
-            <a:ext cx="2075778" cy="369332"/>
-          </a:xfrm>
-          <a:prstGeom prst="rect">
-            <a:avLst/>
-          </a:prstGeom>
-          <a:noFill/>
-        </p:spPr>
-        <p:txBody>
-          <a:bodyPr wrap="square" rtlCol="0">
-            <a:spAutoFit/>
-          </a:bodyPr>
-          <a:lstStyle/>
-          <a:p>
-            <a:r>
-              <a:rPr lang="pt-BR" dirty="0"/>
-              <a:t>Área Monitorada</a:t>
-            </a:r>
-          </a:p>
-        </p:txBody>
-      </p:sp>
-      <p:pic>
-        <p:nvPicPr>
-          <p:cNvPr id="46" name="Imagem 45">
-            <a:extLst>
-              <a:ext uri="{FF2B5EF4-FFF2-40B4-BE49-F238E27FC236}">
-                <a16:creationId xmlns:a16="http://schemas.microsoft.com/office/drawing/2014/main" id="{6DBE0AD1-4E48-4E17-9110-D81F37790B15}"/>
-              </a:ext>
-            </a:extLst>
-          </p:cNvPr>
-          <p:cNvPicPr>
-            <a:picLocks noChangeAspect="1"/>
-          </p:cNvPicPr>
-          <p:nvPr/>
-        </p:nvPicPr>
-        <p:blipFill>
-          <a:blip r:embed="rId4">
-            <a:extLst>
-              <a:ext uri="{28A0092B-C50C-407E-A947-70E740481C1C}">
-                <a14:useLocalDpi xmlns:a14="http://schemas.microsoft.com/office/drawing/2010/main" val="0"/>
-              </a:ext>
-            </a:extLst>
-          </a:blip>
-          <a:stretch>
-            <a:fillRect/>
-          </a:stretch>
-        </p:blipFill>
-        <p:spPr>
-          <a:xfrm>
-            <a:off x="5909472" y="1143222"/>
-            <a:ext cx="1054123" cy="1054123"/>
-          </a:xfrm>
-          <a:prstGeom prst="rect">
-            <a:avLst/>
-          </a:prstGeom>
-        </p:spPr>
-      </p:pic>
-      <p:cxnSp>
-        <p:nvCxnSpPr>
-          <p:cNvPr id="26" name="Conector de Seta Reta 25">
-            <a:extLst>
-              <a:ext uri="{FF2B5EF4-FFF2-40B4-BE49-F238E27FC236}">
-                <a16:creationId xmlns:a16="http://schemas.microsoft.com/office/drawing/2014/main" id="{4170BA55-263A-4333-ACB1-3FF6E92FCF88}"/>
-              </a:ext>
-            </a:extLst>
-          </p:cNvPr>
-          <p:cNvCxnSpPr>
-            <a:cxnSpLocks/>
-            <a:stCxn id="46" idx="2"/>
-            <a:endCxn id="49" idx="0"/>
-          </p:cNvCxnSpPr>
-          <p:nvPr/>
-        </p:nvCxnSpPr>
-        <p:spPr>
-          <a:xfrm>
-            <a:off x="6436534" y="2197345"/>
-            <a:ext cx="2" cy="132538"/>
-          </a:xfrm>
-          <a:prstGeom prst="straightConnector1">
-            <a:avLst/>
-          </a:prstGeom>
-          <a:ln>
-            <a:tailEnd type="triangle"/>
-          </a:ln>
-        </p:spPr>
-        <p:style>
-          <a:lnRef idx="1">
-            <a:schemeClr val="dk1"/>
-          </a:lnRef>
-          <a:fillRef idx="0">
-            <a:schemeClr val="dk1"/>
-          </a:fillRef>
-          <a:effectRef idx="0">
-            <a:schemeClr val="dk1"/>
-          </a:effectRef>
-          <a:fontRef idx="minor">
-            <a:schemeClr val="tx1"/>
-          </a:fontRef>
-        </p:style>
-      </p:cxnSp>
-      <p:sp>
-        <p:nvSpPr>
-          <p:cNvPr id="29" name="CaixaDeTexto 28">
-            <a:extLst>
-              <a:ext uri="{FF2B5EF4-FFF2-40B4-BE49-F238E27FC236}">
-                <a16:creationId xmlns:a16="http://schemas.microsoft.com/office/drawing/2014/main" id="{3F1C8241-1873-4B2D-AD08-779D6E47832F}"/>
-              </a:ext>
-            </a:extLst>
-          </p:cNvPr>
-          <p:cNvSpPr txBox="1"/>
-          <p:nvPr/>
-        </p:nvSpPr>
-        <p:spPr>
-          <a:xfrm>
-            <a:off x="1858301" y="4091530"/>
-            <a:ext cx="2144498" cy="369332"/>
-          </a:xfrm>
-          <a:prstGeom prst="rect">
-            <a:avLst/>
-          </a:prstGeom>
-          <a:noFill/>
-        </p:spPr>
-        <p:txBody>
-          <a:bodyPr wrap="none" rtlCol="0">
-            <a:spAutoFit/>
-          </a:bodyPr>
-          <a:lstStyle/>
-          <a:p>
-            <a:r>
-              <a:rPr lang="pt-BR" dirty="0"/>
-              <a:t>Notificação por SMS:</a:t>
-            </a:r>
-          </a:p>
-        </p:txBody>
-      </p:sp>
-      <p:cxnSp>
-        <p:nvCxnSpPr>
-          <p:cNvPr id="34" name="Conector de Seta Reta 33">
-            <a:extLst>
-              <a:ext uri="{FF2B5EF4-FFF2-40B4-BE49-F238E27FC236}">
-                <a16:creationId xmlns:a16="http://schemas.microsoft.com/office/drawing/2014/main" id="{EC95D59C-4882-49DB-AB24-F8990DE3AE53}"/>
-              </a:ext>
-            </a:extLst>
-          </p:cNvPr>
-          <p:cNvCxnSpPr>
-            <a:cxnSpLocks/>
-            <a:endCxn id="29" idx="3"/>
-          </p:cNvCxnSpPr>
-          <p:nvPr/>
-        </p:nvCxnSpPr>
-        <p:spPr>
-          <a:xfrm flipH="1">
-            <a:off x="4002799" y="4276196"/>
-            <a:ext cx="2433746" cy="0"/>
-          </a:xfrm>
-          <a:prstGeom prst="straightConnector1">
-            <a:avLst/>
-          </a:prstGeom>
-          <a:ln>
-            <a:tailEnd type="triangle"/>
-          </a:ln>
-        </p:spPr>
-        <p:style>
-          <a:lnRef idx="1">
-            <a:schemeClr val="accent2"/>
-          </a:lnRef>
-          <a:fillRef idx="0">
-            <a:schemeClr val="accent2"/>
-          </a:fillRef>
-          <a:effectRef idx="0">
-            <a:schemeClr val="accent2"/>
-          </a:effectRef>
-          <a:fontRef idx="minor">
-            <a:schemeClr val="tx1"/>
-          </a:fontRef>
-        </p:style>
-      </p:cxnSp>
-      <p:cxnSp>
-        <p:nvCxnSpPr>
-          <p:cNvPr id="37" name="Conector de Seta Reta 36">
-            <a:extLst>
-              <a:ext uri="{FF2B5EF4-FFF2-40B4-BE49-F238E27FC236}">
-                <a16:creationId xmlns:a16="http://schemas.microsoft.com/office/drawing/2014/main" id="{84E59DFA-917D-48CB-946D-C11FDCD0DD17}"/>
-              </a:ext>
-            </a:extLst>
-          </p:cNvPr>
-          <p:cNvCxnSpPr/>
-          <p:nvPr/>
-        </p:nvCxnSpPr>
-        <p:spPr>
-          <a:xfrm flipH="1">
-            <a:off x="3617843" y="2588218"/>
-            <a:ext cx="940905" cy="1503312"/>
-          </a:xfrm>
-          <a:prstGeom prst="straightConnector1">
-            <a:avLst/>
-          </a:prstGeom>
-          <a:ln>
-            <a:tailEnd type="triangle"/>
-          </a:ln>
-        </p:spPr>
-        <p:style>
-          <a:lnRef idx="1">
-            <a:schemeClr val="accent2"/>
-          </a:lnRef>
-          <a:fillRef idx="0">
-            <a:schemeClr val="accent2"/>
-          </a:fillRef>
-          <a:effectRef idx="0">
-            <a:schemeClr val="accent2"/>
-          </a:effectRef>
-          <a:fontRef idx="minor">
-            <a:schemeClr val="tx1"/>
-          </a:fontRef>
-        </p:style>
-      </p:cxnSp>
-      <p:sp>
-        <p:nvSpPr>
-          <p:cNvPr id="57" name="CaixaDeTexto 56">
-            <a:extLst>
-              <a:ext uri="{FF2B5EF4-FFF2-40B4-BE49-F238E27FC236}">
-                <a16:creationId xmlns:a16="http://schemas.microsoft.com/office/drawing/2014/main" id="{6F51DE65-5F8C-406C-8D10-FBCA1D102DBE}"/>
-              </a:ext>
-            </a:extLst>
-          </p:cNvPr>
-          <p:cNvSpPr txBox="1"/>
-          <p:nvPr/>
-        </p:nvSpPr>
-        <p:spPr>
-          <a:xfrm>
-            <a:off x="8435686" y="4091530"/>
-            <a:ext cx="2561663" cy="646331"/>
-          </a:xfrm>
-          <a:prstGeom prst="rect">
-            <a:avLst/>
-          </a:prstGeom>
-          <a:noFill/>
-        </p:spPr>
-        <p:txBody>
-          <a:bodyPr wrap="none" rtlCol="0">
-            <a:spAutoFit/>
-          </a:bodyPr>
-          <a:lstStyle/>
-          <a:p>
-            <a:r>
-              <a:rPr lang="pt-BR" dirty="0"/>
-              <a:t>Chamada de emergência </a:t>
-            </a:r>
-          </a:p>
-          <a:p>
-            <a:r>
-              <a:rPr lang="pt-BR" dirty="0"/>
-              <a:t>automática</a:t>
-            </a:r>
-          </a:p>
-        </p:txBody>
-      </p:sp>
-      <p:cxnSp>
-        <p:nvCxnSpPr>
-          <p:cNvPr id="39" name="Conector de Seta Reta 38">
-            <a:extLst>
-              <a:ext uri="{FF2B5EF4-FFF2-40B4-BE49-F238E27FC236}">
-                <a16:creationId xmlns:a16="http://schemas.microsoft.com/office/drawing/2014/main" id="{43AEB6E0-489B-449C-A419-C07F356BD639}"/>
-              </a:ext>
-            </a:extLst>
-          </p:cNvPr>
-          <p:cNvCxnSpPr/>
-          <p:nvPr/>
-        </p:nvCxnSpPr>
-        <p:spPr>
-          <a:xfrm>
-            <a:off x="8435686" y="2588218"/>
-            <a:ext cx="774575" cy="1400686"/>
-          </a:xfrm>
-          <a:prstGeom prst="straightConnector1">
-            <a:avLst/>
-          </a:prstGeom>
-          <a:ln>
-            <a:tailEnd type="triangle"/>
-          </a:ln>
-        </p:spPr>
-        <p:style>
-          <a:lnRef idx="1">
-            <a:schemeClr val="accent2"/>
-          </a:lnRef>
-          <a:fillRef idx="0">
-            <a:schemeClr val="accent2"/>
-          </a:fillRef>
-          <a:effectRef idx="0">
-            <a:schemeClr val="accent2"/>
-          </a:effectRef>
-          <a:fontRef idx="minor">
-            <a:schemeClr val="tx1"/>
-          </a:fontRef>
-        </p:style>
-      </p:cxnSp>
-      <p:sp>
-        <p:nvSpPr>
-          <p:cNvPr id="60" name="CaixaDeTexto 59">
-            <a:extLst>
-              <a:ext uri="{FF2B5EF4-FFF2-40B4-BE49-F238E27FC236}">
-                <a16:creationId xmlns:a16="http://schemas.microsoft.com/office/drawing/2014/main" id="{DE314927-A4FA-4E29-842D-4CF5E90A8634}"/>
-              </a:ext>
-            </a:extLst>
-          </p:cNvPr>
-          <p:cNvSpPr txBox="1"/>
-          <p:nvPr/>
-        </p:nvSpPr>
-        <p:spPr>
-          <a:xfrm>
-            <a:off x="8987080" y="5696489"/>
-            <a:ext cx="1113183" cy="646331"/>
-          </a:xfrm>
-          <a:prstGeom prst="rect">
-            <a:avLst/>
-          </a:prstGeom>
-          <a:noFill/>
-        </p:spPr>
-        <p:txBody>
-          <a:bodyPr wrap="square" rtlCol="0">
-            <a:spAutoFit/>
-          </a:bodyPr>
-          <a:lstStyle/>
-          <a:p>
-            <a:r>
-              <a:rPr lang="pt-BR" dirty="0"/>
-              <a:t>Legenda:</a:t>
-            </a:r>
-          </a:p>
-          <a:p>
-            <a:endParaRPr lang="pt-BR" dirty="0"/>
-          </a:p>
-        </p:txBody>
-      </p:sp>
-      <p:cxnSp>
-        <p:nvCxnSpPr>
-          <p:cNvPr id="61" name="Conector de Seta Reta 60">
-            <a:extLst>
-              <a:ext uri="{FF2B5EF4-FFF2-40B4-BE49-F238E27FC236}">
-                <a16:creationId xmlns:a16="http://schemas.microsoft.com/office/drawing/2014/main" id="{E724B258-D43D-4AF4-8386-F1080E65739B}"/>
-              </a:ext>
-            </a:extLst>
-          </p:cNvPr>
-          <p:cNvCxnSpPr>
-            <a:cxnSpLocks/>
-          </p:cNvCxnSpPr>
-          <p:nvPr/>
-        </p:nvCxnSpPr>
-        <p:spPr>
-          <a:xfrm>
-            <a:off x="9130748" y="6207346"/>
-            <a:ext cx="766272" cy="0"/>
-          </a:xfrm>
-          <a:prstGeom prst="straightConnector1">
-            <a:avLst/>
-          </a:prstGeom>
-          <a:ln>
-            <a:tailEnd type="triangle"/>
-          </a:ln>
-        </p:spPr>
-        <p:style>
-          <a:lnRef idx="1">
-            <a:schemeClr val="accent2"/>
-          </a:lnRef>
-          <a:fillRef idx="0">
-            <a:schemeClr val="accent2"/>
-          </a:fillRef>
-          <a:effectRef idx="0">
-            <a:schemeClr val="accent2"/>
-          </a:effectRef>
-          <a:fontRef idx="minor">
-            <a:schemeClr val="tx1"/>
-          </a:fontRef>
-        </p:style>
-      </p:cxnSp>
-      <p:cxnSp>
-        <p:nvCxnSpPr>
-          <p:cNvPr id="63" name="Conector de Seta Reta 62">
-            <a:extLst>
-              <a:ext uri="{FF2B5EF4-FFF2-40B4-BE49-F238E27FC236}">
-                <a16:creationId xmlns:a16="http://schemas.microsoft.com/office/drawing/2014/main" id="{46315F10-A19A-4F41-8620-13AF1F4B19D7}"/>
-              </a:ext>
-            </a:extLst>
-          </p:cNvPr>
-          <p:cNvCxnSpPr>
-            <a:cxnSpLocks/>
-          </p:cNvCxnSpPr>
-          <p:nvPr/>
-        </p:nvCxnSpPr>
-        <p:spPr>
-          <a:xfrm flipV="1">
-            <a:off x="9130748" y="6528350"/>
-            <a:ext cx="766272" cy="1"/>
-          </a:xfrm>
-          <a:prstGeom prst="straightConnector1">
-            <a:avLst/>
-          </a:prstGeom>
-          <a:ln>
-            <a:tailEnd type="triangle"/>
-          </a:ln>
-        </p:spPr>
-        <p:style>
-          <a:lnRef idx="1">
-            <a:schemeClr val="dk1"/>
-          </a:lnRef>
-          <a:fillRef idx="0">
-            <a:schemeClr val="dk1"/>
-          </a:fillRef>
-          <a:effectRef idx="0">
-            <a:schemeClr val="dk1"/>
-          </a:effectRef>
-          <a:fontRef idx="minor">
-            <a:schemeClr val="tx1"/>
-          </a:fontRef>
-        </p:style>
-      </p:cxnSp>
-      <p:sp>
-        <p:nvSpPr>
-          <p:cNvPr id="65" name="Retângulo 64">
-            <a:extLst>
-              <a:ext uri="{FF2B5EF4-FFF2-40B4-BE49-F238E27FC236}">
-                <a16:creationId xmlns:a16="http://schemas.microsoft.com/office/drawing/2014/main" id="{4810FA0E-ED73-46FF-9665-2A117F06115F}"/>
-              </a:ext>
-            </a:extLst>
-          </p:cNvPr>
-          <p:cNvSpPr/>
-          <p:nvPr/>
-        </p:nvSpPr>
-        <p:spPr>
-          <a:xfrm>
-            <a:off x="8987080" y="5557990"/>
-            <a:ext cx="2939877" cy="1187367"/>
-          </a:xfrm>
-          <a:prstGeom prst="rect">
-            <a:avLst/>
-          </a:prstGeom>
-          <a:noFill/>
-          <a:ln>
-            <a:solidFill>
-              <a:schemeClr val="tx1"/>
-            </a:solidFill>
-          </a:ln>
-        </p:spPr>
-        <p:style>
-          <a:lnRef idx="2">
-            <a:schemeClr val="accent1">
-              <a:shade val="50000"/>
-            </a:schemeClr>
-          </a:lnRef>
-          <a:fillRef idx="1">
-            <a:schemeClr val="accent1"/>
-          </a:fillRef>
-          <a:effectRef idx="0">
-            <a:schemeClr val="accent1"/>
-          </a:effectRef>
-          <a:fontRef idx="minor">
-            <a:schemeClr val="lt1"/>
-          </a:fontRef>
-        </p:style>
-        <p:txBody>
-          <a:bodyPr rtlCol="0" anchor="ctr"/>
-          <a:lstStyle/>
-          <a:p>
-            <a:pPr algn="ctr"/>
-            <a:endParaRPr lang="pt-BR"/>
-          </a:p>
-        </p:txBody>
-      </p:sp>
-      <p:sp>
-        <p:nvSpPr>
-          <p:cNvPr id="67" name="CaixaDeTexto 66">
-            <a:extLst>
-              <a:ext uri="{FF2B5EF4-FFF2-40B4-BE49-F238E27FC236}">
-                <a16:creationId xmlns:a16="http://schemas.microsoft.com/office/drawing/2014/main" id="{CEF280A4-74C1-445E-AEBE-951167627B8F}"/>
-              </a:ext>
-            </a:extLst>
-          </p:cNvPr>
-          <p:cNvSpPr txBox="1"/>
-          <p:nvPr/>
-        </p:nvSpPr>
-        <p:spPr>
-          <a:xfrm>
-            <a:off x="9897020" y="6354201"/>
-            <a:ext cx="1589089" cy="369332"/>
-          </a:xfrm>
-          <a:prstGeom prst="rect">
-            <a:avLst/>
-          </a:prstGeom>
-          <a:noFill/>
-        </p:spPr>
-        <p:txBody>
-          <a:bodyPr wrap="none" rtlCol="0">
-            <a:spAutoFit/>
-          </a:bodyPr>
-          <a:lstStyle/>
-          <a:p>
-            <a:r>
-              <a:rPr lang="pt-BR" dirty="0"/>
-              <a:t>Fluxo de dados</a:t>
-            </a:r>
-          </a:p>
-        </p:txBody>
-      </p:sp>
-      <p:sp>
-        <p:nvSpPr>
-          <p:cNvPr id="68" name="CaixaDeTexto 67">
-            <a:extLst>
-              <a:ext uri="{FF2B5EF4-FFF2-40B4-BE49-F238E27FC236}">
-                <a16:creationId xmlns:a16="http://schemas.microsoft.com/office/drawing/2014/main" id="{8F764692-12ED-4104-8CAD-B7753F78946D}"/>
-              </a:ext>
-            </a:extLst>
-          </p:cNvPr>
-          <p:cNvSpPr txBox="1"/>
-          <p:nvPr/>
-        </p:nvSpPr>
-        <p:spPr>
-          <a:xfrm>
-            <a:off x="9897020" y="6019654"/>
-            <a:ext cx="1432765" cy="369332"/>
-          </a:xfrm>
-          <a:prstGeom prst="rect">
-            <a:avLst/>
-          </a:prstGeom>
-          <a:noFill/>
-        </p:spPr>
-        <p:txBody>
-          <a:bodyPr wrap="none" rtlCol="0">
-            <a:spAutoFit/>
-          </a:bodyPr>
-          <a:lstStyle/>
-          <a:p>
-            <a:r>
-              <a:rPr lang="pt-BR" dirty="0"/>
-              <a:t>Especificação</a:t>
-            </a:r>
-          </a:p>
-        </p:txBody>
-      </p:sp>
-      <p:pic>
-        <p:nvPicPr>
-          <p:cNvPr id="30" name="Imagem 29">
-            <a:extLst>
-              <a:ext uri="{FF2B5EF4-FFF2-40B4-BE49-F238E27FC236}">
-                <a16:creationId xmlns:a16="http://schemas.microsoft.com/office/drawing/2014/main" id="{152A8A31-5321-4EFD-9868-02F4948A45AF}"/>
-              </a:ext>
-            </a:extLst>
-          </p:cNvPr>
-          <p:cNvPicPr>
-            <a:picLocks noChangeAspect="1"/>
-          </p:cNvPicPr>
-          <p:nvPr/>
-        </p:nvPicPr>
-        <p:blipFill>
-          <a:blip r:embed="rId5">
-            <a:extLst>
-              <a:ext uri="{28A0092B-C50C-407E-A947-70E740481C1C}">
-                <a14:useLocalDpi xmlns:a14="http://schemas.microsoft.com/office/drawing/2010/main" val="0"/>
-              </a:ext>
-            </a:extLst>
-          </a:blip>
-          <a:stretch>
-            <a:fillRect/>
-          </a:stretch>
-        </p:blipFill>
-        <p:spPr>
-          <a:xfrm>
-            <a:off x="9943226" y="1600646"/>
-            <a:ext cx="1054123" cy="1054123"/>
-          </a:xfrm>
-          <a:prstGeom prst="rect">
-            <a:avLst/>
-          </a:prstGeom>
-        </p:spPr>
-      </p:pic>
-    </p:spTree>
-    <p:extLst>
-      <p:ext uri="{BB962C8B-B14F-4D97-AF65-F5344CB8AC3E}">
-        <p14:creationId xmlns:p14="http://schemas.microsoft.com/office/powerpoint/2010/main" val="3156143755"/>
-      </p:ext>
-    </p:extLst>
-  </p:cSld>
-  <p:clrMapOvr>
-    <a:masterClrMapping/>
-  </p:clrMapOvr>
-</p:sld>
-</file>
-
-<file path=ppt/slides/slide6.xml><?xml version="1.0" encoding="utf-8"?>
-<p:sld xmlns:a="http://schemas.openxmlformats.org/drawingml/2006/main" xmlns:r="http://schemas.openxmlformats.org/officeDocument/2006/relationships" xmlns:p="http://schemas.openxmlformats.org/presentationml/2006/main">
-  <p:cSld>
-    <p:spTree>
-      <p:nvGrpSpPr>
-        <p:cNvPr id="1" name=""/>
-        <p:cNvGrpSpPr/>
-        <p:nvPr/>
-      </p:nvGrpSpPr>
-      <p:grpSpPr>
-        <a:xfrm>
-          <a:off x="0" y="0"/>
-          <a:ext cx="0" cy="0"/>
-          <a:chOff x="0" y="0"/>
-          <a:chExt cx="0" cy="0"/>
-        </a:xfrm>
-      </p:grpSpPr>
       <p:sp>
         <p:nvSpPr>
           <p:cNvPr id="4" name="CaixaDeTexto 3">
@@ -9827,7 +13317,7 @@
             </a:pPr>
             <a:r>
               <a:rPr lang="pt-BR" sz="2400" dirty="0"/>
-              <a:t>Node JS – Servidor WEB e manipulação</a:t>
+              <a:t>Node JS – Servidor HTTP e manipulação</a:t>
             </a:r>
           </a:p>
           <a:p>

--- a/documentacao/Tecnologia da Informação/Lúdico.HLD.LLD.pptx
+++ b/documentacao/Tecnologia da Informação/Lúdico.HLD.LLD.pptx
@@ -118,6 +118,14 @@
 </p:presentation>
 </file>
 
+<file path=ppt/revisionInfo.xml><?xml version="1.0" encoding="utf-8"?>
+<p1510:revInfo xmlns:a="http://schemas.openxmlformats.org/drawingml/2006/main" xmlns:r="http://schemas.openxmlformats.org/officeDocument/2006/relationships" xmlns:p1510="http://schemas.microsoft.com/office/powerpoint/2015/10/main">
+  <p1510:revLst>
+    <p1510:client id="{B115B0BA-BDA3-4D7D-ABA8-030402EE8633}" v="3" dt="2019-05-19T16:02:40.915"/>
+  </p1510:revLst>
+</p1510:revInfo>
+</file>
+
 <file path=ppt/notesMasters/notesMaster1.xml><?xml version="1.0" encoding="utf-8"?>
 <p:notesMaster xmlns:a="http://schemas.openxmlformats.org/drawingml/2006/main" xmlns:r="http://schemas.openxmlformats.org/officeDocument/2006/relationships" xmlns:p="http://schemas.openxmlformats.org/presentationml/2006/main">
   <p:cSld>
@@ -200,7 +208,7 @@
           <a:p>
             <a:fld id="{FED44E70-6B30-4F78-96F9-174C4D80A519}" type="datetimeFigureOut">
               <a:rPr lang="pt-BR" smtClean="0"/>
-              <a:t>08/05/2019</a:t>
+              <a:t>19/05/2019</a:t>
             </a:fld>
             <a:endParaRPr lang="pt-BR"/>
           </a:p>
@@ -698,7 +706,7 @@
           <a:p>
             <a:fld id="{6EBA081D-4D01-4F28-A879-8ACC76A602D6}" type="datetimeFigureOut">
               <a:rPr lang="pt-BR" smtClean="0"/>
-              <a:t>08/05/2019</a:t>
+              <a:t>19/05/2019</a:t>
             </a:fld>
             <a:endParaRPr lang="pt-BR"/>
           </a:p>
@@ -896,7 +904,7 @@
           <a:p>
             <a:fld id="{6EBA081D-4D01-4F28-A879-8ACC76A602D6}" type="datetimeFigureOut">
               <a:rPr lang="pt-BR" smtClean="0"/>
-              <a:t>08/05/2019</a:t>
+              <a:t>19/05/2019</a:t>
             </a:fld>
             <a:endParaRPr lang="pt-BR"/>
           </a:p>
@@ -1104,7 +1112,7 @@
           <a:p>
             <a:fld id="{6EBA081D-4D01-4F28-A879-8ACC76A602D6}" type="datetimeFigureOut">
               <a:rPr lang="pt-BR" smtClean="0"/>
-              <a:t>08/05/2019</a:t>
+              <a:t>19/05/2019</a:t>
             </a:fld>
             <a:endParaRPr lang="pt-BR"/>
           </a:p>
@@ -1302,7 +1310,7 @@
           <a:p>
             <a:fld id="{6EBA081D-4D01-4F28-A879-8ACC76A602D6}" type="datetimeFigureOut">
               <a:rPr lang="pt-BR" smtClean="0"/>
-              <a:t>08/05/2019</a:t>
+              <a:t>19/05/2019</a:t>
             </a:fld>
             <a:endParaRPr lang="pt-BR"/>
           </a:p>
@@ -1577,7 +1585,7 @@
           <a:p>
             <a:fld id="{6EBA081D-4D01-4F28-A879-8ACC76A602D6}" type="datetimeFigureOut">
               <a:rPr lang="pt-BR" smtClean="0"/>
-              <a:t>08/05/2019</a:t>
+              <a:t>19/05/2019</a:t>
             </a:fld>
             <a:endParaRPr lang="pt-BR"/>
           </a:p>
@@ -1842,7 +1850,7 @@
           <a:p>
             <a:fld id="{6EBA081D-4D01-4F28-A879-8ACC76A602D6}" type="datetimeFigureOut">
               <a:rPr lang="pt-BR" smtClean="0"/>
-              <a:t>08/05/2019</a:t>
+              <a:t>19/05/2019</a:t>
             </a:fld>
             <a:endParaRPr lang="pt-BR"/>
           </a:p>
@@ -2254,7 +2262,7 @@
           <a:p>
             <a:fld id="{6EBA081D-4D01-4F28-A879-8ACC76A602D6}" type="datetimeFigureOut">
               <a:rPr lang="pt-BR" smtClean="0"/>
-              <a:t>08/05/2019</a:t>
+              <a:t>19/05/2019</a:t>
             </a:fld>
             <a:endParaRPr lang="pt-BR"/>
           </a:p>
@@ -2395,7 +2403,7 @@
           <a:p>
             <a:fld id="{6EBA081D-4D01-4F28-A879-8ACC76A602D6}" type="datetimeFigureOut">
               <a:rPr lang="pt-BR" smtClean="0"/>
-              <a:t>08/05/2019</a:t>
+              <a:t>19/05/2019</a:t>
             </a:fld>
             <a:endParaRPr lang="pt-BR"/>
           </a:p>
@@ -2508,7 +2516,7 @@
           <a:p>
             <a:fld id="{6EBA081D-4D01-4F28-A879-8ACC76A602D6}" type="datetimeFigureOut">
               <a:rPr lang="pt-BR" smtClean="0"/>
-              <a:t>08/05/2019</a:t>
+              <a:t>19/05/2019</a:t>
             </a:fld>
             <a:endParaRPr lang="pt-BR"/>
           </a:p>
@@ -2819,7 +2827,7 @@
           <a:p>
             <a:fld id="{6EBA081D-4D01-4F28-A879-8ACC76A602D6}" type="datetimeFigureOut">
               <a:rPr lang="pt-BR" smtClean="0"/>
-              <a:t>08/05/2019</a:t>
+              <a:t>19/05/2019</a:t>
             </a:fld>
             <a:endParaRPr lang="pt-BR"/>
           </a:p>
@@ -3107,7 +3115,7 @@
           <a:p>
             <a:fld id="{6EBA081D-4D01-4F28-A879-8ACC76A602D6}" type="datetimeFigureOut">
               <a:rPr lang="pt-BR" smtClean="0"/>
-              <a:t>08/05/2019</a:t>
+              <a:t>19/05/2019</a:t>
             </a:fld>
             <a:endParaRPr lang="pt-BR"/>
           </a:p>
@@ -3348,7 +3356,7 @@
           <a:p>
             <a:fld id="{6EBA081D-4D01-4F28-A879-8ACC76A602D6}" type="datetimeFigureOut">
               <a:rPr lang="pt-BR" smtClean="0"/>
-              <a:t>08/05/2019</a:t>
+              <a:t>19/05/2019</a:t>
             </a:fld>
             <a:endParaRPr lang="pt-BR"/>
           </a:p>
@@ -7500,34 +7508,22 @@
           <a:p>
             <a:pPr algn="ctr"/>
             <a:r>
-              <a:rPr lang="pt-BR" dirty="0" err="1"/>
-              <a:t>SQLServer</a:t>
+              <a:rPr lang="pt-BR" dirty="0"/>
+              <a:t>SQLServer ;</a:t>
             </a:r>
+          </a:p>
+          <a:p>
+            <a:pPr algn="ctr"/>
             <a:r>
               <a:rPr lang="pt-BR" dirty="0"/>
-              <a:t> ;</a:t>
+              <a:t>NodeJS as Server HTTP</a:t>
             </a:r>
           </a:p>
           <a:p>
             <a:pPr algn="ctr"/>
             <a:r>
-              <a:rPr lang="pt-BR" dirty="0" err="1"/>
-              <a:t>NodeJS</a:t>
-            </a:r>
-            <a:r>
               <a:rPr lang="pt-BR" dirty="0"/>
-              <a:t> as Server HTTP</a:t>
-            </a:r>
-          </a:p>
-          <a:p>
-            <a:pPr algn="ctr"/>
-            <a:r>
-              <a:rPr lang="pt-BR" dirty="0" err="1"/>
-              <a:t>with</a:t>
-            </a:r>
-            <a:r>
-              <a:rPr lang="pt-BR" dirty="0"/>
-              <a:t> Dashboard;</a:t>
+              <a:t>with Dashboard;</a:t>
             </a:r>
           </a:p>
         </p:txBody>
@@ -13292,12 +13288,8 @@
               <a:buChar char="•"/>
             </a:pPr>
             <a:r>
-              <a:rPr lang="pt-BR" sz="2400" dirty="0" err="1"/>
-              <a:t>SQLServer</a:t>
-            </a:r>
-            <a:r>
               <a:rPr lang="pt-BR" sz="2400" dirty="0"/>
-              <a:t> – Banco de Dados</a:t>
+              <a:t>SQLServer – Banco de Dados</a:t>
             </a:r>
           </a:p>
           <a:p>
